--- a/sessions/week9/slides.pptx
+++ b/sessions/week9/slides.pptx
@@ -5,10 +5,10 @@
     <p:sldMasterId id="2147483662" r:id="rId1"/>
   </p:sldMasterIdLst>
   <p:notesMasterIdLst>
-    <p:notesMasterId r:id="rId14"/>
+    <p:notesMasterId r:id="rId10"/>
   </p:notesMasterIdLst>
   <p:handoutMasterIdLst>
-    <p:handoutMasterId r:id="rId15"/>
+    <p:handoutMasterId r:id="rId11"/>
   </p:handoutMasterIdLst>
   <p:sldIdLst>
     <p:sldId id="384" r:id="rId2"/>
@@ -16,13 +16,9 @@
     <p:sldId id="405" r:id="rId4"/>
     <p:sldId id="406" r:id="rId5"/>
     <p:sldId id="387" r:id="rId6"/>
-    <p:sldId id="388" r:id="rId7"/>
-    <p:sldId id="389" r:id="rId8"/>
-    <p:sldId id="390" r:id="rId9"/>
-    <p:sldId id="391" r:id="rId10"/>
-    <p:sldId id="392" r:id="rId11"/>
-    <p:sldId id="404" r:id="rId12"/>
-    <p:sldId id="403" r:id="rId13"/>
+    <p:sldId id="389" r:id="rId7"/>
+    <p:sldId id="390" r:id="rId8"/>
+    <p:sldId id="403" r:id="rId9"/>
   </p:sldIdLst>
   <p:sldSz cx="9144000" cy="6858000" type="screen4x3"/>
   <p:notesSz cx="6797675" cy="9928225"/>
@@ -1108,7 +1104,7 @@
       </p:grpSpPr>
       <p:sp>
         <p:nvSpPr>
-          <p:cNvPr id="23554" name="Slide Image Placeholder 1"/>
+          <p:cNvPr id="24578" name="Slide Image Placeholder 1"/>
           <p:cNvSpPr>
             <a:spLocks noGrp="1" noRot="1" noChangeAspect="1" noTextEdit="1"/>
           </p:cNvSpPr>
@@ -1130,7 +1126,7 @@
       </p:sp>
       <p:sp>
         <p:nvSpPr>
-          <p:cNvPr id="23555" name="Notes Placeholder 2"/>
+          <p:cNvPr id="24579" name="Notes Placeholder 2"/>
           <p:cNvSpPr>
             <a:spLocks noGrp="1"/>
           </p:cNvSpPr>
@@ -1145,30 +1141,13 @@
           <a:bodyPr/>
           <a:lstStyle/>
           <a:p>
-            <a:r>
-              <a:rPr lang="en-GB" dirty="0" smtClean="0"/>
-              <a:t>Self-closing input … allows to enter info in a number of ways … by assigning type </a:t>
-            </a:r>
-            <a:r>
-              <a:rPr lang="en-GB" dirty="0" err="1" smtClean="0"/>
-              <a:t>attri</a:t>
-            </a:r>
-            <a:endParaRPr lang="en-GB" dirty="0" smtClean="0"/>
-          </a:p>
-          <a:p>
-            <a:endParaRPr lang="en-GB" dirty="0" smtClean="0"/>
-          </a:p>
-          <a:p>
-            <a:r>
-              <a:rPr lang="en-GB" dirty="0" smtClean="0"/>
-              <a:t>Name: aids the processing script to identify the field</a:t>
-            </a:r>
-          </a:p>
-        </p:txBody>
-      </p:sp>
-      <p:sp>
-        <p:nvSpPr>
-          <p:cNvPr id="23556" name="Slide Number Placeholder 3"/>
+            <a:endParaRPr lang="en-GB" smtClean="0"/>
+          </a:p>
+        </p:txBody>
+      </p:sp>
+      <p:sp>
+        <p:nvSpPr>
+          <p:cNvPr id="24580" name="Slide Number Placeholder 3"/>
           <p:cNvSpPr>
             <a:spLocks noGrp="1"/>
           </p:cNvSpPr>
@@ -1188,7 +1167,7 @@
           <a:bodyPr/>
           <a:lstStyle/>
           <a:p>
-            <a:fld id="{ED412A74-9822-4B6F-838D-E1A6DC4E689E}" type="slidenum">
+            <a:fld id="{B4002218-53B2-45C6-A41E-4E7FD279449A}" type="slidenum">
               <a:rPr lang="en-GB" smtClean="0"/>
               <a:pPr/>
               <a:t>6</a:t>
@@ -1200,7 +1179,7 @@
     </p:spTree>
     <p:extLst>
       <p:ext uri="{BB962C8B-B14F-4D97-AF65-F5344CB8AC3E}">
-        <p14:creationId xmlns:p14="http://schemas.microsoft.com/office/powerpoint/2010/main" val="1919570089"/>
+        <p14:creationId xmlns:p14="http://schemas.microsoft.com/office/powerpoint/2010/main" val="3816130540"/>
       </p:ext>
     </p:extLst>
   </p:cSld>
@@ -1229,7 +1208,7 @@
       </p:grpSpPr>
       <p:sp>
         <p:nvSpPr>
-          <p:cNvPr id="24578" name="Slide Image Placeholder 1"/>
+          <p:cNvPr id="25602" name="Slide Image Placeholder 1"/>
           <p:cNvSpPr>
             <a:spLocks noGrp="1" noRot="1" noChangeAspect="1" noTextEdit="1"/>
           </p:cNvSpPr>
@@ -1251,7 +1230,7 @@
       </p:sp>
       <p:sp>
         <p:nvSpPr>
-          <p:cNvPr id="24579" name="Notes Placeholder 2"/>
+          <p:cNvPr id="25603" name="Notes Placeholder 2"/>
           <p:cNvSpPr>
             <a:spLocks noGrp="1"/>
           </p:cNvSpPr>
@@ -1272,7 +1251,7 @@
       </p:sp>
       <p:sp>
         <p:nvSpPr>
-          <p:cNvPr id="24580" name="Slide Number Placeholder 3"/>
+          <p:cNvPr id="25604" name="Slide Number Placeholder 3"/>
           <p:cNvSpPr>
             <a:spLocks noGrp="1"/>
           </p:cNvSpPr>
@@ -1292,7 +1271,7 @@
           <a:bodyPr/>
           <a:lstStyle/>
           <a:p>
-            <a:fld id="{B4002218-53B2-45C6-A41E-4E7FD279449A}" type="slidenum">
+            <a:fld id="{4868EDFD-3FF8-44E6-A3CE-69F26C370632}" type="slidenum">
               <a:rPr lang="en-GB" smtClean="0"/>
               <a:pPr/>
               <a:t>7</a:t>
@@ -1304,7 +1283,7 @@
     </p:spTree>
     <p:extLst>
       <p:ext uri="{BB962C8B-B14F-4D97-AF65-F5344CB8AC3E}">
-        <p14:creationId xmlns:p14="http://schemas.microsoft.com/office/powerpoint/2010/main" val="3816130540"/>
+        <p14:creationId xmlns:p14="http://schemas.microsoft.com/office/powerpoint/2010/main" val="977238845"/>
       </p:ext>
     </p:extLst>
   </p:cSld>
@@ -1333,7 +1312,7 @@
       </p:grpSpPr>
       <p:sp>
         <p:nvSpPr>
-          <p:cNvPr id="25602" name="Slide Image Placeholder 1"/>
+          <p:cNvPr id="67586" name="Slide Image Placeholder 1"/>
           <p:cNvSpPr>
             <a:spLocks noGrp="1" noRot="1" noChangeAspect="1" noTextEdit="1"/>
           </p:cNvSpPr>
@@ -1355,7 +1334,7 @@
       </p:sp>
       <p:sp>
         <p:nvSpPr>
-          <p:cNvPr id="25603" name="Notes Placeholder 2"/>
+          <p:cNvPr id="67587" name="Notes Placeholder 2"/>
           <p:cNvSpPr>
             <a:spLocks noGrp="1"/>
           </p:cNvSpPr>
@@ -1376,7 +1355,7 @@
       </p:sp>
       <p:sp>
         <p:nvSpPr>
-          <p:cNvPr id="25604" name="Slide Number Placeholder 3"/>
+          <p:cNvPr id="67588" name="Slide Number Placeholder 3"/>
           <p:cNvSpPr>
             <a:spLocks noGrp="1"/>
           </p:cNvSpPr>
@@ -1396,322 +1375,10 @@
           <a:bodyPr/>
           <a:lstStyle/>
           <a:p>
-            <a:fld id="{4868EDFD-3FF8-44E6-A3CE-69F26C370632}" type="slidenum">
+            <a:fld id="{075A1BE3-65F8-41FB-A37C-97438561E47D}" type="slidenum">
               <a:rPr lang="en-GB" smtClean="0"/>
               <a:pPr/>
               <a:t>8</a:t>
-            </a:fld>
-            <a:endParaRPr lang="en-GB" smtClean="0"/>
-          </a:p>
-        </p:txBody>
-      </p:sp>
-    </p:spTree>
-    <p:extLst>
-      <p:ext uri="{BB962C8B-B14F-4D97-AF65-F5344CB8AC3E}">
-        <p14:creationId xmlns:p14="http://schemas.microsoft.com/office/powerpoint/2010/main" val="977238845"/>
-      </p:ext>
-    </p:extLst>
-  </p:cSld>
-  <p:clrMapOvr>
-    <a:masterClrMapping/>
-  </p:clrMapOvr>
-</p:notes>
-</file>
-
-<file path=ppt/notesSlides/notesSlide5.xml><?xml version="1.0" encoding="utf-8"?>
-<p:notes xmlns:a="http://schemas.openxmlformats.org/drawingml/2006/main" xmlns:r="http://schemas.openxmlformats.org/officeDocument/2006/relationships" xmlns:p="http://schemas.openxmlformats.org/presentationml/2006/main">
-  <p:cSld>
-    <p:spTree>
-      <p:nvGrpSpPr>
-        <p:cNvPr id="1" name=""/>
-        <p:cNvGrpSpPr/>
-        <p:nvPr/>
-      </p:nvGrpSpPr>
-      <p:grpSpPr>
-        <a:xfrm>
-          <a:off x="0" y="0"/>
-          <a:ext cx="0" cy="0"/>
-          <a:chOff x="0" y="0"/>
-          <a:chExt cx="0" cy="0"/>
-        </a:xfrm>
-      </p:grpSpPr>
-      <p:sp>
-        <p:nvSpPr>
-          <p:cNvPr id="26626" name="Slide Image Placeholder 1"/>
-          <p:cNvSpPr>
-            <a:spLocks noGrp="1" noRot="1" noChangeAspect="1" noTextEdit="1"/>
-          </p:cNvSpPr>
-          <p:nvPr>
-            <p:ph type="sldImg"/>
-          </p:nvPr>
-        </p:nvSpPr>
-        <p:spPr bwMode="auto">
-          <a:noFill/>
-          <a:ln>
-            <a:solidFill>
-              <a:srgbClr val="000000"/>
-            </a:solidFill>
-            <a:miter lim="800000"/>
-            <a:headEnd/>
-            <a:tailEnd/>
-          </a:ln>
-        </p:spPr>
-      </p:sp>
-      <p:sp>
-        <p:nvSpPr>
-          <p:cNvPr id="26627" name="Notes Placeholder 2"/>
-          <p:cNvSpPr>
-            <a:spLocks noGrp="1"/>
-          </p:cNvSpPr>
-          <p:nvPr>
-            <p:ph type="body" idx="1"/>
-          </p:nvPr>
-        </p:nvSpPr>
-        <p:spPr bwMode="auto">
-          <a:noFill/>
-        </p:spPr>
-        <p:txBody>
-          <a:bodyPr/>
-          <a:lstStyle/>
-          <a:p>
-            <a:endParaRPr lang="en-GB" smtClean="0"/>
-          </a:p>
-        </p:txBody>
-      </p:sp>
-      <p:sp>
-        <p:nvSpPr>
-          <p:cNvPr id="26628" name="Slide Number Placeholder 3"/>
-          <p:cNvSpPr>
-            <a:spLocks noGrp="1"/>
-          </p:cNvSpPr>
-          <p:nvPr>
-            <p:ph type="sldNum" sz="quarter" idx="5"/>
-          </p:nvPr>
-        </p:nvSpPr>
-        <p:spPr bwMode="auto">
-          <a:noFill/>
-          <a:ln>
-            <a:miter lim="800000"/>
-            <a:headEnd/>
-            <a:tailEnd/>
-          </a:ln>
-        </p:spPr>
-        <p:txBody>
-          <a:bodyPr/>
-          <a:lstStyle/>
-          <a:p>
-            <a:fld id="{ECE1AEEF-2D13-4F06-AF69-A6ADA532B2C1}" type="slidenum">
-              <a:rPr lang="en-GB" smtClean="0"/>
-              <a:pPr/>
-              <a:t>9</a:t>
-            </a:fld>
-            <a:endParaRPr lang="en-GB" smtClean="0"/>
-          </a:p>
-        </p:txBody>
-      </p:sp>
-    </p:spTree>
-    <p:extLst>
-      <p:ext uri="{BB962C8B-B14F-4D97-AF65-F5344CB8AC3E}">
-        <p14:creationId xmlns:p14="http://schemas.microsoft.com/office/powerpoint/2010/main" val="1245069581"/>
-      </p:ext>
-    </p:extLst>
-  </p:cSld>
-  <p:clrMapOvr>
-    <a:masterClrMapping/>
-  </p:clrMapOvr>
-</p:notes>
-</file>
-
-<file path=ppt/notesSlides/notesSlide6.xml><?xml version="1.0" encoding="utf-8"?>
-<p:notes xmlns:a="http://schemas.openxmlformats.org/drawingml/2006/main" xmlns:r="http://schemas.openxmlformats.org/officeDocument/2006/relationships" xmlns:p="http://schemas.openxmlformats.org/presentationml/2006/main">
-  <p:cSld>
-    <p:spTree>
-      <p:nvGrpSpPr>
-        <p:cNvPr id="1" name=""/>
-        <p:cNvGrpSpPr/>
-        <p:nvPr/>
-      </p:nvGrpSpPr>
-      <p:grpSpPr>
-        <a:xfrm>
-          <a:off x="0" y="0"/>
-          <a:ext cx="0" cy="0"/>
-          <a:chOff x="0" y="0"/>
-          <a:chExt cx="0" cy="0"/>
-        </a:xfrm>
-      </p:grpSpPr>
-      <p:sp>
-        <p:nvSpPr>
-          <p:cNvPr id="27650" name="Slide Image Placeholder 1"/>
-          <p:cNvSpPr>
-            <a:spLocks noGrp="1" noRot="1" noChangeAspect="1" noTextEdit="1"/>
-          </p:cNvSpPr>
-          <p:nvPr>
-            <p:ph type="sldImg"/>
-          </p:nvPr>
-        </p:nvSpPr>
-        <p:spPr bwMode="auto">
-          <a:noFill/>
-          <a:ln>
-            <a:solidFill>
-              <a:srgbClr val="000000"/>
-            </a:solidFill>
-            <a:miter lim="800000"/>
-            <a:headEnd/>
-            <a:tailEnd/>
-          </a:ln>
-        </p:spPr>
-      </p:sp>
-      <p:sp>
-        <p:nvSpPr>
-          <p:cNvPr id="27651" name="Notes Placeholder 2"/>
-          <p:cNvSpPr>
-            <a:spLocks noGrp="1"/>
-          </p:cNvSpPr>
-          <p:nvPr>
-            <p:ph type="body" idx="1"/>
-          </p:nvPr>
-        </p:nvSpPr>
-        <p:spPr bwMode="auto">
-          <a:noFill/>
-        </p:spPr>
-        <p:txBody>
-          <a:bodyPr/>
-          <a:lstStyle/>
-          <a:p>
-            <a:endParaRPr lang="en-GB" smtClean="0"/>
-          </a:p>
-        </p:txBody>
-      </p:sp>
-      <p:sp>
-        <p:nvSpPr>
-          <p:cNvPr id="27652" name="Slide Number Placeholder 3"/>
-          <p:cNvSpPr>
-            <a:spLocks noGrp="1"/>
-          </p:cNvSpPr>
-          <p:nvPr>
-            <p:ph type="sldNum" sz="quarter" idx="5"/>
-          </p:nvPr>
-        </p:nvSpPr>
-        <p:spPr bwMode="auto">
-          <a:noFill/>
-          <a:ln>
-            <a:miter lim="800000"/>
-            <a:headEnd/>
-            <a:tailEnd/>
-          </a:ln>
-        </p:spPr>
-        <p:txBody>
-          <a:bodyPr/>
-          <a:lstStyle/>
-          <a:p>
-            <a:fld id="{BF384007-9FBE-468F-A86F-3D7105A5EF20}" type="slidenum">
-              <a:rPr lang="en-GB" smtClean="0"/>
-              <a:pPr/>
-              <a:t>10</a:t>
-            </a:fld>
-            <a:endParaRPr lang="en-GB" smtClean="0"/>
-          </a:p>
-        </p:txBody>
-      </p:sp>
-    </p:spTree>
-    <p:extLst>
-      <p:ext uri="{BB962C8B-B14F-4D97-AF65-F5344CB8AC3E}">
-        <p14:creationId xmlns:p14="http://schemas.microsoft.com/office/powerpoint/2010/main" val="1018432853"/>
-      </p:ext>
-    </p:extLst>
-  </p:cSld>
-  <p:clrMapOvr>
-    <a:masterClrMapping/>
-  </p:clrMapOvr>
-</p:notes>
-</file>
-
-<file path=ppt/notesSlides/notesSlide7.xml><?xml version="1.0" encoding="utf-8"?>
-<p:notes xmlns:a="http://schemas.openxmlformats.org/drawingml/2006/main" xmlns:r="http://schemas.openxmlformats.org/officeDocument/2006/relationships" xmlns:p="http://schemas.openxmlformats.org/presentationml/2006/main">
-  <p:cSld>
-    <p:spTree>
-      <p:nvGrpSpPr>
-        <p:cNvPr id="1" name=""/>
-        <p:cNvGrpSpPr/>
-        <p:nvPr/>
-      </p:nvGrpSpPr>
-      <p:grpSpPr>
-        <a:xfrm>
-          <a:off x="0" y="0"/>
-          <a:ext cx="0" cy="0"/>
-          <a:chOff x="0" y="0"/>
-          <a:chExt cx="0" cy="0"/>
-        </a:xfrm>
-      </p:grpSpPr>
-      <p:sp>
-        <p:nvSpPr>
-          <p:cNvPr id="67586" name="Slide Image Placeholder 1"/>
-          <p:cNvSpPr>
-            <a:spLocks noGrp="1" noRot="1" noChangeAspect="1" noTextEdit="1"/>
-          </p:cNvSpPr>
-          <p:nvPr>
-            <p:ph type="sldImg"/>
-          </p:nvPr>
-        </p:nvSpPr>
-        <p:spPr bwMode="auto">
-          <a:noFill/>
-          <a:ln>
-            <a:solidFill>
-              <a:srgbClr val="000000"/>
-            </a:solidFill>
-            <a:miter lim="800000"/>
-            <a:headEnd/>
-            <a:tailEnd/>
-          </a:ln>
-        </p:spPr>
-      </p:sp>
-      <p:sp>
-        <p:nvSpPr>
-          <p:cNvPr id="67587" name="Notes Placeholder 2"/>
-          <p:cNvSpPr>
-            <a:spLocks noGrp="1"/>
-          </p:cNvSpPr>
-          <p:nvPr>
-            <p:ph type="body" idx="1"/>
-          </p:nvPr>
-        </p:nvSpPr>
-        <p:spPr bwMode="auto">
-          <a:noFill/>
-        </p:spPr>
-        <p:txBody>
-          <a:bodyPr/>
-          <a:lstStyle/>
-          <a:p>
-            <a:endParaRPr lang="en-GB" smtClean="0"/>
-          </a:p>
-        </p:txBody>
-      </p:sp>
-      <p:sp>
-        <p:nvSpPr>
-          <p:cNvPr id="67588" name="Slide Number Placeholder 3"/>
-          <p:cNvSpPr>
-            <a:spLocks noGrp="1"/>
-          </p:cNvSpPr>
-          <p:nvPr>
-            <p:ph type="sldNum" sz="quarter" idx="5"/>
-          </p:nvPr>
-        </p:nvSpPr>
-        <p:spPr bwMode="auto">
-          <a:noFill/>
-          <a:ln>
-            <a:miter lim="800000"/>
-            <a:headEnd/>
-            <a:tailEnd/>
-          </a:ln>
-        </p:spPr>
-        <p:txBody>
-          <a:bodyPr/>
-          <a:lstStyle/>
-          <a:p>
-            <a:fld id="{075A1BE3-65F8-41FB-A37C-97438561E47D}" type="slidenum">
-              <a:rPr lang="en-GB" smtClean="0"/>
-              <a:pPr/>
-              <a:t>12</a:t>
             </a:fld>
             <a:endParaRPr lang="en-GB" smtClean="0"/>
           </a:p>
@@ -5255,1129 +4922,6 @@
 </p:sld>
 </file>
 
-<file path=ppt/slides/slide10.xml><?xml version="1.0" encoding="utf-8"?>
-<p:sld xmlns:a="http://schemas.openxmlformats.org/drawingml/2006/main" xmlns:r="http://schemas.openxmlformats.org/officeDocument/2006/relationships" xmlns:p="http://schemas.openxmlformats.org/presentationml/2006/main" showMasterSp="0">
-  <p:cSld>
-    <p:spTree>
-      <p:nvGrpSpPr>
-        <p:cNvPr id="1" name=""/>
-        <p:cNvGrpSpPr/>
-        <p:nvPr/>
-      </p:nvGrpSpPr>
-      <p:grpSpPr>
-        <a:xfrm>
-          <a:off x="0" y="0"/>
-          <a:ext cx="0" cy="0"/>
-          <a:chOff x="0" y="0"/>
-          <a:chExt cx="0" cy="0"/>
-        </a:xfrm>
-      </p:grpSpPr>
-      <p:sp>
-        <p:nvSpPr>
-          <p:cNvPr id="10243" name="Rectangle 2"/>
-          <p:cNvSpPr>
-            <a:spLocks noGrp="1" noChangeArrowheads="1"/>
-          </p:cNvSpPr>
-          <p:nvPr>
-            <p:ph type="title"/>
-          </p:nvPr>
-        </p:nvSpPr>
-        <p:spPr>
-          <a:xfrm>
-            <a:off x="0" y="357188"/>
-            <a:ext cx="9144000" cy="714375"/>
-          </a:xfrm>
-        </p:spPr>
-        <p:txBody>
-          <a:bodyPr>
-            <a:normAutofit fontScale="90000"/>
-          </a:bodyPr>
-          <a:lstStyle/>
-          <a:p>
-            <a:pPr algn="ctr" eaLnBrk="1" hangingPunct="1">
-              <a:defRPr/>
-            </a:pPr>
-            <a:r>
-              <a:rPr lang="en-GB" sz="3600" dirty="0" smtClean="0">
-                <a:solidFill>
-                  <a:srgbClr val="C00000"/>
-                </a:solidFill>
-              </a:rPr>
-              <a:t>Multi-line Text</a:t>
-            </a:r>
-            <a:br>
-              <a:rPr lang="en-GB" sz="3600" dirty="0" smtClean="0">
-                <a:solidFill>
-                  <a:srgbClr val="C00000"/>
-                </a:solidFill>
-              </a:rPr>
-            </a:br>
-            <a:endParaRPr lang="en-GB" sz="3600" dirty="0" smtClean="0">
-              <a:solidFill>
-                <a:srgbClr val="C00000"/>
-              </a:solidFill>
-              <a:ea typeface="+mj-ea"/>
-            </a:endParaRPr>
-          </a:p>
-        </p:txBody>
-      </p:sp>
-      <p:sp>
-        <p:nvSpPr>
-          <p:cNvPr id="8195" name="Rectangle 4"/>
-          <p:cNvSpPr>
-            <a:spLocks noChangeArrowheads="1"/>
-          </p:cNvSpPr>
-          <p:nvPr/>
-        </p:nvSpPr>
-        <p:spPr bwMode="auto">
-          <a:xfrm>
-            <a:off x="395536" y="3384550"/>
-            <a:ext cx="8429625" cy="1844650"/>
-          </a:xfrm>
-          <a:prstGeom prst="rect">
-            <a:avLst/>
-          </a:prstGeom>
-          <a:solidFill>
-            <a:schemeClr val="accent1"/>
-          </a:solidFill>
-          <a:ln w="9525" algn="ctr">
-            <a:solidFill>
-              <a:schemeClr val="tx1"/>
-            </a:solidFill>
-            <a:round/>
-            <a:headEnd/>
-            <a:tailEnd/>
-          </a:ln>
-        </p:spPr>
-        <p:txBody>
-          <a:bodyPr/>
-          <a:lstStyle/>
-          <a:p>
-            <a:pPr>
-              <a:lnSpc>
-                <a:spcPct val="150000"/>
-              </a:lnSpc>
-              <a:spcBef>
-                <a:spcPts val="0"/>
-              </a:spcBef>
-              <a:spcAft>
-                <a:spcPts val="0"/>
-              </a:spcAft>
-            </a:pPr>
-            <a:r>
-              <a:rPr lang="en-GB" dirty="0">
-                <a:latin typeface="Consolas" panose="020B0609020204030204" pitchFamily="49" charset="0"/>
-                <a:cs typeface="Consolas" panose="020B0609020204030204" pitchFamily="49" charset="0"/>
-              </a:rPr>
-              <a:t>&lt;h1&gt;Enter your suggestions here: &lt;/h1&gt;</a:t>
-            </a:r>
-          </a:p>
-          <a:p>
-            <a:pPr>
-              <a:lnSpc>
-                <a:spcPct val="150000"/>
-              </a:lnSpc>
-              <a:spcBef>
-                <a:spcPts val="0"/>
-              </a:spcBef>
-              <a:spcAft>
-                <a:spcPts val="0"/>
-              </a:spcAft>
-            </a:pPr>
-            <a:r>
-              <a:rPr lang="en-GB" dirty="0">
-                <a:latin typeface="Consolas" panose="020B0609020204030204" pitchFamily="49" charset="0"/>
-                <a:cs typeface="Consolas" panose="020B0609020204030204" pitchFamily="49" charset="0"/>
-              </a:rPr>
-              <a:t>&lt;</a:t>
-            </a:r>
-            <a:r>
-              <a:rPr lang="en-GB" b="1" dirty="0" err="1">
-                <a:latin typeface="Consolas" panose="020B0609020204030204" pitchFamily="49" charset="0"/>
-                <a:cs typeface="Consolas" panose="020B0609020204030204" pitchFamily="49" charset="0"/>
-              </a:rPr>
-              <a:t>textarea</a:t>
-            </a:r>
-            <a:r>
-              <a:rPr lang="en-GB" dirty="0">
-                <a:latin typeface="Consolas" panose="020B0609020204030204" pitchFamily="49" charset="0"/>
-                <a:cs typeface="Consolas" panose="020B0609020204030204" pitchFamily="49" charset="0"/>
-              </a:rPr>
-              <a:t> </a:t>
-            </a:r>
-            <a:r>
-              <a:rPr lang="en-GB" dirty="0">
-                <a:solidFill>
-                  <a:srgbClr val="C00000"/>
-                </a:solidFill>
-                <a:latin typeface="Consolas" panose="020B0609020204030204" pitchFamily="49" charset="0"/>
-                <a:cs typeface="Consolas" panose="020B0609020204030204" pitchFamily="49" charset="0"/>
-              </a:rPr>
-              <a:t>name</a:t>
-            </a:r>
-            <a:r>
-              <a:rPr lang="en-GB" dirty="0">
-                <a:latin typeface="Consolas" panose="020B0609020204030204" pitchFamily="49" charset="0"/>
-                <a:cs typeface="Consolas" panose="020B0609020204030204" pitchFamily="49" charset="0"/>
-              </a:rPr>
-              <a:t>="</a:t>
-            </a:r>
-            <a:r>
-              <a:rPr lang="en-GB" dirty="0">
-                <a:solidFill>
-                  <a:srgbClr val="00CC00"/>
-                </a:solidFill>
-                <a:latin typeface="Consolas" panose="020B0609020204030204" pitchFamily="49" charset="0"/>
-                <a:cs typeface="Consolas" panose="020B0609020204030204" pitchFamily="49" charset="0"/>
-              </a:rPr>
-              <a:t>suggestions</a:t>
-            </a:r>
-            <a:r>
-              <a:rPr lang="en-GB" dirty="0">
-                <a:latin typeface="Consolas" panose="020B0609020204030204" pitchFamily="49" charset="0"/>
-                <a:cs typeface="Consolas" panose="020B0609020204030204" pitchFamily="49" charset="0"/>
-              </a:rPr>
-              <a:t>" </a:t>
-            </a:r>
-            <a:r>
-              <a:rPr lang="en-GB" dirty="0">
-                <a:solidFill>
-                  <a:srgbClr val="C00000"/>
-                </a:solidFill>
-                <a:latin typeface="Consolas" panose="020B0609020204030204" pitchFamily="49" charset="0"/>
-                <a:cs typeface="Consolas" panose="020B0609020204030204" pitchFamily="49" charset="0"/>
-              </a:rPr>
-              <a:t>rows</a:t>
-            </a:r>
-            <a:r>
-              <a:rPr lang="en-GB" dirty="0">
-                <a:latin typeface="Consolas" panose="020B0609020204030204" pitchFamily="49" charset="0"/>
-                <a:cs typeface="Consolas" panose="020B0609020204030204" pitchFamily="49" charset="0"/>
-              </a:rPr>
-              <a:t>="</a:t>
-            </a:r>
-            <a:r>
-              <a:rPr lang="en-GB" dirty="0">
-                <a:solidFill>
-                  <a:srgbClr val="00CC00"/>
-                </a:solidFill>
-                <a:latin typeface="Consolas" panose="020B0609020204030204" pitchFamily="49" charset="0"/>
-                <a:cs typeface="Consolas" panose="020B0609020204030204" pitchFamily="49" charset="0"/>
-              </a:rPr>
-              <a:t>5</a:t>
-            </a:r>
-            <a:r>
-              <a:rPr lang="en-GB" dirty="0">
-                <a:latin typeface="Consolas" panose="020B0609020204030204" pitchFamily="49" charset="0"/>
-                <a:cs typeface="Consolas" panose="020B0609020204030204" pitchFamily="49" charset="0"/>
-              </a:rPr>
-              <a:t>" </a:t>
-            </a:r>
-            <a:r>
-              <a:rPr lang="en-GB" dirty="0">
-                <a:solidFill>
-                  <a:srgbClr val="C00000"/>
-                </a:solidFill>
-                <a:latin typeface="Consolas" panose="020B0609020204030204" pitchFamily="49" charset="0"/>
-                <a:cs typeface="Consolas" panose="020B0609020204030204" pitchFamily="49" charset="0"/>
-              </a:rPr>
-              <a:t>cols</a:t>
-            </a:r>
-            <a:r>
-              <a:rPr lang="en-GB" dirty="0">
-                <a:latin typeface="Consolas" panose="020B0609020204030204" pitchFamily="49" charset="0"/>
-                <a:cs typeface="Consolas" panose="020B0609020204030204" pitchFamily="49" charset="0"/>
-              </a:rPr>
-              <a:t>="</a:t>
-            </a:r>
-            <a:r>
-              <a:rPr lang="en-GB" dirty="0">
-                <a:solidFill>
-                  <a:srgbClr val="00CC00"/>
-                </a:solidFill>
-                <a:latin typeface="Consolas" panose="020B0609020204030204" pitchFamily="49" charset="0"/>
-                <a:cs typeface="Consolas" panose="020B0609020204030204" pitchFamily="49" charset="0"/>
-              </a:rPr>
-              <a:t>25</a:t>
-            </a:r>
-            <a:r>
-              <a:rPr lang="en-GB" dirty="0">
-                <a:latin typeface="Consolas" panose="020B0609020204030204" pitchFamily="49" charset="0"/>
-                <a:cs typeface="Consolas" panose="020B0609020204030204" pitchFamily="49" charset="0"/>
-              </a:rPr>
-              <a:t>"&gt; my suggestions are:&lt;</a:t>
-            </a:r>
-            <a:r>
-              <a:rPr lang="en-GB" b="1" dirty="0">
-                <a:latin typeface="Consolas" panose="020B0609020204030204" pitchFamily="49" charset="0"/>
-                <a:cs typeface="Consolas" panose="020B0609020204030204" pitchFamily="49" charset="0"/>
-              </a:rPr>
-              <a:t>/</a:t>
-            </a:r>
-            <a:r>
-              <a:rPr lang="en-GB" b="1" dirty="0" err="1">
-                <a:latin typeface="Consolas" panose="020B0609020204030204" pitchFamily="49" charset="0"/>
-                <a:cs typeface="Consolas" panose="020B0609020204030204" pitchFamily="49" charset="0"/>
-              </a:rPr>
-              <a:t>textarea</a:t>
-            </a:r>
-            <a:r>
-              <a:rPr lang="en-GB" dirty="0">
-                <a:latin typeface="Consolas" panose="020B0609020204030204" pitchFamily="49" charset="0"/>
-                <a:cs typeface="Consolas" panose="020B0609020204030204" pitchFamily="49" charset="0"/>
-              </a:rPr>
-              <a:t>&gt;</a:t>
-            </a:r>
-          </a:p>
-        </p:txBody>
-      </p:sp>
-      <p:pic>
-        <p:nvPicPr>
-          <p:cNvPr id="12293" name="Picture 5"/>
-          <p:cNvPicPr>
-            <a:picLocks noChangeAspect="1" noChangeArrowheads="1"/>
-          </p:cNvPicPr>
-          <p:nvPr/>
-        </p:nvPicPr>
-        <p:blipFill>
-          <a:blip r:embed="rId3"/>
-          <a:srcRect/>
-          <a:stretch>
-            <a:fillRect/>
-          </a:stretch>
-        </p:blipFill>
-        <p:spPr bwMode="auto">
-          <a:xfrm>
-            <a:off x="2771775" y="1341438"/>
-            <a:ext cx="3168650" cy="1773237"/>
-          </a:xfrm>
-          <a:prstGeom prst="rect">
-            <a:avLst/>
-          </a:prstGeom>
-          <a:noFill/>
-          <a:ln w="9525">
-            <a:solidFill>
-              <a:schemeClr val="accent1">
-                <a:lumMod val="75000"/>
-              </a:schemeClr>
-            </a:solidFill>
-            <a:miter lim="800000"/>
-            <a:headEnd/>
-            <a:tailEnd/>
-          </a:ln>
-          <a:effectLst/>
-        </p:spPr>
-      </p:pic>
-    </p:spTree>
-    <p:extLst>
-      <p:ext uri="{BB962C8B-B14F-4D97-AF65-F5344CB8AC3E}">
-        <p14:creationId xmlns:p14="http://schemas.microsoft.com/office/powerpoint/2010/main" val="16982343"/>
-      </p:ext>
-    </p:extLst>
-  </p:cSld>
-  <p:clrMapOvr>
-    <a:masterClrMapping/>
-  </p:clrMapOvr>
-  <p:timing>
-    <p:tnLst>
-      <p:par>
-        <p:cTn id="1" dur="indefinite" restart="never" nodeType="tmRoot">
-          <p:childTnLst>
-            <p:seq concurrent="1" nextAc="seek">
-              <p:cTn id="2" dur="indefinite" nodeType="mainSeq">
-                <p:childTnLst>
-                  <p:par>
-                    <p:cTn id="3" fill="hold">
-                      <p:stCondLst>
-                        <p:cond delay="indefinite"/>
-                      </p:stCondLst>
-                      <p:childTnLst>
-                        <p:par>
-                          <p:cTn id="4" fill="hold">
-                            <p:stCondLst>
-                              <p:cond delay="0"/>
-                            </p:stCondLst>
-                            <p:childTnLst>
-                              <p:par>
-                                <p:cTn id="5" presetID="29" presetClass="entr" presetSubtype="0" fill="hold" grpId="0" nodeType="clickEffect">
-                                  <p:stCondLst>
-                                    <p:cond delay="0"/>
-                                  </p:stCondLst>
-                                  <p:childTnLst>
-                                    <p:set>
-                                      <p:cBhvr>
-                                        <p:cTn id="6" dur="1" fill="hold">
-                                          <p:stCondLst>
-                                            <p:cond delay="0"/>
-                                          </p:stCondLst>
-                                        </p:cTn>
-                                        <p:tgtEl>
-                                          <p:spTgt spid="8195"/>
-                                        </p:tgtEl>
-                                        <p:attrNameLst>
-                                          <p:attrName>style.visibility</p:attrName>
-                                        </p:attrNameLst>
-                                      </p:cBhvr>
-                                      <p:to>
-                                        <p:strVal val="visible"/>
-                                      </p:to>
-                                    </p:set>
-                                    <p:anim calcmode="lin" valueType="num">
-                                      <p:cBhvr>
-                                        <p:cTn id="7" dur="1000" fill="hold"/>
-                                        <p:tgtEl>
-                                          <p:spTgt spid="8195"/>
-                                        </p:tgtEl>
-                                        <p:attrNameLst>
-                                          <p:attrName>ppt_x</p:attrName>
-                                        </p:attrNameLst>
-                                      </p:cBhvr>
-                                      <p:tavLst>
-                                        <p:tav tm="0">
-                                          <p:val>
-                                            <p:strVal val="#ppt_x-.2"/>
-                                          </p:val>
-                                        </p:tav>
-                                        <p:tav tm="100000">
-                                          <p:val>
-                                            <p:strVal val="#ppt_x"/>
-                                          </p:val>
-                                        </p:tav>
-                                      </p:tavLst>
-                                    </p:anim>
-                                    <p:anim calcmode="lin" valueType="num">
-                                      <p:cBhvr>
-                                        <p:cTn id="8" dur="1000" fill="hold"/>
-                                        <p:tgtEl>
-                                          <p:spTgt spid="8195"/>
-                                        </p:tgtEl>
-                                        <p:attrNameLst>
-                                          <p:attrName>ppt_y</p:attrName>
-                                        </p:attrNameLst>
-                                      </p:cBhvr>
-                                      <p:tavLst>
-                                        <p:tav tm="0">
-                                          <p:val>
-                                            <p:strVal val="#ppt_y"/>
-                                          </p:val>
-                                        </p:tav>
-                                        <p:tav tm="100000">
-                                          <p:val>
-                                            <p:strVal val="#ppt_y"/>
-                                          </p:val>
-                                        </p:tav>
-                                      </p:tavLst>
-                                    </p:anim>
-                                    <p:animEffect transition="in" filter="wipe(right)" prLst="gradientSize: 0.1">
-                                      <p:cBhvr>
-                                        <p:cTn id="9" dur="1000"/>
-                                        <p:tgtEl>
-                                          <p:spTgt spid="8195"/>
-                                        </p:tgtEl>
-                                      </p:cBhvr>
-                                    </p:animEffect>
-                                  </p:childTnLst>
-                                </p:cTn>
-                              </p:par>
-                            </p:childTnLst>
-                          </p:cTn>
-                        </p:par>
-                      </p:childTnLst>
-                    </p:cTn>
-                  </p:par>
-                </p:childTnLst>
-              </p:cTn>
-              <p:prevCondLst>
-                <p:cond evt="onPrev" delay="0">
-                  <p:tgtEl>
-                    <p:sldTgt/>
-                  </p:tgtEl>
-                </p:cond>
-              </p:prevCondLst>
-              <p:nextCondLst>
-                <p:cond evt="onNext" delay="0">
-                  <p:tgtEl>
-                    <p:sldTgt/>
-                  </p:tgtEl>
-                </p:cond>
-              </p:nextCondLst>
-            </p:seq>
-          </p:childTnLst>
-        </p:cTn>
-      </p:par>
-    </p:tnLst>
-    <p:bldLst>
-      <p:bldP spid="8195" grpId="0" animBg="1"/>
-    </p:bldLst>
-  </p:timing>
-</p:sld>
-</file>
-
-<file path=ppt/slides/slide11.xml><?xml version="1.0" encoding="utf-8"?>
-<p:sld xmlns:a="http://schemas.openxmlformats.org/drawingml/2006/main" xmlns:r="http://schemas.openxmlformats.org/officeDocument/2006/relationships" xmlns:p="http://schemas.openxmlformats.org/presentationml/2006/main">
-  <p:cSld>
-    <p:spTree>
-      <p:nvGrpSpPr>
-        <p:cNvPr id="1" name=""/>
-        <p:cNvGrpSpPr/>
-        <p:nvPr/>
-      </p:nvGrpSpPr>
-      <p:grpSpPr>
-        <a:xfrm>
-          <a:off x="0" y="0"/>
-          <a:ext cx="0" cy="0"/>
-          <a:chOff x="0" y="0"/>
-          <a:chExt cx="0" cy="0"/>
-        </a:xfrm>
-      </p:grpSpPr>
-      <p:sp>
-        <p:nvSpPr>
-          <p:cNvPr id="2" name="Title 1"/>
-          <p:cNvSpPr>
-            <a:spLocks noGrp="1"/>
-          </p:cNvSpPr>
-          <p:nvPr>
-            <p:ph type="title"/>
-          </p:nvPr>
-        </p:nvSpPr>
-        <p:spPr>
-          <a:xfrm>
-            <a:off x="449263" y="485775"/>
-            <a:ext cx="7772400" cy="1071017"/>
-          </a:xfrm>
-        </p:spPr>
-        <p:txBody>
-          <a:bodyPr/>
-          <a:lstStyle/>
-          <a:p>
-            <a:r>
-              <a:rPr lang="en-US" dirty="0" smtClean="0"/>
-              <a:t>HTML </a:t>
-            </a:r>
-            <a:r>
-              <a:rPr lang="en-US" smtClean="0"/>
-              <a:t>5 Validation</a:t>
-            </a:r>
-            <a:endParaRPr lang="en-US"/>
-          </a:p>
-        </p:txBody>
-      </p:sp>
-      <p:sp>
-        <p:nvSpPr>
-          <p:cNvPr id="4" name="TextBox 3"/>
-          <p:cNvSpPr txBox="1"/>
-          <p:nvPr/>
-        </p:nvSpPr>
-        <p:spPr>
-          <a:xfrm>
-            <a:off x="459883" y="1700808"/>
-            <a:ext cx="1436612" cy="461665"/>
-          </a:xfrm>
-          <a:prstGeom prst="rect">
-            <a:avLst/>
-          </a:prstGeom>
-          <a:noFill/>
-        </p:spPr>
-        <p:txBody>
-          <a:bodyPr wrap="none" rtlCol="0">
-            <a:spAutoFit/>
-          </a:bodyPr>
-          <a:lstStyle/>
-          <a:p>
-            <a:r>
-              <a:rPr lang="en-US" u="sng" dirty="0" smtClean="0"/>
-              <a:t>Required</a:t>
-            </a:r>
-            <a:endParaRPr lang="en-US" u="sng" dirty="0"/>
-          </a:p>
-        </p:txBody>
-      </p:sp>
-      <p:sp>
-        <p:nvSpPr>
-          <p:cNvPr id="5" name="Rectangle 4"/>
-          <p:cNvSpPr/>
-          <p:nvPr/>
-        </p:nvSpPr>
-        <p:spPr>
-          <a:xfrm>
-            <a:off x="449263" y="2306489"/>
-            <a:ext cx="6499001" cy="461665"/>
-          </a:xfrm>
-          <a:prstGeom prst="rect">
-            <a:avLst/>
-          </a:prstGeom>
-        </p:spPr>
-        <p:txBody>
-          <a:bodyPr wrap="square">
-            <a:spAutoFit/>
-          </a:bodyPr>
-          <a:lstStyle/>
-          <a:p>
-            <a:r>
-              <a:rPr lang="en-US" dirty="0"/>
-              <a:t>&lt;input type="</a:t>
-            </a:r>
-            <a:r>
-              <a:rPr lang="en-US" dirty="0" smtClean="0"/>
-              <a:t>text” name</a:t>
-            </a:r>
-            <a:r>
-              <a:rPr lang="en-US" dirty="0"/>
-              <a:t>="Name" required&gt;</a:t>
-            </a:r>
-          </a:p>
-        </p:txBody>
-      </p:sp>
-      <p:sp>
-        <p:nvSpPr>
-          <p:cNvPr id="6" name="Rectangle 5"/>
-          <p:cNvSpPr/>
-          <p:nvPr/>
-        </p:nvSpPr>
-        <p:spPr>
-          <a:xfrm>
-            <a:off x="449262" y="3356992"/>
-            <a:ext cx="7075065" cy="461665"/>
-          </a:xfrm>
-          <a:prstGeom prst="rect">
-            <a:avLst/>
-          </a:prstGeom>
-        </p:spPr>
-        <p:txBody>
-          <a:bodyPr wrap="square">
-            <a:spAutoFit/>
-          </a:bodyPr>
-          <a:lstStyle/>
-          <a:p>
-            <a:r>
-              <a:rPr lang="en-US" dirty="0"/>
-              <a:t>&lt;input type</a:t>
-            </a:r>
-            <a:r>
-              <a:rPr lang="en-US" dirty="0" smtClean="0"/>
-              <a:t>=”</a:t>
-            </a:r>
-            <a:r>
-              <a:rPr lang="en-US" dirty="0" err="1" smtClean="0"/>
-              <a:t>email”name</a:t>
-            </a:r>
-            <a:r>
-              <a:rPr lang="en-US" dirty="0"/>
-              <a:t>="Name" required&gt;</a:t>
-            </a:r>
-          </a:p>
-        </p:txBody>
-      </p:sp>
-      <p:sp>
-        <p:nvSpPr>
-          <p:cNvPr id="7" name="TextBox 6"/>
-          <p:cNvSpPr txBox="1"/>
-          <p:nvPr/>
-        </p:nvSpPr>
-        <p:spPr>
-          <a:xfrm>
-            <a:off x="449263" y="2874516"/>
-            <a:ext cx="5048222" cy="461665"/>
-          </a:xfrm>
-          <a:prstGeom prst="rect">
-            <a:avLst/>
-          </a:prstGeom>
-          <a:noFill/>
-        </p:spPr>
-        <p:txBody>
-          <a:bodyPr wrap="square" rtlCol="0">
-            <a:spAutoFit/>
-          </a:bodyPr>
-          <a:lstStyle/>
-          <a:p>
-            <a:r>
-              <a:rPr lang="en-US" u="sng" dirty="0" smtClean="0"/>
-              <a:t>More precise input types </a:t>
-            </a:r>
-            <a:endParaRPr lang="en-US" u="sng" dirty="0"/>
-          </a:p>
-        </p:txBody>
-      </p:sp>
-    </p:spTree>
-    <p:extLst>
-      <p:ext uri="{BB962C8B-B14F-4D97-AF65-F5344CB8AC3E}">
-        <p14:creationId xmlns:p14="http://schemas.microsoft.com/office/powerpoint/2010/main" val="971462775"/>
-      </p:ext>
-    </p:extLst>
-  </p:cSld>
-  <p:clrMapOvr>
-    <a:masterClrMapping/>
-  </p:clrMapOvr>
-  <p:timing>
-    <p:tnLst>
-      <p:par>
-        <p:cTn id="1" dur="indefinite" restart="never" nodeType="tmRoot"/>
-      </p:par>
-    </p:tnLst>
-  </p:timing>
-</p:sld>
-</file>
-
-<file path=ppt/slides/slide12.xml><?xml version="1.0" encoding="utf-8"?>
-<p:sld xmlns:a="http://schemas.openxmlformats.org/drawingml/2006/main" xmlns:r="http://schemas.openxmlformats.org/officeDocument/2006/relationships" xmlns:p="http://schemas.openxmlformats.org/presentationml/2006/main">
-  <p:cSld>
-    <p:spTree>
-      <p:nvGrpSpPr>
-        <p:cNvPr id="1" name=""/>
-        <p:cNvGrpSpPr/>
-        <p:nvPr/>
-      </p:nvGrpSpPr>
-      <p:grpSpPr>
-        <a:xfrm>
-          <a:off x="0" y="0"/>
-          <a:ext cx="0" cy="0"/>
-          <a:chOff x="0" y="0"/>
-          <a:chExt cx="0" cy="0"/>
-        </a:xfrm>
-      </p:grpSpPr>
-      <p:sp>
-        <p:nvSpPr>
-          <p:cNvPr id="9" name="Rectangle 2"/>
-          <p:cNvSpPr txBox="1">
-            <a:spLocks noChangeArrowheads="1"/>
-          </p:cNvSpPr>
-          <p:nvPr/>
-        </p:nvSpPr>
-        <p:spPr bwMode="auto">
-          <a:xfrm>
-            <a:off x="500063" y="260350"/>
-            <a:ext cx="8443912" cy="857250"/>
-          </a:xfrm>
-          <a:prstGeom prst="rect">
-            <a:avLst/>
-          </a:prstGeom>
-          <a:noFill/>
-          <a:ln w="9525">
-            <a:noFill/>
-            <a:miter lim="800000"/>
-            <a:headEnd/>
-            <a:tailEnd/>
-          </a:ln>
-        </p:spPr>
-        <p:txBody>
-          <a:bodyPr lIns="0" tIns="0" rIns="0" bIns="0"/>
-          <a:lstStyle/>
-          <a:p>
-            <a:pPr algn="ctr" eaLnBrk="1" hangingPunct="1">
-              <a:defRPr/>
-            </a:pPr>
-            <a:r>
-              <a:rPr lang="en-GB" sz="4400" b="1" kern="0" dirty="0" smtClean="0">
-                <a:solidFill>
-                  <a:srgbClr val="C00000"/>
-                </a:solidFill>
-                <a:latin typeface="+mj-lt"/>
-                <a:ea typeface="+mj-ea"/>
-                <a:cs typeface="+mj-cs"/>
-              </a:rPr>
-              <a:t>References</a:t>
-            </a:r>
-            <a:endParaRPr lang="en-GB" sz="4400" b="1" kern="0" dirty="0">
-              <a:solidFill>
-                <a:srgbClr val="C00000"/>
-              </a:solidFill>
-              <a:latin typeface="+mj-lt"/>
-              <a:ea typeface="+mj-ea"/>
-              <a:cs typeface="+mj-cs"/>
-            </a:endParaRPr>
-          </a:p>
-        </p:txBody>
-      </p:sp>
-      <p:sp>
-        <p:nvSpPr>
-          <p:cNvPr id="33795" name="Rectangle 3"/>
-          <p:cNvSpPr txBox="1">
-            <a:spLocks noChangeArrowheads="1"/>
-          </p:cNvSpPr>
-          <p:nvPr/>
-        </p:nvSpPr>
-        <p:spPr bwMode="auto">
-          <a:xfrm>
-            <a:off x="395536" y="1117600"/>
-            <a:ext cx="8548439" cy="4737124"/>
-          </a:xfrm>
-          <a:prstGeom prst="rect">
-            <a:avLst/>
-          </a:prstGeom>
-          <a:noFill/>
-          <a:ln w="9525">
-            <a:noFill/>
-            <a:miter lim="800000"/>
-            <a:headEnd/>
-            <a:tailEnd/>
-          </a:ln>
-        </p:spPr>
-        <p:txBody>
-          <a:bodyPr lIns="0" tIns="0" rIns="0" bIns="0"/>
-          <a:lstStyle/>
-          <a:p>
-            <a:pPr marL="447675" indent="-447675" eaLnBrk="1" hangingPunct="1">
-              <a:lnSpc>
-                <a:spcPct val="150000"/>
-              </a:lnSpc>
-              <a:buClr>
-                <a:srgbClr val="C00000"/>
-              </a:buClr>
-              <a:buSzPct val="80000"/>
-              <a:buFont typeface="Wingdings" pitchFamily="2" charset="2"/>
-              <a:buChar char="Ø"/>
-              <a:tabLst>
-                <a:tab pos="93663" algn="l"/>
-              </a:tabLst>
-            </a:pPr>
-            <a:endParaRPr lang="en-GB" altLang="zh-CN" sz="1800" dirty="0" smtClean="0">
-              <a:solidFill>
-                <a:srgbClr val="000000"/>
-              </a:solidFill>
-              <a:latin typeface="Times New Roman" pitchFamily="18" charset="0"/>
-              <a:cs typeface="Times New Roman" pitchFamily="18" charset="0"/>
-            </a:endParaRPr>
-          </a:p>
-          <a:p>
-            <a:pPr marL="447675" indent="-447675" eaLnBrk="1" hangingPunct="1">
-              <a:lnSpc>
-                <a:spcPct val="150000"/>
-              </a:lnSpc>
-              <a:buClr>
-                <a:srgbClr val="C00000"/>
-              </a:buClr>
-              <a:buSzPct val="80000"/>
-              <a:buFont typeface="Wingdings" pitchFamily="2" charset="2"/>
-              <a:buChar char="Ø"/>
-              <a:tabLst>
-                <a:tab pos="93663" algn="l"/>
-              </a:tabLst>
-            </a:pPr>
-            <a:r>
-              <a:rPr lang="en-GB" altLang="zh-CN" sz="1800" dirty="0" smtClean="0">
-                <a:solidFill>
-                  <a:srgbClr val="000000"/>
-                </a:solidFill>
-                <a:latin typeface="Times New Roman" pitchFamily="18" charset="0"/>
-                <a:cs typeface="Times New Roman" pitchFamily="18" charset="0"/>
-              </a:rPr>
-              <a:t>HTML Forms </a:t>
-            </a:r>
-            <a:r>
-              <a:rPr lang="en-GB" sz="1800" dirty="0">
-                <a:latin typeface="Times New Roman" pitchFamily="18" charset="0"/>
-                <a:hlinkClick r:id="rId3"/>
-              </a:rPr>
-              <a:t>http://www.w3schools.com/html/html_forms.asp</a:t>
-            </a:r>
-            <a:endParaRPr lang="en-GB" sz="1800" dirty="0">
-              <a:latin typeface="Times New Roman" pitchFamily="18" charset="0"/>
-            </a:endParaRPr>
-          </a:p>
-          <a:p>
-            <a:pPr marL="447675" indent="-447675">
-              <a:lnSpc>
-                <a:spcPct val="150000"/>
-              </a:lnSpc>
-              <a:buClr>
-                <a:srgbClr val="C00000"/>
-              </a:buClr>
-              <a:buSzPct val="80000"/>
-              <a:buFont typeface="Wingdings" pitchFamily="2" charset="2"/>
-              <a:buChar char="Ø"/>
-              <a:tabLst>
-                <a:tab pos="93663" algn="l"/>
-              </a:tabLst>
-            </a:pPr>
-            <a:r>
-              <a:rPr lang="en-GB" altLang="zh-CN" sz="1800" dirty="0">
-                <a:solidFill>
-                  <a:srgbClr val="000000"/>
-                </a:solidFill>
-                <a:latin typeface="Times New Roman" pitchFamily="18" charset="0"/>
-                <a:cs typeface="Times New Roman" pitchFamily="18" charset="0"/>
-              </a:rPr>
-              <a:t>HTML </a:t>
-            </a:r>
-            <a:r>
-              <a:rPr lang="en-GB" altLang="zh-CN" sz="1800" dirty="0" smtClean="0">
-                <a:solidFill>
-                  <a:srgbClr val="000000"/>
-                </a:solidFill>
-                <a:latin typeface="Consolas" panose="020B0609020204030204" pitchFamily="49" charset="0"/>
-                <a:cs typeface="Consolas" panose="020B0609020204030204" pitchFamily="49" charset="0"/>
-              </a:rPr>
-              <a:t>&lt;input&gt; </a:t>
-            </a:r>
-            <a:r>
-              <a:rPr lang="en-GB" altLang="zh-CN" sz="1800" dirty="0">
-                <a:solidFill>
-                  <a:srgbClr val="000000"/>
-                </a:solidFill>
-                <a:latin typeface="Times New Roman" pitchFamily="18" charset="0"/>
-                <a:cs typeface="Times New Roman" pitchFamily="18" charset="0"/>
-              </a:rPr>
-              <a:t>tag </a:t>
-            </a:r>
-            <a:r>
-              <a:rPr lang="en-GB" sz="1800" dirty="0">
-                <a:latin typeface="Times New Roman" pitchFamily="18" charset="0"/>
-                <a:hlinkClick r:id="rId4"/>
-              </a:rPr>
-              <a:t>http://www.w3schools.com/tags/tag_input.asp</a:t>
-            </a:r>
-            <a:endParaRPr lang="en-GB" sz="1800" dirty="0">
-              <a:latin typeface="Times New Roman" pitchFamily="18" charset="0"/>
-            </a:endParaRPr>
-          </a:p>
-          <a:p>
-            <a:pPr marL="447675" indent="-447675">
-              <a:lnSpc>
-                <a:spcPct val="150000"/>
-              </a:lnSpc>
-              <a:buClr>
-                <a:srgbClr val="C00000"/>
-              </a:buClr>
-              <a:buSzPct val="80000"/>
-              <a:buFont typeface="Wingdings" pitchFamily="2" charset="2"/>
-              <a:buChar char="Ø"/>
-              <a:tabLst>
-                <a:tab pos="93663" algn="l"/>
-              </a:tabLst>
-            </a:pPr>
-            <a:r>
-              <a:rPr lang="en-GB" altLang="zh-CN" sz="1800" dirty="0">
-                <a:solidFill>
-                  <a:srgbClr val="000000"/>
-                </a:solidFill>
-                <a:latin typeface="Times New Roman" pitchFamily="18" charset="0"/>
-                <a:cs typeface="Times New Roman" pitchFamily="18" charset="0"/>
-              </a:rPr>
-              <a:t>HTML </a:t>
-            </a:r>
-            <a:r>
-              <a:rPr lang="en-GB" altLang="zh-CN" sz="1800" dirty="0" smtClean="0">
-                <a:solidFill>
-                  <a:srgbClr val="000000"/>
-                </a:solidFill>
-                <a:latin typeface="Consolas" panose="020B0609020204030204" pitchFamily="49" charset="0"/>
-                <a:cs typeface="Consolas" panose="020B0609020204030204" pitchFamily="49" charset="0"/>
-              </a:rPr>
-              <a:t>&lt;select&gt; </a:t>
-            </a:r>
-            <a:r>
-              <a:rPr lang="en-GB" altLang="zh-CN" sz="1800" dirty="0">
-                <a:solidFill>
-                  <a:srgbClr val="000000"/>
-                </a:solidFill>
-                <a:latin typeface="Times New Roman" pitchFamily="18" charset="0"/>
-                <a:cs typeface="Times New Roman" pitchFamily="18" charset="0"/>
-              </a:rPr>
-              <a:t>tag </a:t>
-            </a:r>
-            <a:r>
-              <a:rPr lang="en-GB" sz="1800" dirty="0">
-                <a:latin typeface="Times New Roman" pitchFamily="18" charset="0"/>
-                <a:hlinkClick r:id="rId5"/>
-              </a:rPr>
-              <a:t>http://www.w3schools.com/tags/tag_select.asp</a:t>
-            </a:r>
-            <a:endParaRPr lang="en-GB" sz="1800" dirty="0">
-              <a:latin typeface="Times New Roman" pitchFamily="18" charset="0"/>
-            </a:endParaRPr>
-          </a:p>
-          <a:p>
-            <a:pPr marL="447675" indent="-447675">
-              <a:lnSpc>
-                <a:spcPct val="150000"/>
-              </a:lnSpc>
-              <a:buClr>
-                <a:srgbClr val="C00000"/>
-              </a:buClr>
-              <a:buSzPct val="80000"/>
-              <a:buFont typeface="Wingdings" pitchFamily="2" charset="2"/>
-              <a:buChar char="Ø"/>
-              <a:tabLst>
-                <a:tab pos="93663" algn="l"/>
-              </a:tabLst>
-            </a:pPr>
-            <a:r>
-              <a:rPr lang="en-GB" altLang="zh-CN" sz="1800" dirty="0" smtClean="0">
-                <a:solidFill>
-                  <a:srgbClr val="000000"/>
-                </a:solidFill>
-                <a:latin typeface="Times New Roman" pitchFamily="18" charset="0"/>
-                <a:cs typeface="Times New Roman" pitchFamily="18" charset="0"/>
-              </a:rPr>
-              <a:t>HTML </a:t>
-            </a:r>
-            <a:r>
-              <a:rPr lang="en-GB" altLang="zh-CN" sz="1800" dirty="0" smtClean="0">
-                <a:solidFill>
-                  <a:srgbClr val="000000"/>
-                </a:solidFill>
-                <a:latin typeface="Consolas" panose="020B0609020204030204" pitchFamily="49" charset="0"/>
-                <a:cs typeface="Consolas" panose="020B0609020204030204" pitchFamily="49" charset="0"/>
-              </a:rPr>
-              <a:t>&lt;label&gt; </a:t>
-            </a:r>
-            <a:r>
-              <a:rPr lang="en-GB" altLang="zh-CN" sz="1800" dirty="0" smtClean="0">
-                <a:solidFill>
-                  <a:srgbClr val="000000"/>
-                </a:solidFill>
-                <a:latin typeface="Times New Roman" pitchFamily="18" charset="0"/>
-                <a:cs typeface="Times New Roman" pitchFamily="18" charset="0"/>
-              </a:rPr>
-              <a:t>tag </a:t>
-            </a:r>
-            <a:r>
-              <a:rPr lang="en-GB" sz="1800" dirty="0" smtClean="0">
-                <a:latin typeface="Times New Roman" pitchFamily="18" charset="0"/>
-                <a:hlinkClick r:id="rId6"/>
-              </a:rPr>
-              <a:t>http://www.w3schools.com/tags/tryit.asp?filename=tryhtml_label</a:t>
-            </a:r>
-            <a:endParaRPr lang="en-GB" sz="1800" dirty="0" smtClean="0">
-              <a:latin typeface="Times New Roman" pitchFamily="18" charset="0"/>
-            </a:endParaRPr>
-          </a:p>
-          <a:p>
-            <a:pPr marL="447675" indent="-447675">
-              <a:lnSpc>
-                <a:spcPct val="150000"/>
-              </a:lnSpc>
-              <a:buClr>
-                <a:srgbClr val="C00000"/>
-              </a:buClr>
-              <a:buSzPct val="80000"/>
-              <a:buFont typeface="Wingdings" pitchFamily="2" charset="2"/>
-              <a:buChar char="Ø"/>
-              <a:tabLst>
-                <a:tab pos="93663" algn="l"/>
-              </a:tabLst>
-            </a:pPr>
-            <a:r>
-              <a:rPr lang="en-GB" altLang="zh-CN" sz="1800" dirty="0">
-                <a:solidFill>
-                  <a:srgbClr val="000000"/>
-                </a:solidFill>
-                <a:latin typeface="Times New Roman" pitchFamily="18" charset="0"/>
-                <a:cs typeface="Times New Roman" pitchFamily="18" charset="0"/>
-              </a:rPr>
-              <a:t>HTML </a:t>
-            </a:r>
-            <a:r>
-              <a:rPr lang="en-GB" altLang="zh-CN" sz="1800" dirty="0" smtClean="0">
-                <a:solidFill>
-                  <a:srgbClr val="000000"/>
-                </a:solidFill>
-                <a:latin typeface="Consolas" panose="020B0609020204030204" pitchFamily="49" charset="0"/>
-                <a:cs typeface="Consolas" panose="020B0609020204030204" pitchFamily="49" charset="0"/>
-              </a:rPr>
-              <a:t>&lt;</a:t>
-            </a:r>
-            <a:r>
-              <a:rPr lang="en-GB" altLang="zh-CN" sz="1800" dirty="0" err="1" smtClean="0">
-                <a:solidFill>
-                  <a:srgbClr val="000000"/>
-                </a:solidFill>
-                <a:latin typeface="Consolas" panose="020B0609020204030204" pitchFamily="49" charset="0"/>
-                <a:cs typeface="Consolas" panose="020B0609020204030204" pitchFamily="49" charset="0"/>
-              </a:rPr>
-              <a:t>fieldset</a:t>
-            </a:r>
-            <a:r>
-              <a:rPr lang="en-GB" altLang="zh-CN" sz="1800" dirty="0" smtClean="0">
-                <a:solidFill>
-                  <a:srgbClr val="000000"/>
-                </a:solidFill>
-                <a:latin typeface="Consolas" panose="020B0609020204030204" pitchFamily="49" charset="0"/>
-                <a:cs typeface="Consolas" panose="020B0609020204030204" pitchFamily="49" charset="0"/>
-              </a:rPr>
-              <a:t>&gt; </a:t>
-            </a:r>
-            <a:r>
-              <a:rPr lang="en-GB" altLang="zh-CN" sz="1800" dirty="0">
-                <a:solidFill>
-                  <a:srgbClr val="000000"/>
-                </a:solidFill>
-                <a:latin typeface="Times New Roman" pitchFamily="18" charset="0"/>
-                <a:cs typeface="Times New Roman" pitchFamily="18" charset="0"/>
-              </a:rPr>
-              <a:t>tag </a:t>
-            </a:r>
-            <a:r>
-              <a:rPr lang="en-GB" sz="1800" dirty="0">
-                <a:latin typeface="Times New Roman" pitchFamily="18" charset="0"/>
-                <a:hlinkClick r:id="rId7"/>
-              </a:rPr>
-              <a:t>http://www.w3schools.com/tags/tag_fieldset.asp</a:t>
-            </a:r>
-            <a:endParaRPr lang="en-GB" sz="1800" dirty="0">
-              <a:latin typeface="Times New Roman" pitchFamily="18" charset="0"/>
-            </a:endParaRPr>
-          </a:p>
-          <a:p>
-            <a:pPr marL="447675" indent="-447675">
-              <a:lnSpc>
-                <a:spcPct val="150000"/>
-              </a:lnSpc>
-              <a:buClr>
-                <a:srgbClr val="C00000"/>
-              </a:buClr>
-              <a:buSzPct val="80000"/>
-              <a:buFont typeface="Wingdings" pitchFamily="2" charset="2"/>
-              <a:buChar char="Ø"/>
-              <a:tabLst>
-                <a:tab pos="93663" algn="l"/>
-              </a:tabLst>
-            </a:pPr>
-            <a:endParaRPr lang="en-GB" sz="1800" dirty="0" smtClean="0">
-              <a:latin typeface="Times New Roman" pitchFamily="18" charset="0"/>
-            </a:endParaRPr>
-          </a:p>
-          <a:p>
-            <a:pPr marL="447675" indent="-447675" eaLnBrk="1" hangingPunct="1">
-              <a:lnSpc>
-                <a:spcPct val="150000"/>
-              </a:lnSpc>
-              <a:buClr>
-                <a:srgbClr val="C00000"/>
-              </a:buClr>
-              <a:buSzPct val="80000"/>
-              <a:buFont typeface="Wingdings" pitchFamily="2" charset="2"/>
-              <a:buChar char="Ø"/>
-              <a:tabLst>
-                <a:tab pos="93663" algn="l"/>
-              </a:tabLst>
-            </a:pPr>
-            <a:endParaRPr lang="en-GB" altLang="zh-CN" sz="1800" dirty="0" smtClean="0">
-              <a:latin typeface="Times New Roman" pitchFamily="18" charset="0"/>
-            </a:endParaRPr>
-          </a:p>
-        </p:txBody>
-      </p:sp>
-    </p:spTree>
-    <p:extLst>
-      <p:ext uri="{BB962C8B-B14F-4D97-AF65-F5344CB8AC3E}">
-        <p14:creationId xmlns:p14="http://schemas.microsoft.com/office/powerpoint/2010/main" val="3359179282"/>
-      </p:ext>
-    </p:extLst>
-  </p:cSld>
-  <p:clrMapOvr>
-    <a:masterClrMapping/>
-  </p:clrMapOvr>
-  <p:timing>
-    <p:tnLst>
-      <p:par>
-        <p:cTn id="1" dur="indefinite" restart="never" nodeType="tmRoot"/>
-      </p:par>
-    </p:tnLst>
-  </p:timing>
-</p:sld>
-</file>
-
 <file path=ppt/slides/slide2.xml><?xml version="1.0" encoding="utf-8"?>
 <p:sld xmlns:a="http://schemas.openxmlformats.org/drawingml/2006/main" xmlns:r="http://schemas.openxmlformats.org/officeDocument/2006/relationships" xmlns:p="http://schemas.openxmlformats.org/presentationml/2006/main">
   <p:cSld>
@@ -6610,8 +5154,8 @@
         </p:nvSpPr>
         <p:spPr>
           <a:xfrm>
-            <a:off x="628650" y="1412776"/>
-            <a:ext cx="7886700" cy="4351338"/>
+            <a:off x="179512" y="1690689"/>
+            <a:ext cx="8784976" cy="3384376"/>
           </a:xfrm>
         </p:spPr>
         <p:txBody>
@@ -6620,6 +5164,10 @@
           </a:bodyPr>
           <a:lstStyle/>
           <a:p>
+            <a:pPr>
+              <a:buFont typeface="Wingdings" charset="2"/>
+              <a:buChar char="ü"/>
+            </a:pPr>
             <a:r>
               <a:rPr lang="en-US" sz="3600" dirty="0"/>
               <a:t> </a:t>
@@ -6630,14 +5178,18 @@
             </a:r>
             <a:r>
               <a:rPr lang="en-US" sz="3600" dirty="0"/>
-              <a:t>people will be able to fill out your </a:t>
+              <a:t>people will be able to fill out </a:t>
             </a:r>
             <a:r>
               <a:rPr lang="en-US" sz="3600" dirty="0" smtClean="0"/>
-              <a:t>forms</a:t>
-            </a:r>
-          </a:p>
-          <a:p>
+              <a:t>your forms</a:t>
+            </a:r>
+          </a:p>
+          <a:p>
+            <a:pPr>
+              <a:buFont typeface="Wingdings" charset="2"/>
+              <a:buChar char="ü"/>
+            </a:pPr>
             <a:r>
               <a:rPr lang="en-US" sz="3600" dirty="0"/>
               <a:t> </a:t>
@@ -6648,17 +5200,47 @@
             </a:r>
           </a:p>
           <a:p>
-            <a:r>
-              <a:rPr lang="en-US" sz="3600"/>
+            <a:pPr>
+              <a:buFont typeface="Wingdings" charset="2"/>
+              <a:buChar char="ü"/>
+            </a:pPr>
+            <a:r>
+              <a:rPr lang="en-US" sz="3600" dirty="0"/>
               <a:t> </a:t>
             </a:r>
             <a:r>
-              <a:rPr lang="en-US" sz="3600" smtClean="0"/>
+              <a:rPr lang="en-US" sz="3600" dirty="0" smtClean="0"/>
               <a:t>Better </a:t>
             </a:r>
             <a:r>
-              <a:rPr lang="en-US" sz="3600"/>
-              <a:t>overall user experience</a:t>
+              <a:rPr lang="en-US" sz="3600" dirty="0"/>
+              <a:t>overall user </a:t>
+            </a:r>
+            <a:r>
+              <a:rPr lang="en-US" sz="3600" dirty="0" smtClean="0"/>
+              <a:t>experience</a:t>
+            </a:r>
+          </a:p>
+          <a:p>
+            <a:pPr>
+              <a:buFont typeface="Wingdings" charset="2"/>
+              <a:buChar char="ü"/>
+            </a:pPr>
+            <a:r>
+              <a:rPr lang="en-US" sz="3600" dirty="0" smtClean="0"/>
+              <a:t> </a:t>
+            </a:r>
+            <a:r>
+              <a:rPr lang="en-US" sz="3600" dirty="0" err="1" smtClean="0"/>
+              <a:t>Utilise</a:t>
+            </a:r>
+            <a:r>
+              <a:rPr lang="en-US" sz="3600" dirty="0" smtClean="0"/>
+              <a:t> </a:t>
+            </a:r>
+            <a:r>
+              <a:rPr lang="en-US" sz="3600" dirty="0"/>
+              <a:t>analytics packages</a:t>
             </a:r>
             <a:endParaRPr lang="en-US" sz="3600" dirty="0" smtClean="0"/>
           </a:p>
@@ -6768,146 +5350,6 @@
       </p:grpSpPr>
       <p:sp>
         <p:nvSpPr>
-          <p:cNvPr id="2" name="Title 1"/>
-          <p:cNvSpPr>
-            <a:spLocks noGrp="1"/>
-          </p:cNvSpPr>
-          <p:nvPr>
-            <p:ph type="title"/>
-          </p:nvPr>
-        </p:nvSpPr>
-        <p:spPr/>
-        <p:txBody>
-          <a:bodyPr/>
-          <a:lstStyle/>
-          <a:p>
-            <a:r>
-              <a:rPr lang="en-US" b="1" dirty="0"/>
-              <a:t>Checklist - Data protection assurance</a:t>
-            </a:r>
-          </a:p>
-        </p:txBody>
-      </p:sp>
-      <p:sp>
-        <p:nvSpPr>
-          <p:cNvPr id="3" name="Content Placeholder 2"/>
-          <p:cNvSpPr>
-            <a:spLocks noGrp="1"/>
-          </p:cNvSpPr>
-          <p:nvPr>
-            <p:ph idx="1"/>
-          </p:nvPr>
-        </p:nvSpPr>
-        <p:spPr/>
-        <p:txBody>
-          <a:bodyPr/>
-          <a:lstStyle/>
-          <a:p>
-            <a:r>
-              <a:rPr lang="en-US" sz="4000" dirty="0" smtClean="0"/>
-              <a:t> Responding </a:t>
-            </a:r>
-            <a:r>
-              <a:rPr lang="en-US" sz="4000" dirty="0"/>
-              <a:t>to access </a:t>
-            </a:r>
-            <a:r>
-              <a:rPr lang="en-US" sz="4000" dirty="0" smtClean="0"/>
-              <a:t>requests</a:t>
-            </a:r>
-          </a:p>
-          <a:p>
-            <a:r>
-              <a:rPr lang="en-US" sz="4000" dirty="0" smtClean="0"/>
-              <a:t> Privacy </a:t>
-            </a:r>
-            <a:r>
-              <a:rPr lang="en-US" sz="4000" dirty="0"/>
-              <a:t>notices</a:t>
-            </a:r>
-          </a:p>
-          <a:p>
-            <a:r>
-              <a:rPr lang="en-US" sz="4000" dirty="0" smtClean="0"/>
-              <a:t> </a:t>
-            </a:r>
-            <a:r>
-              <a:rPr lang="en-US" sz="4000" dirty="0"/>
-              <a:t>Responding to access requests</a:t>
-            </a:r>
-          </a:p>
-          <a:p>
-            <a:pPr marL="0" indent="0">
-              <a:buNone/>
-            </a:pPr>
-            <a:endParaRPr lang="en-US" sz="4000" dirty="0">
-              <a:hlinkClick r:id="rId2"/>
-            </a:endParaRPr>
-          </a:p>
-          <a:p>
-            <a:pPr marL="0" indent="0">
-              <a:buNone/>
-            </a:pPr>
-            <a:r>
-              <a:rPr lang="en-US" dirty="0">
-                <a:hlinkClick r:id="rId2"/>
-              </a:rPr>
-              <a:t> </a:t>
-            </a:r>
-            <a:r>
-              <a:rPr lang="en-US" i="1" dirty="0">
-                <a:hlinkClick r:id="rId2"/>
-              </a:rPr>
-              <a:t>Self assessment Toolkit</a:t>
-            </a:r>
-            <a:r>
-              <a:rPr lang="en-US" dirty="0">
-                <a:hlinkClick r:id="rId2"/>
-              </a:rPr>
-              <a:t> [viewed 15 November 2016]. Available from: https://</a:t>
-            </a:r>
-            <a:r>
-              <a:rPr lang="en-US" dirty="0" err="1">
-                <a:hlinkClick r:id="rId2"/>
-              </a:rPr>
-              <a:t>ico.org.uk</a:t>
-            </a:r>
-            <a:r>
-              <a:rPr lang="en-US" dirty="0">
-                <a:hlinkClick r:id="rId2"/>
-              </a:rPr>
-              <a:t>//for-</a:t>
-            </a:r>
-            <a:r>
-              <a:rPr lang="en-US" dirty="0" err="1">
-                <a:hlinkClick r:id="rId2"/>
-              </a:rPr>
-              <a:t>organisations</a:t>
-            </a:r>
-            <a:r>
-              <a:rPr lang="en-US" dirty="0">
-                <a:hlinkClick r:id="rId2"/>
-              </a:rPr>
-              <a:t>/improve-your-practices/data-protection-toolkit/</a:t>
-            </a:r>
-            <a:r>
-              <a:rPr lang="en-US" dirty="0" err="1">
-                <a:hlinkClick r:id="rId2"/>
-              </a:rPr>
-              <a:t>index.html</a:t>
-            </a:r>
-            <a:endParaRPr lang="en-US" dirty="0"/>
-          </a:p>
-          <a:p>
-            <a:pPr marL="0" indent="0">
-              <a:buNone/>
-            </a:pPr>
-            <a:endParaRPr lang="en-US" dirty="0"/>
-          </a:p>
-        </p:txBody>
-      </p:sp>
-      <p:sp>
-        <p:nvSpPr>
           <p:cNvPr id="4" name="Date Placeholder 3"/>
           <p:cNvSpPr>
             <a:spLocks noGrp="1"/>
@@ -6971,6 +5413,136 @@
           </a:p>
         </p:txBody>
       </p:sp>
+      <p:sp>
+        <p:nvSpPr>
+          <p:cNvPr id="9" name="Title 8"/>
+          <p:cNvSpPr>
+            <a:spLocks noGrp="1"/>
+          </p:cNvSpPr>
+          <p:nvPr>
+            <p:ph type="title"/>
+          </p:nvPr>
+        </p:nvSpPr>
+        <p:spPr>
+          <a:xfrm>
+            <a:off x="1403648" y="404664"/>
+            <a:ext cx="7886700" cy="1325563"/>
+          </a:xfrm>
+        </p:spPr>
+        <p:txBody>
+          <a:bodyPr>
+            <a:normAutofit/>
+          </a:bodyPr>
+          <a:lstStyle/>
+          <a:p>
+            <a:r>
+              <a:rPr lang="en-US" u="sng" dirty="0" smtClean="0"/>
+              <a:t>Step 1 Group Common Form Fields </a:t>
+            </a:r>
+            <a:r>
+              <a:rPr lang="en-US" u="sng" dirty="0"/>
+              <a:t/>
+            </a:r>
+            <a:br>
+              <a:rPr lang="en-US" u="sng" dirty="0"/>
+            </a:br>
+            <a:endParaRPr lang="en-US" u="sng" dirty="0"/>
+          </a:p>
+        </p:txBody>
+      </p:sp>
+      <p:sp>
+        <p:nvSpPr>
+          <p:cNvPr id="11" name="TextBox 10"/>
+          <p:cNvSpPr txBox="1"/>
+          <p:nvPr/>
+        </p:nvSpPr>
+        <p:spPr>
+          <a:xfrm>
+            <a:off x="628650" y="1254038"/>
+            <a:ext cx="8335838" cy="1200329"/>
+          </a:xfrm>
+          <a:prstGeom prst="rect">
+            <a:avLst/>
+          </a:prstGeom>
+          <a:noFill/>
+        </p:spPr>
+        <p:txBody>
+          <a:bodyPr wrap="square" rtlCol="0">
+            <a:spAutoFit/>
+          </a:bodyPr>
+          <a:lstStyle/>
+          <a:p>
+            <a:pPr marL="342900" indent="-342900">
+              <a:buFont typeface="Arial" charset="0"/>
+              <a:buChar char="•"/>
+            </a:pPr>
+            <a:endParaRPr lang="en-US" dirty="0" smtClean="0"/>
+          </a:p>
+          <a:p>
+            <a:pPr marL="342900" indent="-342900">
+              <a:buFont typeface="Arial" charset="0"/>
+              <a:buChar char="•"/>
+            </a:pPr>
+            <a:r>
+              <a:rPr lang="en-US" dirty="0"/>
+              <a:t> &lt;</a:t>
+            </a:r>
+            <a:r>
+              <a:rPr lang="en-US" dirty="0" err="1"/>
+              <a:t>fieldset</a:t>
+            </a:r>
+            <a:r>
+              <a:rPr lang="en-US" dirty="0"/>
+              <a:t>&gt; </a:t>
+            </a:r>
+            <a:r>
+              <a:rPr lang="en-US" dirty="0" smtClean="0"/>
+              <a:t> for grouping form element</a:t>
+            </a:r>
+          </a:p>
+          <a:p>
+            <a:pPr marL="342900" indent="-342900">
+              <a:buFont typeface="Arial" charset="0"/>
+              <a:buChar char="•"/>
+            </a:pPr>
+            <a:r>
+              <a:rPr lang="en-US" dirty="0" smtClean="0"/>
+              <a:t> &lt;legend&gt;   adds a caption to the field set</a:t>
+            </a:r>
+            <a:endParaRPr lang="en-US" dirty="0"/>
+          </a:p>
+        </p:txBody>
+      </p:sp>
+      <p:pic>
+        <p:nvPicPr>
+          <p:cNvPr id="16" name="Picture 15"/>
+          <p:cNvPicPr>
+            <a:picLocks noChangeAspect="1"/>
+          </p:cNvPicPr>
+          <p:nvPr/>
+        </p:nvPicPr>
+        <p:blipFill>
+          <a:blip r:embed="rId2">
+            <a:extLst>
+              <a:ext uri="{28A0092B-C50C-407E-A947-70E740481C1C}">
+                <a14:useLocalDpi xmlns:a14="http://schemas.microsoft.com/office/drawing/2010/main" val="0"/>
+              </a:ext>
+            </a:extLst>
+          </a:blip>
+          <a:stretch>
+            <a:fillRect/>
+          </a:stretch>
+        </p:blipFill>
+        <p:spPr>
+          <a:xfrm>
+            <a:off x="2267744" y="2995659"/>
+            <a:ext cx="3324225" cy="2819400"/>
+          </a:xfrm>
+          <a:prstGeom prst="rect">
+            <a:avLst/>
+          </a:prstGeom>
+        </p:spPr>
+      </p:pic>
     </p:spTree>
     <p:extLst>
       <p:ext uri="{BB962C8B-B14F-4D97-AF65-F5344CB8AC3E}">
@@ -7020,7 +5592,7 @@
         </p:nvSpPr>
         <p:spPr>
           <a:xfrm>
-            <a:off x="0" y="266700"/>
+            <a:off x="-12626" y="2708920"/>
             <a:ext cx="9144000" cy="714375"/>
           </a:xfrm>
         </p:spPr>
@@ -7032,390 +5604,19 @@
               <a:defRPr/>
             </a:pPr>
             <a:r>
-              <a:rPr lang="en-GB" sz="3600" dirty="0" smtClean="0">
+              <a:rPr lang="en-GB" sz="3600" u="sng" dirty="0" smtClean="0">
                 <a:solidFill>
                   <a:srgbClr val="C00000"/>
                 </a:solidFill>
                 <a:ea typeface="+mj-ea"/>
               </a:rPr>
-              <a:t>The </a:t>
-            </a:r>
-            <a:r>
-              <a:rPr lang="en-GB" sz="3600" i="1" dirty="0">
-                <a:solidFill>
-                  <a:srgbClr val="C00000"/>
-                </a:solidFill>
-              </a:rPr>
-              <a:t>F</a:t>
-            </a:r>
-            <a:r>
-              <a:rPr lang="en-GB" sz="3600" i="1" dirty="0" smtClean="0">
-                <a:solidFill>
-                  <a:srgbClr val="C00000"/>
-                </a:solidFill>
-                <a:ea typeface="+mj-ea"/>
-              </a:rPr>
-              <a:t>orm</a:t>
-            </a:r>
-            <a:r>
-              <a:rPr lang="en-GB" sz="3600" dirty="0" smtClean="0">
-                <a:solidFill>
-                  <a:srgbClr val="C00000"/>
-                </a:solidFill>
-                <a:ea typeface="+mj-ea"/>
-              </a:rPr>
-              <a:t> Element</a:t>
-            </a:r>
-          </a:p>
-        </p:txBody>
-      </p:sp>
-      <p:sp>
-        <p:nvSpPr>
-          <p:cNvPr id="7" name="Rectangle 3"/>
-          <p:cNvSpPr txBox="1">
-            <a:spLocks noChangeArrowheads="1"/>
-          </p:cNvSpPr>
-          <p:nvPr/>
-        </p:nvSpPr>
-        <p:spPr bwMode="auto">
-          <a:xfrm>
-            <a:off x="250825" y="1146175"/>
-            <a:ext cx="8100000" cy="1994793"/>
-          </a:xfrm>
-          <a:prstGeom prst="rect">
-            <a:avLst/>
-          </a:prstGeom>
-          <a:solidFill>
-            <a:schemeClr val="bg1"/>
-          </a:solidFill>
-          <a:ln w="9525">
-            <a:noFill/>
-            <a:miter lim="800000"/>
-            <a:headEnd/>
-            <a:tailEnd/>
-          </a:ln>
-        </p:spPr>
-        <p:txBody>
-          <a:bodyPr lIns="0" tIns="0" rIns="0" bIns="0"/>
-          <a:lstStyle/>
-          <a:p>
-            <a:pPr marL="266700" lvl="1">
-              <a:spcBef>
-                <a:spcPts val="1200"/>
-              </a:spcBef>
-              <a:spcAft>
-                <a:spcPts val="600"/>
-              </a:spcAft>
-              <a:buClr>
-                <a:srgbClr val="C00000"/>
-              </a:buClr>
-              <a:buSzPct val="80000"/>
-              <a:defRPr/>
-            </a:pPr>
-            <a:r>
-              <a:rPr lang="en-GB" sz="2800" i="1" dirty="0" smtClean="0">
-                <a:solidFill>
-                  <a:srgbClr val="C00000"/>
-                </a:solidFill>
-              </a:rPr>
-              <a:t>      There are two methods to submit a form </a:t>
-            </a:r>
-            <a:endParaRPr lang="en-GB" sz="2800" i="1" dirty="0">
+              <a:t>Step 2 - Separate Lines Use &lt;p&gt; Tags</a:t>
+            </a:r>
+            <a:endParaRPr lang="en-GB" sz="3600" u="sng" dirty="0" smtClean="0">
               <a:solidFill>
                 <a:srgbClr val="C00000"/>
               </a:solidFill>
-            </a:endParaRPr>
-          </a:p>
-          <a:p>
-            <a:pPr marL="723900" lvl="1" indent="-457200">
-              <a:spcBef>
-                <a:spcPts val="1200"/>
-              </a:spcBef>
-              <a:spcAft>
-                <a:spcPts val="600"/>
-              </a:spcAft>
-              <a:buClr>
-                <a:srgbClr val="C00000"/>
-              </a:buClr>
-              <a:buSzPct val="80000"/>
-              <a:buFontTx/>
-              <a:buChar char="-"/>
-              <a:defRPr/>
-            </a:pPr>
-            <a:r>
-              <a:rPr lang="en-GB" sz="2800" dirty="0" smtClean="0"/>
-              <a:t>"</a:t>
-            </a:r>
-            <a:r>
-              <a:rPr lang="en-GB" sz="2800" dirty="0">
-                <a:solidFill>
-                  <a:srgbClr val="0000FF"/>
-                </a:solidFill>
-              </a:rPr>
-              <a:t>get</a:t>
-            </a:r>
-            <a:r>
-              <a:rPr lang="en-GB" sz="2800" dirty="0"/>
-              <a:t>": data is appended to the </a:t>
-            </a:r>
-            <a:r>
-              <a:rPr lang="en-US" sz="2800" dirty="0" smtClean="0"/>
-              <a:t>URL</a:t>
-            </a:r>
-          </a:p>
-          <a:p>
-            <a:pPr marL="723900" lvl="1" indent="-457200">
-              <a:spcBef>
-                <a:spcPts val="1200"/>
-              </a:spcBef>
-              <a:spcAft>
-                <a:spcPts val="600"/>
-              </a:spcAft>
-              <a:buClr>
-                <a:srgbClr val="C00000"/>
-              </a:buClr>
-              <a:buSzPct val="80000"/>
-              <a:buFontTx/>
-              <a:buChar char="-"/>
-              <a:defRPr/>
-            </a:pPr>
-            <a:r>
-              <a:rPr lang="en-GB" sz="2800" dirty="0" smtClean="0"/>
-              <a:t>"</a:t>
-            </a:r>
-            <a:r>
-              <a:rPr lang="en-GB" sz="2800" dirty="0" smtClean="0">
-                <a:solidFill>
-                  <a:srgbClr val="0000FF"/>
-                </a:solidFill>
-              </a:rPr>
-              <a:t>post</a:t>
-            </a:r>
-            <a:r>
-              <a:rPr lang="en-GB" sz="2800" dirty="0"/>
-              <a:t>": </a:t>
-            </a:r>
-            <a:r>
-              <a:rPr lang="en-GB" sz="2800" dirty="0" smtClean="0"/>
-              <a:t>data is included in body of the form</a:t>
-            </a:r>
-          </a:p>
-          <a:p>
-            <a:pPr marL="266700" lvl="1">
-              <a:spcBef>
-                <a:spcPts val="1200"/>
-              </a:spcBef>
-              <a:spcAft>
-                <a:spcPts val="600"/>
-              </a:spcAft>
-              <a:buClr>
-                <a:srgbClr val="C00000"/>
-              </a:buClr>
-              <a:buSzPct val="80000"/>
-              <a:defRPr/>
-            </a:pPr>
-            <a:endParaRPr lang="en-GB" sz="2800" dirty="0" smtClean="0"/>
-          </a:p>
-          <a:p>
-            <a:pPr marL="266700" lvl="1">
-              <a:spcBef>
-                <a:spcPts val="1200"/>
-              </a:spcBef>
-              <a:spcAft>
-                <a:spcPts val="600"/>
-              </a:spcAft>
-              <a:buClr>
-                <a:srgbClr val="C00000"/>
-              </a:buClr>
-              <a:buSzPct val="80000"/>
-              <a:defRPr/>
-            </a:pPr>
-            <a:r>
-              <a:rPr lang="en-GB" sz="2800" i="1" dirty="0">
-                <a:solidFill>
-                  <a:srgbClr val="C00000"/>
-                </a:solidFill>
-              </a:rPr>
-              <a:t> </a:t>
-            </a:r>
-            <a:r>
-              <a:rPr lang="en-GB" sz="2800" i="1" dirty="0" smtClean="0">
-                <a:solidFill>
-                  <a:srgbClr val="C00000"/>
-                </a:solidFill>
-              </a:rPr>
-              <a:t>     		Action is where the form posts to </a:t>
-            </a:r>
-          </a:p>
-          <a:p>
-            <a:pPr marL="266700" lvl="1">
-              <a:spcBef>
-                <a:spcPts val="1200"/>
-              </a:spcBef>
-              <a:spcAft>
-                <a:spcPts val="600"/>
-              </a:spcAft>
-              <a:buClr>
-                <a:srgbClr val="C00000"/>
-              </a:buClr>
-              <a:buSzPct val="80000"/>
-              <a:defRPr/>
-            </a:pPr>
-            <a:endParaRPr lang="en-GB" sz="2800" dirty="0"/>
-          </a:p>
-        </p:txBody>
-      </p:sp>
-      <p:sp>
-        <p:nvSpPr>
-          <p:cNvPr id="3" name="TextBox 2"/>
-          <p:cNvSpPr txBox="1"/>
-          <p:nvPr/>
-        </p:nvSpPr>
-        <p:spPr>
-          <a:xfrm>
-            <a:off x="215516" y="4653136"/>
-            <a:ext cx="8712968" cy="477054"/>
-          </a:xfrm>
-          <a:prstGeom prst="rect">
-            <a:avLst/>
-          </a:prstGeom>
-          <a:solidFill>
-            <a:schemeClr val="accent1"/>
-          </a:solidFill>
-        </p:spPr>
-        <p:txBody>
-          <a:bodyPr wrap="square" rtlCol="0">
-            <a:spAutoFit/>
-          </a:bodyPr>
-          <a:lstStyle/>
-          <a:p>
-            <a:r>
-              <a:rPr lang="en-US" sz="2500" dirty="0">
-                <a:ln w="0"/>
-                <a:effectLst>
-                  <a:outerShdw blurRad="38100" dist="19050" dir="2700000" algn="tl" rotWithShape="0">
-                    <a:schemeClr val="dk1">
-                      <a:alpha val="40000"/>
-                    </a:schemeClr>
-                  </a:outerShdw>
-                </a:effectLst>
-              </a:rPr>
-              <a:t>&lt;form action="http://</a:t>
-            </a:r>
-            <a:r>
-              <a:rPr lang="en-US" sz="2500" dirty="0" err="1">
-                <a:ln w="0"/>
-                <a:effectLst>
-                  <a:outerShdw blurRad="38100" dist="19050" dir="2700000" algn="tl" rotWithShape="0">
-                    <a:schemeClr val="dk1">
-                      <a:alpha val="40000"/>
-                    </a:schemeClr>
-                  </a:outerShdw>
-                </a:effectLst>
-              </a:rPr>
-              <a:t>www.google.com</a:t>
-            </a:r>
-            <a:r>
-              <a:rPr lang="en-US" sz="2500" dirty="0">
-                <a:ln w="0"/>
-                <a:effectLst>
-                  <a:outerShdw blurRad="38100" dist="19050" dir="2700000" algn="tl" rotWithShape="0">
-                    <a:schemeClr val="dk1">
-                      <a:alpha val="40000"/>
-                    </a:schemeClr>
-                  </a:outerShdw>
-                </a:effectLst>
-              </a:rPr>
-              <a:t>" method="post"&gt;</a:t>
-            </a:r>
-          </a:p>
-        </p:txBody>
-      </p:sp>
-      <p:sp>
-        <p:nvSpPr>
-          <p:cNvPr id="6" name="TextBox 5"/>
-          <p:cNvSpPr txBox="1"/>
-          <p:nvPr/>
-        </p:nvSpPr>
-        <p:spPr>
-          <a:xfrm>
-            <a:off x="215516" y="5732909"/>
-            <a:ext cx="8712968" cy="477054"/>
-          </a:xfrm>
-          <a:prstGeom prst="rect">
-            <a:avLst/>
-          </a:prstGeom>
-          <a:solidFill>
-            <a:schemeClr val="accent1"/>
-          </a:solidFill>
-        </p:spPr>
-        <p:txBody>
-          <a:bodyPr wrap="square" rtlCol="0">
-            <a:spAutoFit/>
-          </a:bodyPr>
-          <a:lstStyle/>
-          <a:p>
-            <a:r>
-              <a:rPr lang="en-US" sz="2500" dirty="0">
-                <a:ln w="0"/>
-                <a:effectLst>
-                  <a:outerShdw blurRad="38100" dist="19050" dir="2700000" algn="tl" rotWithShape="0">
-                    <a:schemeClr val="dk1">
-                      <a:alpha val="40000"/>
-                    </a:schemeClr>
-                  </a:outerShdw>
-                </a:effectLst>
-              </a:rPr>
-              <a:t>&lt;form action="http://</a:t>
-            </a:r>
-            <a:r>
-              <a:rPr lang="en-US" sz="2500" dirty="0" err="1">
-                <a:ln w="0"/>
-                <a:effectLst>
-                  <a:outerShdw blurRad="38100" dist="19050" dir="2700000" algn="tl" rotWithShape="0">
-                    <a:schemeClr val="dk1">
-                      <a:alpha val="40000"/>
-                    </a:schemeClr>
-                  </a:outerShdw>
-                </a:effectLst>
-              </a:rPr>
-              <a:t>www.google.com</a:t>
-            </a:r>
-            <a:r>
-              <a:rPr lang="en-US" sz="2500" dirty="0">
-                <a:ln w="0"/>
-                <a:effectLst>
-                  <a:outerShdw blurRad="38100" dist="19050" dir="2700000" algn="tl" rotWithShape="0">
-                    <a:schemeClr val="dk1">
-                      <a:alpha val="40000"/>
-                    </a:schemeClr>
-                  </a:outerShdw>
-                </a:effectLst>
-              </a:rPr>
-              <a:t>" method</a:t>
-            </a:r>
-            <a:r>
-              <a:rPr lang="en-US" sz="2500" dirty="0" smtClean="0">
-                <a:ln w="0"/>
-                <a:effectLst>
-                  <a:outerShdw blurRad="38100" dist="19050" dir="2700000" algn="tl" rotWithShape="0">
-                    <a:schemeClr val="dk1">
-                      <a:alpha val="40000"/>
-                    </a:schemeClr>
-                  </a:outerShdw>
-                </a:effectLst>
-              </a:rPr>
-              <a:t>=“get"&gt;</a:t>
-            </a:r>
-            <a:endParaRPr lang="en-US" sz="2500" dirty="0">
-              <a:ln w="0"/>
-              <a:effectLst>
-                <a:outerShdw blurRad="38100" dist="19050" dir="2700000" algn="tl" rotWithShape="0">
-                  <a:schemeClr val="dk1">
-                    <a:alpha val="40000"/>
-                  </a:schemeClr>
-                </a:outerShdw>
-              </a:effectLst>
+              <a:ea typeface="+mj-ea"/>
             </a:endParaRPr>
           </a:p>
         </p:txBody>
@@ -7433,442 +5634,7 @@
   <p:timing>
     <p:tnLst>
       <p:par>
-        <p:cTn id="1" dur="indefinite" restart="never" nodeType="tmRoot">
-          <p:childTnLst>
-            <p:seq concurrent="1" nextAc="seek">
-              <p:cTn id="2" dur="indefinite" nodeType="mainSeq">
-                <p:childTnLst>
-                  <p:par>
-                    <p:cTn id="3" fill="hold">
-                      <p:stCondLst>
-                        <p:cond delay="indefinite"/>
-                      </p:stCondLst>
-                      <p:childTnLst>
-                        <p:par>
-                          <p:cTn id="4" fill="hold">
-                            <p:stCondLst>
-                              <p:cond delay="0"/>
-                            </p:stCondLst>
-                            <p:childTnLst>
-                              <p:par>
-                                <p:cTn id="5" presetID="2" presetClass="entr" presetSubtype="4" fill="hold" nodeType="clickEffect">
-                                  <p:stCondLst>
-                                    <p:cond delay="0"/>
-                                  </p:stCondLst>
-                                  <p:childTnLst>
-                                    <p:set>
-                                      <p:cBhvr>
-                                        <p:cTn id="6" dur="1" fill="hold">
-                                          <p:stCondLst>
-                                            <p:cond delay="0"/>
-                                          </p:stCondLst>
-                                        </p:cTn>
-                                        <p:tgtEl>
-                                          <p:spTgt spid="7">
-                                            <p:txEl>
-                                              <p:pRg st="0" end="0"/>
-                                            </p:txEl>
-                                          </p:spTgt>
-                                        </p:tgtEl>
-                                        <p:attrNameLst>
-                                          <p:attrName>style.visibility</p:attrName>
-                                        </p:attrNameLst>
-                                      </p:cBhvr>
-                                      <p:to>
-                                        <p:strVal val="visible"/>
-                                      </p:to>
-                                    </p:set>
-                                    <p:anim calcmode="lin" valueType="num">
-                                      <p:cBhvr additive="base">
-                                        <p:cTn id="7" dur="500" fill="hold"/>
-                                        <p:tgtEl>
-                                          <p:spTgt spid="7">
-                                            <p:txEl>
-                                              <p:pRg st="0" end="0"/>
-                                            </p:txEl>
-                                          </p:spTgt>
-                                        </p:tgtEl>
-                                        <p:attrNameLst>
-                                          <p:attrName>ppt_x</p:attrName>
-                                        </p:attrNameLst>
-                                      </p:cBhvr>
-                                      <p:tavLst>
-                                        <p:tav tm="0">
-                                          <p:val>
-                                            <p:strVal val="#ppt_x"/>
-                                          </p:val>
-                                        </p:tav>
-                                        <p:tav tm="100000">
-                                          <p:val>
-                                            <p:strVal val="#ppt_x"/>
-                                          </p:val>
-                                        </p:tav>
-                                      </p:tavLst>
-                                    </p:anim>
-                                    <p:anim calcmode="lin" valueType="num">
-                                      <p:cBhvr additive="base">
-                                        <p:cTn id="8" dur="500" fill="hold"/>
-                                        <p:tgtEl>
-                                          <p:spTgt spid="7">
-                                            <p:txEl>
-                                              <p:pRg st="0" end="0"/>
-                                            </p:txEl>
-                                          </p:spTgt>
-                                        </p:tgtEl>
-                                        <p:attrNameLst>
-                                          <p:attrName>ppt_y</p:attrName>
-                                        </p:attrNameLst>
-                                      </p:cBhvr>
-                                      <p:tavLst>
-                                        <p:tav tm="0">
-                                          <p:val>
-                                            <p:strVal val="1+#ppt_h/2"/>
-                                          </p:val>
-                                        </p:tav>
-                                        <p:tav tm="100000">
-                                          <p:val>
-                                            <p:strVal val="#ppt_y"/>
-                                          </p:val>
-                                        </p:tav>
-                                      </p:tavLst>
-                                    </p:anim>
-                                  </p:childTnLst>
-                                </p:cTn>
-                              </p:par>
-                            </p:childTnLst>
-                          </p:cTn>
-                        </p:par>
-                      </p:childTnLst>
-                    </p:cTn>
-                  </p:par>
-                  <p:par>
-                    <p:cTn id="9" fill="hold">
-                      <p:stCondLst>
-                        <p:cond delay="indefinite"/>
-                      </p:stCondLst>
-                      <p:childTnLst>
-                        <p:par>
-                          <p:cTn id="10" fill="hold">
-                            <p:stCondLst>
-                              <p:cond delay="0"/>
-                            </p:stCondLst>
-                            <p:childTnLst>
-                              <p:par>
-                                <p:cTn id="11" presetID="2" presetClass="entr" presetSubtype="4" fill="hold" nodeType="clickEffect">
-                                  <p:stCondLst>
-                                    <p:cond delay="0"/>
-                                  </p:stCondLst>
-                                  <p:childTnLst>
-                                    <p:set>
-                                      <p:cBhvr>
-                                        <p:cTn id="12" dur="1" fill="hold">
-                                          <p:stCondLst>
-                                            <p:cond delay="0"/>
-                                          </p:stCondLst>
-                                        </p:cTn>
-                                        <p:tgtEl>
-                                          <p:spTgt spid="7">
-                                            <p:txEl>
-                                              <p:pRg st="1" end="1"/>
-                                            </p:txEl>
-                                          </p:spTgt>
-                                        </p:tgtEl>
-                                        <p:attrNameLst>
-                                          <p:attrName>style.visibility</p:attrName>
-                                        </p:attrNameLst>
-                                      </p:cBhvr>
-                                      <p:to>
-                                        <p:strVal val="visible"/>
-                                      </p:to>
-                                    </p:set>
-                                    <p:anim calcmode="lin" valueType="num">
-                                      <p:cBhvr additive="base">
-                                        <p:cTn id="13" dur="500" fill="hold"/>
-                                        <p:tgtEl>
-                                          <p:spTgt spid="7">
-                                            <p:txEl>
-                                              <p:pRg st="1" end="1"/>
-                                            </p:txEl>
-                                          </p:spTgt>
-                                        </p:tgtEl>
-                                        <p:attrNameLst>
-                                          <p:attrName>ppt_x</p:attrName>
-                                        </p:attrNameLst>
-                                      </p:cBhvr>
-                                      <p:tavLst>
-                                        <p:tav tm="0">
-                                          <p:val>
-                                            <p:strVal val="#ppt_x"/>
-                                          </p:val>
-                                        </p:tav>
-                                        <p:tav tm="100000">
-                                          <p:val>
-                                            <p:strVal val="#ppt_x"/>
-                                          </p:val>
-                                        </p:tav>
-                                      </p:tavLst>
-                                    </p:anim>
-                                    <p:anim calcmode="lin" valueType="num">
-                                      <p:cBhvr additive="base">
-                                        <p:cTn id="14" dur="500" fill="hold"/>
-                                        <p:tgtEl>
-                                          <p:spTgt spid="7">
-                                            <p:txEl>
-                                              <p:pRg st="1" end="1"/>
-                                            </p:txEl>
-                                          </p:spTgt>
-                                        </p:tgtEl>
-                                        <p:attrNameLst>
-                                          <p:attrName>ppt_y</p:attrName>
-                                        </p:attrNameLst>
-                                      </p:cBhvr>
-                                      <p:tavLst>
-                                        <p:tav tm="0">
-                                          <p:val>
-                                            <p:strVal val="1+#ppt_h/2"/>
-                                          </p:val>
-                                        </p:tav>
-                                        <p:tav tm="100000">
-                                          <p:val>
-                                            <p:strVal val="#ppt_y"/>
-                                          </p:val>
-                                        </p:tav>
-                                      </p:tavLst>
-                                    </p:anim>
-                                  </p:childTnLst>
-                                </p:cTn>
-                              </p:par>
-                            </p:childTnLst>
-                          </p:cTn>
-                        </p:par>
-                      </p:childTnLst>
-                    </p:cTn>
-                  </p:par>
-                  <p:par>
-                    <p:cTn id="15" fill="hold">
-                      <p:stCondLst>
-                        <p:cond delay="indefinite"/>
-                      </p:stCondLst>
-                      <p:childTnLst>
-                        <p:par>
-                          <p:cTn id="16" fill="hold">
-                            <p:stCondLst>
-                              <p:cond delay="0"/>
-                            </p:stCondLst>
-                            <p:childTnLst>
-                              <p:par>
-                                <p:cTn id="17" presetID="2" presetClass="entr" presetSubtype="4" fill="hold" nodeType="clickEffect">
-                                  <p:stCondLst>
-                                    <p:cond delay="0"/>
-                                  </p:stCondLst>
-                                  <p:childTnLst>
-                                    <p:set>
-                                      <p:cBhvr>
-                                        <p:cTn id="18" dur="1" fill="hold">
-                                          <p:stCondLst>
-                                            <p:cond delay="0"/>
-                                          </p:stCondLst>
-                                        </p:cTn>
-                                        <p:tgtEl>
-                                          <p:spTgt spid="7">
-                                            <p:txEl>
-                                              <p:pRg st="2" end="2"/>
-                                            </p:txEl>
-                                          </p:spTgt>
-                                        </p:tgtEl>
-                                        <p:attrNameLst>
-                                          <p:attrName>style.visibility</p:attrName>
-                                        </p:attrNameLst>
-                                      </p:cBhvr>
-                                      <p:to>
-                                        <p:strVal val="visible"/>
-                                      </p:to>
-                                    </p:set>
-                                    <p:anim calcmode="lin" valueType="num">
-                                      <p:cBhvr additive="base">
-                                        <p:cTn id="19" dur="500" fill="hold"/>
-                                        <p:tgtEl>
-                                          <p:spTgt spid="7">
-                                            <p:txEl>
-                                              <p:pRg st="2" end="2"/>
-                                            </p:txEl>
-                                          </p:spTgt>
-                                        </p:tgtEl>
-                                        <p:attrNameLst>
-                                          <p:attrName>ppt_x</p:attrName>
-                                        </p:attrNameLst>
-                                      </p:cBhvr>
-                                      <p:tavLst>
-                                        <p:tav tm="0">
-                                          <p:val>
-                                            <p:strVal val="#ppt_x"/>
-                                          </p:val>
-                                        </p:tav>
-                                        <p:tav tm="100000">
-                                          <p:val>
-                                            <p:strVal val="#ppt_x"/>
-                                          </p:val>
-                                        </p:tav>
-                                      </p:tavLst>
-                                    </p:anim>
-                                    <p:anim calcmode="lin" valueType="num">
-                                      <p:cBhvr additive="base">
-                                        <p:cTn id="20" dur="500" fill="hold"/>
-                                        <p:tgtEl>
-                                          <p:spTgt spid="7">
-                                            <p:txEl>
-                                              <p:pRg st="2" end="2"/>
-                                            </p:txEl>
-                                          </p:spTgt>
-                                        </p:tgtEl>
-                                        <p:attrNameLst>
-                                          <p:attrName>ppt_y</p:attrName>
-                                        </p:attrNameLst>
-                                      </p:cBhvr>
-                                      <p:tavLst>
-                                        <p:tav tm="0">
-                                          <p:val>
-                                            <p:strVal val="1+#ppt_h/2"/>
-                                          </p:val>
-                                        </p:tav>
-                                        <p:tav tm="100000">
-                                          <p:val>
-                                            <p:strVal val="#ppt_y"/>
-                                          </p:val>
-                                        </p:tav>
-                                      </p:tavLst>
-                                    </p:anim>
-                                  </p:childTnLst>
-                                </p:cTn>
-                              </p:par>
-                            </p:childTnLst>
-                          </p:cTn>
-                        </p:par>
-                      </p:childTnLst>
-                    </p:cTn>
-                  </p:par>
-                  <p:par>
-                    <p:cTn id="21" fill="hold">
-                      <p:stCondLst>
-                        <p:cond delay="indefinite"/>
-                      </p:stCondLst>
-                      <p:childTnLst>
-                        <p:par>
-                          <p:cTn id="22" fill="hold">
-                            <p:stCondLst>
-                              <p:cond delay="0"/>
-                            </p:stCondLst>
-                            <p:childTnLst>
-                              <p:par>
-                                <p:cTn id="23" presetID="2" presetClass="entr" presetSubtype="4" fill="hold" nodeType="clickEffect">
-                                  <p:stCondLst>
-                                    <p:cond delay="0"/>
-                                  </p:stCondLst>
-                                  <p:childTnLst>
-                                    <p:set>
-                                      <p:cBhvr>
-                                        <p:cTn id="24" dur="1" fill="hold">
-                                          <p:stCondLst>
-                                            <p:cond delay="0"/>
-                                          </p:stCondLst>
-                                        </p:cTn>
-                                        <p:tgtEl>
-                                          <p:spTgt spid="7">
-                                            <p:txEl>
-                                              <p:pRg st="4" end="4"/>
-                                            </p:txEl>
-                                          </p:spTgt>
-                                        </p:tgtEl>
-                                        <p:attrNameLst>
-                                          <p:attrName>style.visibility</p:attrName>
-                                        </p:attrNameLst>
-                                      </p:cBhvr>
-                                      <p:to>
-                                        <p:strVal val="visible"/>
-                                      </p:to>
-                                    </p:set>
-                                    <p:anim calcmode="lin" valueType="num">
-                                      <p:cBhvr additive="base">
-                                        <p:cTn id="25" dur="500" fill="hold"/>
-                                        <p:tgtEl>
-                                          <p:spTgt spid="7">
-                                            <p:txEl>
-                                              <p:pRg st="4" end="4"/>
-                                            </p:txEl>
-                                          </p:spTgt>
-                                        </p:tgtEl>
-                                        <p:attrNameLst>
-                                          <p:attrName>ppt_x</p:attrName>
-                                        </p:attrNameLst>
-                                      </p:cBhvr>
-                                      <p:tavLst>
-                                        <p:tav tm="0">
-                                          <p:val>
-                                            <p:strVal val="#ppt_x"/>
-                                          </p:val>
-                                        </p:tav>
-                                        <p:tav tm="100000">
-                                          <p:val>
-                                            <p:strVal val="#ppt_x"/>
-                                          </p:val>
-                                        </p:tav>
-                                      </p:tavLst>
-                                    </p:anim>
-                                    <p:anim calcmode="lin" valueType="num">
-                                      <p:cBhvr additive="base">
-                                        <p:cTn id="26" dur="500" fill="hold"/>
-                                        <p:tgtEl>
-                                          <p:spTgt spid="7">
-                                            <p:txEl>
-                                              <p:pRg st="4" end="4"/>
-                                            </p:txEl>
-                                          </p:spTgt>
-                                        </p:tgtEl>
-                                        <p:attrNameLst>
-                                          <p:attrName>ppt_y</p:attrName>
-                                        </p:attrNameLst>
-                                      </p:cBhvr>
-                                      <p:tavLst>
-                                        <p:tav tm="0">
-                                          <p:val>
-                                            <p:strVal val="1+#ppt_h/2"/>
-                                          </p:val>
-                                        </p:tav>
-                                        <p:tav tm="100000">
-                                          <p:val>
-                                            <p:strVal val="#ppt_y"/>
-                                          </p:val>
-                                        </p:tav>
-                                      </p:tavLst>
-                                    </p:anim>
-                                  </p:childTnLst>
-                                </p:cTn>
-                              </p:par>
-                            </p:childTnLst>
-                          </p:cTn>
-                        </p:par>
-                      </p:childTnLst>
-                    </p:cTn>
-                  </p:par>
-                </p:childTnLst>
-              </p:cTn>
-              <p:prevCondLst>
-                <p:cond evt="onPrev" delay="0">
-                  <p:tgtEl>
-                    <p:sldTgt/>
-                  </p:tgtEl>
-                </p:cond>
-              </p:prevCondLst>
-              <p:nextCondLst>
-                <p:cond evt="onNext" delay="0">
-                  <p:tgtEl>
-                    <p:sldTgt/>
-                  </p:tgtEl>
-                </p:cond>
-              </p:nextCondLst>
-            </p:seq>
-          </p:childTnLst>
-        </p:cTn>
+        <p:cTn id="1" dur="indefinite" restart="never" nodeType="tmRoot"/>
       </p:par>
     </p:tnLst>
   </p:timing>
@@ -7876,6 +5642,95 @@
 </file>
 
 <file path=ppt/slides/slide6.xml><?xml version="1.0" encoding="utf-8"?>
+<p:sld xmlns:a="http://schemas.openxmlformats.org/drawingml/2006/main" xmlns:r="http://schemas.openxmlformats.org/officeDocument/2006/relationships" xmlns:p="http://schemas.openxmlformats.org/presentationml/2006/main">
+  <p:cSld>
+    <p:spTree>
+      <p:nvGrpSpPr>
+        <p:cNvPr id="1" name=""/>
+        <p:cNvGrpSpPr/>
+        <p:nvPr/>
+      </p:nvGrpSpPr>
+      <p:grpSpPr>
+        <a:xfrm>
+          <a:off x="0" y="0"/>
+          <a:ext cx="0" cy="0"/>
+          <a:chOff x="0" y="0"/>
+          <a:chExt cx="0" cy="0"/>
+        </a:xfrm>
+      </p:grpSpPr>
+      <p:sp>
+        <p:nvSpPr>
+          <p:cNvPr id="3" name="Rectangle 2"/>
+          <p:cNvSpPr/>
+          <p:nvPr/>
+        </p:nvSpPr>
+        <p:spPr>
+          <a:xfrm>
+            <a:off x="1115616" y="2204864"/>
+            <a:ext cx="7302385" cy="923330"/>
+          </a:xfrm>
+          <a:prstGeom prst="rect">
+            <a:avLst/>
+          </a:prstGeom>
+          <a:noFill/>
+        </p:spPr>
+        <p:txBody>
+          <a:bodyPr wrap="none" lIns="91440" tIns="45720" rIns="91440" bIns="45720">
+            <a:spAutoFit/>
+          </a:bodyPr>
+          <a:lstStyle/>
+          <a:p>
+            <a:pPr algn="ctr"/>
+            <a:r>
+              <a:rPr lang="en-GB" sz="5400" dirty="0" smtClean="0">
+                <a:ln w="0"/>
+                <a:effectLst>
+                  <a:outerShdw blurRad="38100" dist="19050" dir="2700000" algn="tl" rotWithShape="0">
+                    <a:schemeClr val="dk1">
+                      <a:alpha val="40000"/>
+                    </a:schemeClr>
+                  </a:outerShdw>
+                </a:effectLst>
+              </a:rPr>
+              <a:t>Steps to Adding Styles </a:t>
+            </a:r>
+            <a:endParaRPr lang="en-GB" sz="5400" b="0" cap="none" spc="0" dirty="0">
+              <a:ln w="0"/>
+              <a:solidFill>
+                <a:schemeClr val="tx1"/>
+              </a:solidFill>
+              <a:effectLst>
+                <a:outerShdw blurRad="38100" dist="19050" dir="2700000" algn="tl" rotWithShape="0">
+                  <a:schemeClr val="dk1">
+                    <a:alpha val="40000"/>
+                  </a:schemeClr>
+                </a:outerShdw>
+              </a:effectLst>
+            </a:endParaRPr>
+          </a:p>
+        </p:txBody>
+      </p:sp>
+    </p:spTree>
+    <p:extLst>
+      <p:ext uri="{BB962C8B-B14F-4D97-AF65-F5344CB8AC3E}">
+        <p14:creationId xmlns:p14="http://schemas.microsoft.com/office/powerpoint/2010/main" val="3866576752"/>
+      </p:ext>
+    </p:extLst>
+  </p:cSld>
+  <p:clrMapOvr>
+    <a:masterClrMapping/>
+  </p:clrMapOvr>
+  <p:timing>
+    <p:tnLst>
+      <p:par>
+        <p:cTn id="1" dur="indefinite" restart="never" nodeType="tmRoot"/>
+      </p:par>
+    </p:tnLst>
+  </p:timing>
+</p:sld>
+</file>
+
+<file path=ppt/slides/slide7.xml><?xml version="1.0" encoding="utf-8"?>
 <p:sld xmlns:a="http://schemas.openxmlformats.org/drawingml/2006/main" xmlns:r="http://schemas.openxmlformats.org/officeDocument/2006/relationships" xmlns:p="http://schemas.openxmlformats.org/presentationml/2006/main" showMasterSp="0">
   <p:cSld>
     <p:spTree>
@@ -7894,586 +5749,172 @@
       </p:grpSpPr>
       <p:sp>
         <p:nvSpPr>
-          <p:cNvPr id="10243" name="Rectangle 2"/>
-          <p:cNvSpPr>
-            <a:spLocks noGrp="1" noChangeArrowheads="1"/>
-          </p:cNvSpPr>
-          <p:nvPr>
-            <p:ph type="title"/>
-          </p:nvPr>
+          <p:cNvPr id="3" name="TextBox 2"/>
+          <p:cNvSpPr txBox="1"/>
+          <p:nvPr/>
         </p:nvSpPr>
         <p:spPr>
           <a:xfrm>
-            <a:off x="0" y="357188"/>
-            <a:ext cx="9144000" cy="714375"/>
-          </a:xfrm>
-        </p:spPr>
-        <p:txBody>
-          <a:bodyPr/>
-          <a:lstStyle/>
-          <a:p>
-            <a:pPr algn="ctr" eaLnBrk="1" hangingPunct="1">
-              <a:defRPr/>
-            </a:pPr>
-            <a:r>
-              <a:rPr lang="en-GB" sz="3600" dirty="0" smtClean="0">
-                <a:solidFill>
-                  <a:srgbClr val="C00000"/>
-                </a:solidFill>
-                <a:ea typeface="+mj-ea"/>
-              </a:rPr>
-              <a:t>The </a:t>
-            </a:r>
-            <a:r>
-              <a:rPr lang="en-GB" sz="3600" i="1" dirty="0" smtClean="0">
-                <a:solidFill>
-                  <a:srgbClr val="C00000"/>
-                </a:solidFill>
-                <a:ea typeface="+mj-ea"/>
-              </a:rPr>
-              <a:t>input</a:t>
-            </a:r>
-            <a:r>
-              <a:rPr lang="en-GB" sz="3600" dirty="0" smtClean="0">
-                <a:solidFill>
-                  <a:srgbClr val="C00000"/>
-                </a:solidFill>
-                <a:ea typeface="+mj-ea"/>
-              </a:rPr>
-              <a:t> Element</a:t>
-            </a:r>
-          </a:p>
-        </p:txBody>
-      </p:sp>
-      <p:sp>
-        <p:nvSpPr>
-          <p:cNvPr id="6" name="Rectangle 5"/>
-          <p:cNvSpPr/>
-          <p:nvPr/>
-        </p:nvSpPr>
-        <p:spPr bwMode="auto">
-          <a:xfrm>
-            <a:off x="179512" y="3933056"/>
-            <a:ext cx="8805353" cy="2134171"/>
-          </a:xfrm>
-          <a:prstGeom prst="rect">
-            <a:avLst/>
-          </a:prstGeom>
-          <a:solidFill>
-            <a:schemeClr val="accent3">
-              <a:lumMod val="85000"/>
-            </a:schemeClr>
-          </a:solidFill>
-          <a:ln w="9525" cap="flat" cmpd="sng" algn="ctr">
-            <a:solidFill>
-              <a:schemeClr val="tx1"/>
-            </a:solidFill>
-            <a:prstDash val="solid"/>
-            <a:round/>
-            <a:headEnd type="none" w="med" len="med"/>
-            <a:tailEnd type="none" w="med" len="med"/>
-          </a:ln>
-          <a:effectLst/>
-        </p:spPr>
-        <p:txBody>
-          <a:bodyPr/>
-          <a:lstStyle/>
-          <a:p>
-            <a:pPr marL="266700" indent="-266700">
-              <a:spcBef>
-                <a:spcPts val="0"/>
-              </a:spcBef>
-              <a:spcAft>
-                <a:spcPts val="0"/>
-              </a:spcAft>
-              <a:buClr>
-                <a:srgbClr val="C00000"/>
-              </a:buClr>
-              <a:buSzPct val="100000"/>
-              <a:defRPr/>
-            </a:pPr>
-            <a:r>
-              <a:rPr lang="en-GB" dirty="0">
-                <a:latin typeface="Consolas" panose="020B0609020204030204" pitchFamily="49" charset="0"/>
-                <a:ea typeface="ＭＳ Ｐゴシック" pitchFamily="34" charset="-128"/>
-                <a:cs typeface="Consolas" panose="020B0609020204030204" pitchFamily="49" charset="0"/>
-              </a:rPr>
-              <a:t>&lt;</a:t>
-            </a:r>
-            <a:r>
-              <a:rPr lang="en-GB" dirty="0" smtClean="0">
-                <a:latin typeface="Consolas" panose="020B0609020204030204" pitchFamily="49" charset="0"/>
-                <a:ea typeface="ＭＳ Ｐゴシック" pitchFamily="34" charset="-128"/>
-                <a:cs typeface="Consolas" panose="020B0609020204030204" pitchFamily="49" charset="0"/>
-              </a:rPr>
-              <a:t>form </a:t>
-            </a:r>
-            <a:r>
-              <a:rPr lang="en-GB" dirty="0">
-                <a:latin typeface="Consolas" panose="020B0609020204030204" pitchFamily="49" charset="0"/>
-                <a:ea typeface="ＭＳ Ｐゴシック" pitchFamily="34" charset="-128"/>
-                <a:cs typeface="Consolas" panose="020B0609020204030204" pitchFamily="49" charset="0"/>
-              </a:rPr>
-              <a:t>action="http://</a:t>
-            </a:r>
-            <a:r>
-              <a:rPr lang="en-GB" dirty="0" err="1">
-                <a:latin typeface="Consolas" panose="020B0609020204030204" pitchFamily="49" charset="0"/>
-                <a:ea typeface="ＭＳ Ｐゴシック" pitchFamily="34" charset="-128"/>
-                <a:cs typeface="Consolas" panose="020B0609020204030204" pitchFamily="49" charset="0"/>
-              </a:rPr>
-              <a:t>www.google.com</a:t>
-            </a:r>
-            <a:r>
-              <a:rPr lang="en-GB" dirty="0">
-                <a:latin typeface="Consolas" panose="020B0609020204030204" pitchFamily="49" charset="0"/>
-                <a:ea typeface="ＭＳ Ｐゴシック" pitchFamily="34" charset="-128"/>
-                <a:cs typeface="Consolas" panose="020B0609020204030204" pitchFamily="49" charset="0"/>
-              </a:rPr>
-              <a:t>" </a:t>
-            </a:r>
-            <a:r>
-              <a:rPr lang="en-GB" dirty="0" smtClean="0">
-                <a:latin typeface="Consolas" panose="020B0609020204030204" pitchFamily="49" charset="0"/>
-                <a:ea typeface="ＭＳ Ｐゴシック" pitchFamily="34" charset="-128"/>
-                <a:cs typeface="Consolas" panose="020B0609020204030204" pitchFamily="49" charset="0"/>
-              </a:rPr>
-              <a:t>method=“post”&gt; </a:t>
-            </a:r>
-            <a:endParaRPr lang="en-GB" dirty="0">
-              <a:latin typeface="Consolas" panose="020B0609020204030204" pitchFamily="49" charset="0"/>
-              <a:ea typeface="ＭＳ Ｐゴシック" pitchFamily="34" charset="-128"/>
-              <a:cs typeface="Consolas" panose="020B0609020204030204" pitchFamily="49" charset="0"/>
-            </a:endParaRPr>
-          </a:p>
-          <a:p>
-            <a:pPr marL="266700" indent="1588">
-              <a:spcBef>
-                <a:spcPts val="0"/>
-              </a:spcBef>
-              <a:spcAft>
-                <a:spcPts val="0"/>
-              </a:spcAft>
-              <a:buClr>
-                <a:srgbClr val="C00000"/>
-              </a:buClr>
-              <a:buSzPct val="100000"/>
-              <a:defRPr/>
-            </a:pPr>
-            <a:r>
-              <a:rPr lang="en-GB" dirty="0">
-                <a:latin typeface="Consolas" panose="020B0609020204030204" pitchFamily="49" charset="0"/>
-                <a:ea typeface="ＭＳ Ｐゴシック" pitchFamily="34" charset="-128"/>
-                <a:cs typeface="Consolas" panose="020B0609020204030204" pitchFamily="49" charset="0"/>
-              </a:rPr>
-              <a:t>&lt;p&gt; </a:t>
-            </a:r>
-            <a:r>
-              <a:rPr lang="en-GB" dirty="0" smtClean="0">
-                <a:latin typeface="Consolas" panose="020B0609020204030204" pitchFamily="49" charset="0"/>
-                <a:ea typeface="ＭＳ Ｐゴシック" pitchFamily="34" charset="-128"/>
-                <a:cs typeface="Consolas" panose="020B0609020204030204" pitchFamily="49" charset="0"/>
-              </a:rPr>
-              <a:t> </a:t>
-            </a:r>
-            <a:r>
-              <a:rPr lang="en-GB" dirty="0">
-                <a:latin typeface="Consolas" panose="020B0609020204030204" pitchFamily="49" charset="0"/>
-                <a:ea typeface="ＭＳ Ｐゴシック" pitchFamily="34" charset="-128"/>
-                <a:cs typeface="Consolas" panose="020B0609020204030204" pitchFamily="49" charset="0"/>
-              </a:rPr>
-              <a:t>&lt;input </a:t>
-            </a:r>
-            <a:r>
-              <a:rPr lang="en-GB" dirty="0">
-                <a:solidFill>
-                  <a:srgbClr val="C00000"/>
-                </a:solidFill>
-                <a:latin typeface="Consolas" panose="020B0609020204030204" pitchFamily="49" charset="0"/>
-                <a:ea typeface="ＭＳ Ｐゴシック" pitchFamily="34" charset="-128"/>
-                <a:cs typeface="Consolas" panose="020B0609020204030204" pitchFamily="49" charset="0"/>
-              </a:rPr>
-              <a:t>type</a:t>
-            </a:r>
-            <a:r>
-              <a:rPr lang="en-GB" dirty="0">
-                <a:latin typeface="Consolas" panose="020B0609020204030204" pitchFamily="49" charset="0"/>
-                <a:ea typeface="ＭＳ Ｐゴシック" pitchFamily="34" charset="-128"/>
-                <a:cs typeface="Consolas" panose="020B0609020204030204" pitchFamily="49" charset="0"/>
-              </a:rPr>
-              <a:t>="</a:t>
-            </a:r>
-            <a:r>
-              <a:rPr lang="en-GB" sz="2000" dirty="0">
-                <a:solidFill>
-                  <a:srgbClr val="0000FF"/>
-                </a:solidFill>
-                <a:latin typeface="Consolas" panose="020B0609020204030204" pitchFamily="49" charset="0"/>
-                <a:cs typeface="Consolas" panose="020B0609020204030204" pitchFamily="49" charset="0"/>
-              </a:rPr>
-              <a:t>text</a:t>
-            </a:r>
-            <a:r>
-              <a:rPr lang="en-GB" dirty="0">
-                <a:latin typeface="Consolas" panose="020B0609020204030204" pitchFamily="49" charset="0"/>
-                <a:ea typeface="ＭＳ Ｐゴシック" pitchFamily="34" charset="-128"/>
-                <a:cs typeface="Consolas" panose="020B0609020204030204" pitchFamily="49" charset="0"/>
-              </a:rPr>
-              <a:t>" </a:t>
-            </a:r>
-            <a:r>
-              <a:rPr lang="en-GB" dirty="0">
-                <a:solidFill>
-                  <a:srgbClr val="C00000"/>
-                </a:solidFill>
-                <a:latin typeface="Consolas" panose="020B0609020204030204" pitchFamily="49" charset="0"/>
-                <a:ea typeface="ＭＳ Ｐゴシック" pitchFamily="34" charset="-128"/>
-                <a:cs typeface="Consolas" panose="020B0609020204030204" pitchFamily="49" charset="0"/>
-              </a:rPr>
-              <a:t>name</a:t>
-            </a:r>
-            <a:r>
-              <a:rPr lang="en-GB" dirty="0">
-                <a:latin typeface="Consolas" panose="020B0609020204030204" pitchFamily="49" charset="0"/>
-                <a:ea typeface="ＭＳ Ｐゴシック" pitchFamily="34" charset="-128"/>
-                <a:cs typeface="Consolas" panose="020B0609020204030204" pitchFamily="49" charset="0"/>
-              </a:rPr>
-              <a:t>="</a:t>
-            </a:r>
-            <a:r>
-              <a:rPr lang="en-GB" sz="2000" dirty="0">
-                <a:solidFill>
-                  <a:srgbClr val="00CC00"/>
-                </a:solidFill>
-                <a:latin typeface="Consolas" panose="020B0609020204030204" pitchFamily="49" charset="0"/>
-                <a:cs typeface="Consolas" panose="020B0609020204030204" pitchFamily="49" charset="0"/>
-              </a:rPr>
-              <a:t>Name</a:t>
-            </a:r>
-            <a:r>
-              <a:rPr lang="en-GB" dirty="0" smtClean="0">
-                <a:latin typeface="Consolas" panose="020B0609020204030204" pitchFamily="49" charset="0"/>
-                <a:ea typeface="ＭＳ Ｐゴシック" pitchFamily="34" charset="-128"/>
-                <a:cs typeface="Consolas" panose="020B0609020204030204" pitchFamily="49" charset="0"/>
-              </a:rPr>
-              <a:t>"&gt; </a:t>
-            </a:r>
-            <a:r>
-              <a:rPr lang="en-GB" dirty="0">
-                <a:latin typeface="Consolas" panose="020B0609020204030204" pitchFamily="49" charset="0"/>
-                <a:ea typeface="ＭＳ Ｐゴシック" pitchFamily="34" charset="-128"/>
-                <a:cs typeface="Consolas" panose="020B0609020204030204" pitchFamily="49" charset="0"/>
-              </a:rPr>
-              <a:t>&lt;/p&gt; </a:t>
-            </a:r>
-          </a:p>
-          <a:p>
-            <a:pPr marL="266700" indent="1588">
-              <a:spcBef>
-                <a:spcPts val="0"/>
-              </a:spcBef>
-              <a:spcAft>
-                <a:spcPts val="0"/>
-              </a:spcAft>
-              <a:buClr>
-                <a:srgbClr val="C00000"/>
-              </a:buClr>
-              <a:buSzPct val="100000"/>
-              <a:defRPr/>
-            </a:pPr>
-            <a:r>
-              <a:rPr lang="en-GB" dirty="0">
-                <a:latin typeface="Consolas" panose="020B0609020204030204" pitchFamily="49" charset="0"/>
-                <a:ea typeface="ＭＳ Ｐゴシック" pitchFamily="34" charset="-128"/>
-                <a:cs typeface="Consolas" panose="020B0609020204030204" pitchFamily="49" charset="0"/>
-              </a:rPr>
-              <a:t>&lt;p&gt; </a:t>
-            </a:r>
-            <a:r>
-              <a:rPr lang="en-GB" dirty="0" smtClean="0">
-                <a:latin typeface="Consolas" panose="020B0609020204030204" pitchFamily="49" charset="0"/>
-                <a:ea typeface="ＭＳ Ｐゴシック" pitchFamily="34" charset="-128"/>
-                <a:cs typeface="Consolas" panose="020B0609020204030204" pitchFamily="49" charset="0"/>
-              </a:rPr>
-              <a:t>&lt;input </a:t>
-            </a:r>
-            <a:r>
-              <a:rPr lang="en-GB" dirty="0">
-                <a:solidFill>
-                  <a:srgbClr val="C00000"/>
-                </a:solidFill>
-                <a:latin typeface="Consolas" panose="020B0609020204030204" pitchFamily="49" charset="0"/>
-                <a:ea typeface="ＭＳ Ｐゴシック" pitchFamily="34" charset="-128"/>
-                <a:cs typeface="Consolas" panose="020B0609020204030204" pitchFamily="49" charset="0"/>
-              </a:rPr>
-              <a:t>type</a:t>
-            </a:r>
-            <a:r>
-              <a:rPr lang="en-GB" dirty="0">
-                <a:latin typeface="Consolas" panose="020B0609020204030204" pitchFamily="49" charset="0"/>
-                <a:ea typeface="ＭＳ Ｐゴシック" pitchFamily="34" charset="-128"/>
-                <a:cs typeface="Consolas" panose="020B0609020204030204" pitchFamily="49" charset="0"/>
-              </a:rPr>
-              <a:t>="</a:t>
-            </a:r>
-            <a:r>
-              <a:rPr lang="en-GB" sz="2000" dirty="0">
-                <a:solidFill>
-                  <a:srgbClr val="0000FF"/>
-                </a:solidFill>
-                <a:latin typeface="Consolas" panose="020B0609020204030204" pitchFamily="49" charset="0"/>
-                <a:cs typeface="Consolas" panose="020B0609020204030204" pitchFamily="49" charset="0"/>
-              </a:rPr>
-              <a:t>text</a:t>
-            </a:r>
-            <a:r>
-              <a:rPr lang="en-GB" dirty="0">
-                <a:latin typeface="Consolas" panose="020B0609020204030204" pitchFamily="49" charset="0"/>
-                <a:ea typeface="ＭＳ Ｐゴシック" pitchFamily="34" charset="-128"/>
-                <a:cs typeface="Consolas" panose="020B0609020204030204" pitchFamily="49" charset="0"/>
-              </a:rPr>
-              <a:t>" </a:t>
-            </a:r>
-            <a:r>
-              <a:rPr lang="en-GB" dirty="0">
-                <a:solidFill>
-                  <a:srgbClr val="C00000"/>
-                </a:solidFill>
-                <a:latin typeface="Consolas" panose="020B0609020204030204" pitchFamily="49" charset="0"/>
-                <a:ea typeface="ＭＳ Ｐゴシック" pitchFamily="34" charset="-128"/>
-                <a:cs typeface="Consolas" panose="020B0609020204030204" pitchFamily="49" charset="0"/>
-              </a:rPr>
-              <a:t>name</a:t>
-            </a:r>
-            <a:r>
-              <a:rPr lang="en-GB" dirty="0">
-                <a:latin typeface="Consolas" panose="020B0609020204030204" pitchFamily="49" charset="0"/>
-                <a:ea typeface="ＭＳ Ｐゴシック" pitchFamily="34" charset="-128"/>
-                <a:cs typeface="Consolas" panose="020B0609020204030204" pitchFamily="49" charset="0"/>
-              </a:rPr>
-              <a:t>="</a:t>
-            </a:r>
-            <a:r>
-              <a:rPr lang="en-GB" sz="2000" dirty="0">
-                <a:solidFill>
-                  <a:srgbClr val="00CC00"/>
-                </a:solidFill>
-                <a:latin typeface="Consolas" panose="020B0609020204030204" pitchFamily="49" charset="0"/>
-                <a:cs typeface="Consolas" panose="020B0609020204030204" pitchFamily="49" charset="0"/>
-              </a:rPr>
-              <a:t>Email</a:t>
-            </a:r>
-            <a:r>
-              <a:rPr lang="en-GB" dirty="0" smtClean="0">
-                <a:latin typeface="Consolas" panose="020B0609020204030204" pitchFamily="49" charset="0"/>
-                <a:ea typeface="ＭＳ Ｐゴシック" pitchFamily="34" charset="-128"/>
-                <a:cs typeface="Consolas" panose="020B0609020204030204" pitchFamily="49" charset="0"/>
-              </a:rPr>
-              <a:t>"&gt; </a:t>
-            </a:r>
-            <a:r>
-              <a:rPr lang="en-GB" dirty="0">
-                <a:latin typeface="Consolas" panose="020B0609020204030204" pitchFamily="49" charset="0"/>
-                <a:ea typeface="ＭＳ Ｐゴシック" pitchFamily="34" charset="-128"/>
-                <a:cs typeface="Consolas" panose="020B0609020204030204" pitchFamily="49" charset="0"/>
-              </a:rPr>
-              <a:t>&lt;/p&gt; </a:t>
-            </a:r>
-          </a:p>
-          <a:p>
-            <a:pPr marL="266700" indent="1588">
-              <a:spcBef>
-                <a:spcPts val="0"/>
-              </a:spcBef>
-              <a:spcAft>
-                <a:spcPts val="0"/>
-              </a:spcAft>
-              <a:buClr>
-                <a:srgbClr val="C00000"/>
-              </a:buClr>
-              <a:buSzPct val="100000"/>
-              <a:defRPr/>
-            </a:pPr>
-            <a:r>
-              <a:rPr lang="en-GB" dirty="0" smtClean="0">
-                <a:latin typeface="Consolas" panose="020B0609020204030204" pitchFamily="49" charset="0"/>
-                <a:ea typeface="ＭＳ Ｐゴシック" pitchFamily="34" charset="-128"/>
-                <a:cs typeface="Consolas" panose="020B0609020204030204" pitchFamily="49" charset="0"/>
-              </a:rPr>
-              <a:t>&lt;</a:t>
-            </a:r>
-            <a:r>
-              <a:rPr lang="en-GB" dirty="0" smtClean="0">
-                <a:solidFill>
-                  <a:srgbClr val="C00000"/>
-                </a:solidFill>
-                <a:latin typeface="Consolas" panose="020B0609020204030204" pitchFamily="49" charset="0"/>
-                <a:ea typeface="ＭＳ Ｐゴシック" pitchFamily="34" charset="-128"/>
-                <a:cs typeface="Consolas" panose="020B0609020204030204" pitchFamily="49" charset="0"/>
-              </a:rPr>
-              <a:t>type</a:t>
-            </a:r>
-            <a:r>
-              <a:rPr lang="en-GB" dirty="0">
-                <a:latin typeface="Consolas" panose="020B0609020204030204" pitchFamily="49" charset="0"/>
-                <a:ea typeface="ＭＳ Ｐゴシック" pitchFamily="34" charset="-128"/>
-                <a:cs typeface="Consolas" panose="020B0609020204030204" pitchFamily="49" charset="0"/>
-              </a:rPr>
-              <a:t>="</a:t>
-            </a:r>
-            <a:r>
-              <a:rPr lang="en-GB" sz="2000" dirty="0">
-                <a:solidFill>
-                  <a:srgbClr val="0000FF"/>
-                </a:solidFill>
-                <a:latin typeface="Consolas" panose="020B0609020204030204" pitchFamily="49" charset="0"/>
-                <a:cs typeface="Consolas" panose="020B0609020204030204" pitchFamily="49" charset="0"/>
-              </a:rPr>
-              <a:t>submit</a:t>
-            </a:r>
-            <a:r>
-              <a:rPr lang="en-GB" dirty="0">
-                <a:latin typeface="Consolas" panose="020B0609020204030204" pitchFamily="49" charset="0"/>
-                <a:ea typeface="ＭＳ Ｐゴシック" pitchFamily="34" charset="-128"/>
-                <a:cs typeface="Consolas" panose="020B0609020204030204" pitchFamily="49" charset="0"/>
-              </a:rPr>
-              <a:t>" </a:t>
-            </a:r>
-            <a:r>
-              <a:rPr lang="en-GB" dirty="0">
-                <a:solidFill>
-                  <a:srgbClr val="C00000"/>
-                </a:solidFill>
-                <a:latin typeface="Consolas" panose="020B0609020204030204" pitchFamily="49" charset="0"/>
-                <a:ea typeface="ＭＳ Ｐゴシック" pitchFamily="34" charset="-128"/>
-                <a:cs typeface="Consolas" panose="020B0609020204030204" pitchFamily="49" charset="0"/>
-              </a:rPr>
-              <a:t>name</a:t>
-            </a:r>
-            <a:r>
-              <a:rPr lang="en-GB" dirty="0">
-                <a:latin typeface="Consolas" panose="020B0609020204030204" pitchFamily="49" charset="0"/>
-                <a:ea typeface="ＭＳ Ｐゴシック" pitchFamily="34" charset="-128"/>
-                <a:cs typeface="Consolas" panose="020B0609020204030204" pitchFamily="49" charset="0"/>
-              </a:rPr>
-              <a:t>="</a:t>
-            </a:r>
-            <a:r>
-              <a:rPr lang="en-GB" sz="2000" dirty="0">
-                <a:solidFill>
-                  <a:srgbClr val="00CC00"/>
-                </a:solidFill>
-                <a:latin typeface="Consolas" panose="020B0609020204030204" pitchFamily="49" charset="0"/>
-                <a:cs typeface="Consolas" panose="020B0609020204030204" pitchFamily="49" charset="0"/>
-              </a:rPr>
-              <a:t>Submit</a:t>
-            </a:r>
-            <a:r>
-              <a:rPr lang="en-GB" dirty="0">
-                <a:latin typeface="Consolas" panose="020B0609020204030204" pitchFamily="49" charset="0"/>
-                <a:ea typeface="ＭＳ Ｐゴシック" pitchFamily="34" charset="-128"/>
-                <a:cs typeface="Consolas" panose="020B0609020204030204" pitchFamily="49" charset="0"/>
-              </a:rPr>
-              <a:t>" </a:t>
-            </a:r>
-            <a:r>
-              <a:rPr lang="en-GB" dirty="0">
-                <a:solidFill>
-                  <a:srgbClr val="C00000"/>
-                </a:solidFill>
-                <a:latin typeface="Consolas" panose="020B0609020204030204" pitchFamily="49" charset="0"/>
-                <a:ea typeface="ＭＳ Ｐゴシック" pitchFamily="34" charset="-128"/>
-                <a:cs typeface="Consolas" panose="020B0609020204030204" pitchFamily="49" charset="0"/>
-              </a:rPr>
-              <a:t>value</a:t>
-            </a:r>
-            <a:r>
-              <a:rPr lang="en-GB" dirty="0">
-                <a:latin typeface="Consolas" panose="020B0609020204030204" pitchFamily="49" charset="0"/>
-                <a:ea typeface="ＭＳ Ｐゴシック" pitchFamily="34" charset="-128"/>
-                <a:cs typeface="Consolas" panose="020B0609020204030204" pitchFamily="49" charset="0"/>
-              </a:rPr>
-              <a:t>="Submit</a:t>
-            </a:r>
-            <a:r>
-              <a:rPr lang="en-GB" dirty="0" smtClean="0">
-                <a:latin typeface="Consolas" panose="020B0609020204030204" pitchFamily="49" charset="0"/>
-                <a:ea typeface="ＭＳ Ｐゴシック" pitchFamily="34" charset="-128"/>
-                <a:cs typeface="Consolas" panose="020B0609020204030204" pitchFamily="49" charset="0"/>
-              </a:rPr>
-              <a:t>"&gt;</a:t>
-            </a:r>
-            <a:endParaRPr lang="en-GB" dirty="0">
-              <a:latin typeface="Consolas" panose="020B0609020204030204" pitchFamily="49" charset="0"/>
-              <a:ea typeface="ＭＳ Ｐゴシック" pitchFamily="34" charset="-128"/>
-              <a:cs typeface="Consolas" panose="020B0609020204030204" pitchFamily="49" charset="0"/>
-            </a:endParaRPr>
-          </a:p>
-          <a:p>
-            <a:pPr marL="266700" indent="-266700">
-              <a:spcBef>
-                <a:spcPts val="0"/>
-              </a:spcBef>
-              <a:spcAft>
-                <a:spcPts val="0"/>
-              </a:spcAft>
-              <a:buClr>
-                <a:srgbClr val="C00000"/>
-              </a:buClr>
-              <a:buSzPct val="100000"/>
-              <a:defRPr/>
-            </a:pPr>
-            <a:r>
-              <a:rPr lang="en-GB" dirty="0">
-                <a:latin typeface="Consolas" panose="020B0609020204030204" pitchFamily="49" charset="0"/>
-                <a:ea typeface="ＭＳ Ｐゴシック" pitchFamily="34" charset="-128"/>
-                <a:cs typeface="Consolas" panose="020B0609020204030204" pitchFamily="49" charset="0"/>
-              </a:rPr>
-              <a:t>&lt;/form&gt; </a:t>
-            </a:r>
-          </a:p>
-        </p:txBody>
-      </p:sp>
-      <p:pic>
-        <p:nvPicPr>
-          <p:cNvPr id="7174" name="Picture 6"/>
-          <p:cNvPicPr>
-            <a:picLocks noChangeAspect="1" noChangeArrowheads="1"/>
-          </p:cNvPicPr>
-          <p:nvPr/>
-        </p:nvPicPr>
-        <p:blipFill>
-          <a:blip r:embed="rId3"/>
-          <a:srcRect/>
-          <a:stretch>
-            <a:fillRect/>
-          </a:stretch>
-        </p:blipFill>
-        <p:spPr bwMode="auto">
-          <a:xfrm>
-            <a:off x="1475656" y="1268760"/>
-            <a:ext cx="6788502" cy="2063403"/>
+            <a:off x="251520" y="1992504"/>
+            <a:ext cx="9265678" cy="2308324"/>
           </a:xfrm>
           <a:prstGeom prst="rect">
             <a:avLst/>
           </a:prstGeom>
           <a:noFill/>
-          <a:ln w="9525">
-            <a:solidFill>
-              <a:schemeClr val="accent1">
-                <a:lumMod val="50000"/>
-              </a:schemeClr>
-            </a:solidFill>
-            <a:miter lim="800000"/>
-            <a:headEnd/>
-            <a:tailEnd/>
-          </a:ln>
         </p:spPr>
-      </p:pic>
+        <p:txBody>
+          <a:bodyPr wrap="none" rtlCol="0">
+            <a:spAutoFit/>
+          </a:bodyPr>
+          <a:lstStyle/>
+          <a:p>
+            <a:pPr marL="457200" indent="-457200">
+              <a:buFont typeface="+mj-lt"/>
+              <a:buAutoNum type="arabicPeriod"/>
+            </a:pPr>
+            <a:r>
+              <a:rPr lang="en-US" sz="4800" dirty="0" smtClean="0"/>
+              <a:t> Give </a:t>
+            </a:r>
+            <a:r>
+              <a:rPr lang="en-US" sz="4800" dirty="0"/>
+              <a:t>the form an </a:t>
+            </a:r>
+            <a:r>
+              <a:rPr lang="en-US" sz="4800" dirty="0" smtClean="0"/>
+              <a:t>ID</a:t>
+            </a:r>
+          </a:p>
+          <a:p>
+            <a:pPr marL="457200" indent="-457200">
+              <a:buFont typeface="+mj-lt"/>
+              <a:buAutoNum type="arabicPeriod"/>
+            </a:pPr>
+            <a:r>
+              <a:rPr lang="en-US" sz="4800" dirty="0" smtClean="0"/>
+              <a:t> Constrain </a:t>
+            </a:r>
+            <a:r>
+              <a:rPr lang="en-US" sz="4800" dirty="0"/>
+              <a:t>the width of the </a:t>
+            </a:r>
+            <a:r>
+              <a:rPr lang="en-US" sz="4800" dirty="0" smtClean="0"/>
+              <a:t>form</a:t>
+            </a:r>
+          </a:p>
+          <a:p>
+            <a:pPr marL="457200" indent="-457200">
+              <a:buFont typeface="+mj-lt"/>
+              <a:buAutoNum type="arabicPeriod"/>
+            </a:pPr>
+            <a:r>
+              <a:rPr lang="en-US" sz="4800" dirty="0"/>
+              <a:t> Align the inputs</a:t>
+            </a:r>
+          </a:p>
+        </p:txBody>
+      </p:sp>
+      <p:sp>
+        <p:nvSpPr>
+          <p:cNvPr id="7" name="Rectangle 6"/>
+          <p:cNvSpPr/>
+          <p:nvPr/>
+        </p:nvSpPr>
+        <p:spPr>
+          <a:xfrm>
+            <a:off x="1691680" y="249762"/>
+            <a:ext cx="5878533" cy="923330"/>
+          </a:xfrm>
+          <a:prstGeom prst="rect">
+            <a:avLst/>
+          </a:prstGeom>
+          <a:noFill/>
+        </p:spPr>
+        <p:txBody>
+          <a:bodyPr wrap="none" lIns="91440" tIns="45720" rIns="91440" bIns="45720">
+            <a:spAutoFit/>
+          </a:bodyPr>
+          <a:lstStyle/>
+          <a:p>
+            <a:pPr algn="ctr"/>
+            <a:r>
+              <a:rPr lang="en-GB" sz="5400" b="1" cap="none" spc="0" dirty="0" smtClean="0">
+                <a:ln w="22225">
+                  <a:solidFill>
+                    <a:schemeClr val="accent2"/>
+                  </a:solidFill>
+                  <a:prstDash val="solid"/>
+                </a:ln>
+                <a:solidFill>
+                  <a:schemeClr val="accent2">
+                    <a:lumMod val="40000"/>
+                    <a:lumOff val="60000"/>
+                  </a:schemeClr>
+                </a:solidFill>
+                <a:effectLst/>
+              </a:rPr>
+              <a:t>The CSS </a:t>
+            </a:r>
+            <a:r>
+              <a:rPr lang="en-GB" sz="5400" b="1" cap="none" spc="0" dirty="0" err="1" smtClean="0">
+                <a:ln w="22225">
+                  <a:solidFill>
+                    <a:schemeClr val="accent2"/>
+                  </a:solidFill>
+                  <a:prstDash val="solid"/>
+                </a:ln>
+                <a:solidFill>
+                  <a:schemeClr val="accent2">
+                    <a:lumMod val="40000"/>
+                    <a:lumOff val="60000"/>
+                  </a:schemeClr>
+                </a:solidFill>
+                <a:effectLst/>
+              </a:rPr>
+              <a:t>Recipie</a:t>
+            </a:r>
+            <a:r>
+              <a:rPr lang="en-GB" sz="5400" b="1" cap="none" spc="0" dirty="0" smtClean="0">
+                <a:ln w="22225">
+                  <a:solidFill>
+                    <a:schemeClr val="accent2"/>
+                  </a:solidFill>
+                  <a:prstDash val="solid"/>
+                </a:ln>
+                <a:solidFill>
+                  <a:schemeClr val="accent2">
+                    <a:lumMod val="40000"/>
+                    <a:lumOff val="60000"/>
+                  </a:schemeClr>
+                </a:solidFill>
+                <a:effectLst/>
+              </a:rPr>
+              <a:t> </a:t>
+            </a:r>
+            <a:endParaRPr lang="en-GB" sz="5400" b="1" cap="none" spc="0" dirty="0">
+              <a:ln w="22225">
+                <a:solidFill>
+                  <a:schemeClr val="accent2"/>
+                </a:solidFill>
+                <a:prstDash val="solid"/>
+              </a:ln>
+              <a:solidFill>
+                <a:schemeClr val="accent2">
+                  <a:lumMod val="40000"/>
+                  <a:lumOff val="60000"/>
+                </a:schemeClr>
+              </a:solidFill>
+              <a:effectLst/>
+            </a:endParaRPr>
+          </a:p>
+        </p:txBody>
+      </p:sp>
     </p:spTree>
     <p:extLst>
       <p:ext uri="{BB962C8B-B14F-4D97-AF65-F5344CB8AC3E}">
-        <p14:creationId xmlns:p14="http://schemas.microsoft.com/office/powerpoint/2010/main" val="4065944201"/>
+        <p14:creationId xmlns:p14="http://schemas.microsoft.com/office/powerpoint/2010/main" val="472968675"/>
       </p:ext>
     </p:extLst>
   </p:cSld>
@@ -8483,184 +5924,14 @@
   <p:timing>
     <p:tnLst>
       <p:par>
-        <p:cTn id="1" dur="indefinite" restart="never" nodeType="tmRoot">
-          <p:childTnLst>
-            <p:seq concurrent="1" nextAc="seek">
-              <p:cTn id="2" dur="indefinite" nodeType="mainSeq">
-                <p:childTnLst>
-                  <p:par>
-                    <p:cTn id="3" fill="hold">
-                      <p:stCondLst>
-                        <p:cond delay="indefinite"/>
-                      </p:stCondLst>
-                      <p:childTnLst>
-                        <p:par>
-                          <p:cTn id="4" fill="hold">
-                            <p:stCondLst>
-                              <p:cond delay="0"/>
-                            </p:stCondLst>
-                            <p:childTnLst>
-                              <p:par>
-                                <p:cTn id="5" presetID="1" presetClass="entr" presetSubtype="0" fill="hold" nodeType="clickEffect">
-                                  <p:stCondLst>
-                                    <p:cond delay="0"/>
-                                  </p:stCondLst>
-                                  <p:childTnLst>
-                                    <p:set>
-                                      <p:cBhvr>
-                                        <p:cTn id="6" dur="1" fill="hold">
-                                          <p:stCondLst>
-                                            <p:cond delay="0"/>
-                                          </p:stCondLst>
-                                        </p:cTn>
-                                        <p:tgtEl>
-                                          <p:spTgt spid="7174"/>
-                                        </p:tgtEl>
-                                        <p:attrNameLst>
-                                          <p:attrName>style.visibility</p:attrName>
-                                        </p:attrNameLst>
-                                      </p:cBhvr>
-                                      <p:to>
-                                        <p:strVal val="visible"/>
-                                      </p:to>
-                                    </p:set>
-                                  </p:childTnLst>
-                                </p:cTn>
-                              </p:par>
-                            </p:childTnLst>
-                          </p:cTn>
-                        </p:par>
-                      </p:childTnLst>
-                    </p:cTn>
-                  </p:par>
-                  <p:par>
-                    <p:cTn id="7" fill="hold">
-                      <p:stCondLst>
-                        <p:cond delay="indefinite"/>
-                      </p:stCondLst>
-                      <p:childTnLst>
-                        <p:par>
-                          <p:cTn id="8" fill="hold">
-                            <p:stCondLst>
-                              <p:cond delay="0"/>
-                            </p:stCondLst>
-                            <p:childTnLst>
-                              <p:par>
-                                <p:cTn id="9" presetID="53" presetClass="entr" presetSubtype="0" fill="hold" grpId="0" nodeType="clickEffect">
-                                  <p:stCondLst>
-                                    <p:cond delay="0"/>
-                                  </p:stCondLst>
-                                  <p:childTnLst>
-                                    <p:set>
-                                      <p:cBhvr>
-                                        <p:cTn id="10" dur="1" fill="hold">
-                                          <p:stCondLst>
-                                            <p:cond delay="0"/>
-                                          </p:stCondLst>
-                                        </p:cTn>
-                                        <p:tgtEl>
-                                          <p:spTgt spid="6"/>
-                                        </p:tgtEl>
-                                        <p:attrNameLst>
-                                          <p:attrName>style.visibility</p:attrName>
-                                        </p:attrNameLst>
-                                      </p:cBhvr>
-                                      <p:to>
-                                        <p:strVal val="visible"/>
-                                      </p:to>
-                                    </p:set>
-                                    <p:anim calcmode="lin" valueType="num">
-                                      <p:cBhvr>
-                                        <p:cTn id="11" dur="500" fill="hold"/>
-                                        <p:tgtEl>
-                                          <p:spTgt spid="6"/>
-                                        </p:tgtEl>
-                                        <p:attrNameLst>
-                                          <p:attrName>ppt_w</p:attrName>
-                                        </p:attrNameLst>
-                                      </p:cBhvr>
-                                      <p:tavLst>
-                                        <p:tav tm="0">
-                                          <p:val>
-                                            <p:fltVal val="0"/>
-                                          </p:val>
-                                        </p:tav>
-                                        <p:tav tm="100000">
-                                          <p:val>
-                                            <p:strVal val="#ppt_w"/>
-                                          </p:val>
-                                        </p:tav>
-                                      </p:tavLst>
-                                    </p:anim>
-                                    <p:anim calcmode="lin" valueType="num">
-                                      <p:cBhvr>
-                                        <p:cTn id="12" dur="500" fill="hold"/>
-                                        <p:tgtEl>
-                                          <p:spTgt spid="6"/>
-                                        </p:tgtEl>
-                                        <p:attrNameLst>
-                                          <p:attrName>ppt_h</p:attrName>
-                                        </p:attrNameLst>
-                                      </p:cBhvr>
-                                      <p:tavLst>
-                                        <p:tav tm="0">
-                                          <p:val>
-                                            <p:fltVal val="0"/>
-                                          </p:val>
-                                        </p:tav>
-                                        <p:tav tm="100000">
-                                          <p:val>
-                                            <p:strVal val="#ppt_h"/>
-                                          </p:val>
-                                        </p:tav>
-                                      </p:tavLst>
-                                    </p:anim>
-                                    <p:animEffect transition="in" filter="fade">
-                                      <p:cBhvr>
-                                        <p:cTn id="13" dur="500"/>
-                                        <p:tgtEl>
-                                          <p:spTgt spid="6"/>
-                                        </p:tgtEl>
-                                      </p:cBhvr>
-                                    </p:animEffect>
-                                  </p:childTnLst>
-                                </p:cTn>
-                              </p:par>
-                            </p:childTnLst>
-                          </p:cTn>
-                        </p:par>
-                      </p:childTnLst>
-                    </p:cTn>
-                  </p:par>
-                </p:childTnLst>
-              </p:cTn>
-              <p:prevCondLst>
-                <p:cond evt="onPrev" delay="0">
-                  <p:tgtEl>
-                    <p:sldTgt/>
-                  </p:tgtEl>
-                </p:cond>
-              </p:prevCondLst>
-              <p:nextCondLst>
-                <p:cond evt="onNext" delay="0">
-                  <p:tgtEl>
-                    <p:sldTgt/>
-                  </p:tgtEl>
-                </p:cond>
-              </p:nextCondLst>
-            </p:seq>
-          </p:childTnLst>
-        </p:cTn>
+        <p:cTn id="1" dur="indefinite" restart="never" nodeType="tmRoot"/>
       </p:par>
     </p:tnLst>
-    <p:bldLst>
-      <p:bldP spid="6" grpId="0" animBg="1"/>
-    </p:bldLst>
   </p:timing>
 </p:sld>
 </file>
 
-<file path=ppt/slides/slide7.xml><?xml version="1.0" encoding="utf-8"?>
+<file path=ppt/slides/slide8.xml><?xml version="1.0" encoding="utf-8"?>
 <p:sld xmlns:a="http://schemas.openxmlformats.org/drawingml/2006/main" xmlns:r="http://schemas.openxmlformats.org/officeDocument/2006/relationships" xmlns:p="http://schemas.openxmlformats.org/presentationml/2006/main">
   <p:cSld>
     <p:spTree>
@@ -8679,1989 +5950,16 @@
       </p:grpSpPr>
       <p:sp>
         <p:nvSpPr>
-          <p:cNvPr id="10243" name="Rectangle 2"/>
-          <p:cNvSpPr>
-            <a:spLocks noGrp="1" noChangeArrowheads="1"/>
-          </p:cNvSpPr>
-          <p:nvPr>
-            <p:ph type="title"/>
-          </p:nvPr>
-        </p:nvSpPr>
-        <p:spPr>
-          <a:xfrm>
-            <a:off x="0" y="357188"/>
-            <a:ext cx="9144000" cy="714375"/>
-          </a:xfrm>
-        </p:spPr>
-        <p:txBody>
-          <a:bodyPr/>
-          <a:lstStyle/>
-          <a:p>
-            <a:pPr algn="ctr" eaLnBrk="1" hangingPunct="1">
-              <a:defRPr/>
-            </a:pPr>
-            <a:r>
-              <a:rPr lang="en-GB" sz="3600" dirty="0" smtClean="0">
-                <a:solidFill>
-                  <a:schemeClr val="tx1"/>
-                </a:solidFill>
-              </a:rPr>
-              <a:t>The </a:t>
-            </a:r>
-            <a:r>
-              <a:rPr lang="en-GB" sz="3600" i="1" dirty="0" smtClean="0">
-                <a:solidFill>
-                  <a:schemeClr val="tx1"/>
-                </a:solidFill>
-              </a:rPr>
-              <a:t>input</a:t>
-            </a:r>
-            <a:r>
-              <a:rPr lang="en-GB" sz="3600" dirty="0" smtClean="0">
-                <a:solidFill>
-                  <a:schemeClr val="tx1"/>
-                </a:solidFill>
-              </a:rPr>
-              <a:t> Element:</a:t>
-            </a:r>
-            <a:r>
-              <a:rPr lang="en-GB" sz="3600" dirty="0" smtClean="0">
-                <a:solidFill>
-                  <a:srgbClr val="C00000"/>
-                </a:solidFill>
-              </a:rPr>
-              <a:t> Check Box</a:t>
-            </a:r>
-            <a:endParaRPr lang="en-GB" sz="3600" dirty="0" smtClean="0">
-              <a:solidFill>
-                <a:srgbClr val="C00000"/>
-              </a:solidFill>
-              <a:ea typeface="+mj-ea"/>
-            </a:endParaRPr>
-          </a:p>
-        </p:txBody>
-      </p:sp>
-      <p:sp>
-        <p:nvSpPr>
-          <p:cNvPr id="8195" name="Rectangle 4"/>
-          <p:cNvSpPr>
+          <p:cNvPr id="9" name="Rectangle 2"/>
+          <p:cNvSpPr txBox="1">
             <a:spLocks noChangeArrowheads="1"/>
           </p:cNvSpPr>
           <p:nvPr/>
         </p:nvSpPr>
         <p:spPr bwMode="auto">
           <a:xfrm>
-            <a:off x="179512" y="2509838"/>
-            <a:ext cx="8352928" cy="2935386"/>
-          </a:xfrm>
-          <a:prstGeom prst="rect">
-            <a:avLst/>
-          </a:prstGeom>
-          <a:solidFill>
-            <a:schemeClr val="accent3">
-              <a:lumMod val="85000"/>
-            </a:schemeClr>
-          </a:solidFill>
-          <a:ln w="9525" algn="ctr">
-            <a:solidFill>
-              <a:schemeClr val="tx1"/>
-            </a:solidFill>
-            <a:round/>
-            <a:headEnd/>
-            <a:tailEnd/>
-          </a:ln>
-        </p:spPr>
-        <p:txBody>
-          <a:bodyPr/>
-          <a:lstStyle/>
-          <a:p>
-            <a:pPr>
-              <a:defRPr/>
-            </a:pPr>
-            <a:r>
-              <a:rPr lang="en-GB" sz="2000" dirty="0">
-                <a:latin typeface="Consolas" panose="020B0609020204030204" pitchFamily="49" charset="0"/>
-                <a:cs typeface="Consolas" panose="020B0609020204030204" pitchFamily="49" charset="0"/>
-              </a:rPr>
-              <a:t>&lt;input </a:t>
-            </a:r>
-            <a:r>
-              <a:rPr lang="en-GB" sz="2000" dirty="0">
-                <a:solidFill>
-                  <a:srgbClr val="C00000"/>
-                </a:solidFill>
-                <a:latin typeface="Consolas" panose="020B0609020204030204" pitchFamily="49" charset="0"/>
-                <a:cs typeface="Consolas" panose="020B0609020204030204" pitchFamily="49" charset="0"/>
-              </a:rPr>
-              <a:t>type</a:t>
-            </a:r>
-            <a:r>
-              <a:rPr lang="en-GB" sz="2000" dirty="0">
-                <a:latin typeface="Consolas" panose="020B0609020204030204" pitchFamily="49" charset="0"/>
-                <a:cs typeface="Consolas" panose="020B0609020204030204" pitchFamily="49" charset="0"/>
-              </a:rPr>
-              <a:t>="</a:t>
-            </a:r>
-            <a:r>
-              <a:rPr lang="en-GB" sz="2000" dirty="0">
-                <a:solidFill>
-                  <a:srgbClr val="0000FF"/>
-                </a:solidFill>
-                <a:latin typeface="Consolas" panose="020B0609020204030204" pitchFamily="49" charset="0"/>
-                <a:cs typeface="Consolas" panose="020B0609020204030204" pitchFamily="49" charset="0"/>
-              </a:rPr>
-              <a:t>checkbox</a:t>
-            </a:r>
-            <a:r>
-              <a:rPr lang="en-GB" sz="2000" dirty="0">
-                <a:latin typeface="Consolas" panose="020B0609020204030204" pitchFamily="49" charset="0"/>
-                <a:cs typeface="Consolas" panose="020B0609020204030204" pitchFamily="49" charset="0"/>
-              </a:rPr>
-              <a:t>" </a:t>
-            </a:r>
-            <a:r>
-              <a:rPr lang="en-GB" sz="2000" dirty="0">
-                <a:solidFill>
-                  <a:srgbClr val="C00000"/>
-                </a:solidFill>
-                <a:latin typeface="Consolas" panose="020B0609020204030204" pitchFamily="49" charset="0"/>
-                <a:cs typeface="Consolas" panose="020B0609020204030204" pitchFamily="49" charset="0"/>
-              </a:rPr>
-              <a:t>name</a:t>
-            </a:r>
-            <a:r>
-              <a:rPr lang="en-GB" sz="2000" dirty="0">
-                <a:latin typeface="Consolas" panose="020B0609020204030204" pitchFamily="49" charset="0"/>
-                <a:cs typeface="Consolas" panose="020B0609020204030204" pitchFamily="49" charset="0"/>
-              </a:rPr>
-              <a:t>="</a:t>
-            </a:r>
-            <a:r>
-              <a:rPr lang="en-GB" sz="2000" dirty="0">
-                <a:solidFill>
-                  <a:srgbClr val="00CC00"/>
-                </a:solidFill>
-                <a:latin typeface="Consolas" panose="020B0609020204030204" pitchFamily="49" charset="0"/>
-                <a:cs typeface="Consolas" panose="020B0609020204030204" pitchFamily="49" charset="0"/>
-              </a:rPr>
-              <a:t>vehicle</a:t>
-            </a:r>
-            <a:r>
-              <a:rPr lang="en-GB" sz="2000" dirty="0">
-                <a:latin typeface="Consolas" panose="020B0609020204030204" pitchFamily="49" charset="0"/>
-                <a:cs typeface="Consolas" panose="020B0609020204030204" pitchFamily="49" charset="0"/>
-              </a:rPr>
-              <a:t>" </a:t>
-            </a:r>
-            <a:r>
-              <a:rPr lang="en-GB" sz="2000" dirty="0">
-                <a:solidFill>
-                  <a:srgbClr val="C00000"/>
-                </a:solidFill>
-                <a:latin typeface="Consolas" panose="020B0609020204030204" pitchFamily="49" charset="0"/>
-                <a:cs typeface="Consolas" panose="020B0609020204030204" pitchFamily="49" charset="0"/>
-              </a:rPr>
-              <a:t>value</a:t>
-            </a:r>
-            <a:r>
-              <a:rPr lang="en-GB" sz="2000" dirty="0">
-                <a:latin typeface="Consolas" panose="020B0609020204030204" pitchFamily="49" charset="0"/>
-                <a:cs typeface="Consolas" panose="020B0609020204030204" pitchFamily="49" charset="0"/>
-              </a:rPr>
-              <a:t>="Bike" </a:t>
-            </a:r>
-          </a:p>
-          <a:p>
-            <a:pPr>
-              <a:defRPr/>
-            </a:pPr>
-            <a:r>
-              <a:rPr lang="en-GB" sz="2000" dirty="0">
-                <a:solidFill>
-                  <a:srgbClr val="C00000"/>
-                </a:solidFill>
-                <a:latin typeface="Consolas" panose="020B0609020204030204" pitchFamily="49" charset="0"/>
-                <a:cs typeface="Consolas" panose="020B0609020204030204" pitchFamily="49" charset="0"/>
-              </a:rPr>
-              <a:t>	checked</a:t>
-            </a:r>
-            <a:r>
-              <a:rPr lang="en-GB" sz="2000" dirty="0">
-                <a:latin typeface="Consolas" panose="020B0609020204030204" pitchFamily="49" charset="0"/>
-                <a:cs typeface="Consolas" panose="020B0609020204030204" pitchFamily="49" charset="0"/>
-              </a:rPr>
-              <a:t>="</a:t>
-            </a:r>
-            <a:r>
-              <a:rPr lang="en-GB" sz="2000" dirty="0">
-                <a:solidFill>
-                  <a:srgbClr val="FF00FF"/>
-                </a:solidFill>
-                <a:latin typeface="Consolas" panose="020B0609020204030204" pitchFamily="49" charset="0"/>
-                <a:cs typeface="Consolas" panose="020B0609020204030204" pitchFamily="49" charset="0"/>
-              </a:rPr>
-              <a:t>checked</a:t>
-            </a:r>
-            <a:r>
-              <a:rPr lang="en-GB" sz="2000" dirty="0" smtClean="0">
-                <a:latin typeface="Consolas" panose="020B0609020204030204" pitchFamily="49" charset="0"/>
-                <a:cs typeface="Consolas" panose="020B0609020204030204" pitchFamily="49" charset="0"/>
-              </a:rPr>
-              <a:t>"&gt; </a:t>
-            </a:r>
-            <a:r>
-              <a:rPr lang="en-GB" sz="2000" dirty="0">
-                <a:latin typeface="Consolas" panose="020B0609020204030204" pitchFamily="49" charset="0"/>
-                <a:cs typeface="Consolas" panose="020B0609020204030204" pitchFamily="49" charset="0"/>
-              </a:rPr>
-              <a:t>By </a:t>
-            </a:r>
-            <a:r>
-              <a:rPr lang="en-GB" sz="2000" dirty="0" smtClean="0">
-                <a:latin typeface="Consolas" panose="020B0609020204030204" pitchFamily="49" charset="0"/>
-                <a:cs typeface="Consolas" panose="020B0609020204030204" pitchFamily="49" charset="0"/>
-              </a:rPr>
-              <a:t>Bike&lt;</a:t>
-            </a:r>
-            <a:r>
-              <a:rPr lang="en-GB" sz="2000" dirty="0" err="1" smtClean="0">
-                <a:latin typeface="Consolas" panose="020B0609020204030204" pitchFamily="49" charset="0"/>
-                <a:cs typeface="Consolas" panose="020B0609020204030204" pitchFamily="49" charset="0"/>
-              </a:rPr>
-              <a:t>br</a:t>
-            </a:r>
-            <a:r>
-              <a:rPr lang="en-GB" sz="2000" dirty="0" smtClean="0">
-                <a:latin typeface="Consolas" panose="020B0609020204030204" pitchFamily="49" charset="0"/>
-                <a:cs typeface="Consolas" panose="020B0609020204030204" pitchFamily="49" charset="0"/>
-              </a:rPr>
-              <a:t>&gt;</a:t>
-            </a:r>
-            <a:endParaRPr lang="en-GB" sz="2000" dirty="0">
-              <a:latin typeface="Consolas" panose="020B0609020204030204" pitchFamily="49" charset="0"/>
-              <a:cs typeface="Consolas" panose="020B0609020204030204" pitchFamily="49" charset="0"/>
-            </a:endParaRPr>
-          </a:p>
-          <a:p>
-            <a:pPr>
-              <a:defRPr/>
-            </a:pPr>
-            <a:r>
-              <a:rPr lang="en-GB" sz="2000" dirty="0">
-                <a:latin typeface="Consolas" panose="020B0609020204030204" pitchFamily="49" charset="0"/>
-                <a:cs typeface="Consolas" panose="020B0609020204030204" pitchFamily="49" charset="0"/>
-              </a:rPr>
-              <a:t>&lt;input </a:t>
-            </a:r>
-            <a:r>
-              <a:rPr lang="en-GB" sz="2000" dirty="0">
-                <a:solidFill>
-                  <a:srgbClr val="C00000"/>
-                </a:solidFill>
-                <a:latin typeface="Consolas" panose="020B0609020204030204" pitchFamily="49" charset="0"/>
-                <a:cs typeface="Consolas" panose="020B0609020204030204" pitchFamily="49" charset="0"/>
-              </a:rPr>
-              <a:t>type</a:t>
-            </a:r>
-            <a:r>
-              <a:rPr lang="en-GB" sz="2000" dirty="0">
-                <a:latin typeface="Consolas" panose="020B0609020204030204" pitchFamily="49" charset="0"/>
-                <a:cs typeface="Consolas" panose="020B0609020204030204" pitchFamily="49" charset="0"/>
-              </a:rPr>
-              <a:t>="</a:t>
-            </a:r>
-            <a:r>
-              <a:rPr lang="en-GB" sz="2000" dirty="0">
-                <a:solidFill>
-                  <a:srgbClr val="0000FF"/>
-                </a:solidFill>
-                <a:latin typeface="Consolas" panose="020B0609020204030204" pitchFamily="49" charset="0"/>
-                <a:cs typeface="Consolas" panose="020B0609020204030204" pitchFamily="49" charset="0"/>
-              </a:rPr>
-              <a:t>checkbox</a:t>
-            </a:r>
-            <a:r>
-              <a:rPr lang="en-GB" sz="2000" dirty="0">
-                <a:latin typeface="Consolas" panose="020B0609020204030204" pitchFamily="49" charset="0"/>
-                <a:cs typeface="Consolas" panose="020B0609020204030204" pitchFamily="49" charset="0"/>
-              </a:rPr>
-              <a:t>" </a:t>
-            </a:r>
-            <a:r>
-              <a:rPr lang="en-GB" sz="2000" dirty="0">
-                <a:solidFill>
-                  <a:srgbClr val="C00000"/>
-                </a:solidFill>
-                <a:latin typeface="Consolas" panose="020B0609020204030204" pitchFamily="49" charset="0"/>
-                <a:cs typeface="Consolas" panose="020B0609020204030204" pitchFamily="49" charset="0"/>
-              </a:rPr>
-              <a:t>name</a:t>
-            </a:r>
-            <a:r>
-              <a:rPr lang="en-GB" sz="2000" dirty="0">
-                <a:latin typeface="Consolas" panose="020B0609020204030204" pitchFamily="49" charset="0"/>
-                <a:cs typeface="Consolas" panose="020B0609020204030204" pitchFamily="49" charset="0"/>
-              </a:rPr>
-              <a:t>="</a:t>
-            </a:r>
-            <a:r>
-              <a:rPr lang="en-GB" sz="2000" dirty="0">
-                <a:solidFill>
-                  <a:srgbClr val="00CC00"/>
-                </a:solidFill>
-                <a:latin typeface="Consolas" panose="020B0609020204030204" pitchFamily="49" charset="0"/>
-                <a:cs typeface="Consolas" panose="020B0609020204030204" pitchFamily="49" charset="0"/>
-              </a:rPr>
-              <a:t>vehicle</a:t>
-            </a:r>
-            <a:r>
-              <a:rPr lang="en-GB" sz="2000" dirty="0">
-                <a:latin typeface="Consolas" panose="020B0609020204030204" pitchFamily="49" charset="0"/>
-                <a:cs typeface="Consolas" panose="020B0609020204030204" pitchFamily="49" charset="0"/>
-              </a:rPr>
-              <a:t>" </a:t>
-            </a:r>
-            <a:r>
-              <a:rPr lang="en-GB" sz="2000" dirty="0">
-                <a:solidFill>
-                  <a:srgbClr val="C00000"/>
-                </a:solidFill>
-                <a:latin typeface="Consolas" panose="020B0609020204030204" pitchFamily="49" charset="0"/>
-                <a:cs typeface="Consolas" panose="020B0609020204030204" pitchFamily="49" charset="0"/>
-              </a:rPr>
-              <a:t>value</a:t>
-            </a:r>
-            <a:r>
-              <a:rPr lang="en-GB" sz="2000" dirty="0">
-                <a:latin typeface="Consolas" panose="020B0609020204030204" pitchFamily="49" charset="0"/>
-                <a:cs typeface="Consolas" panose="020B0609020204030204" pitchFamily="49" charset="0"/>
-              </a:rPr>
-              <a:t>="Car</a:t>
-            </a:r>
-            <a:r>
-              <a:rPr lang="en-GB" sz="2000" dirty="0" smtClean="0">
-                <a:latin typeface="Consolas" panose="020B0609020204030204" pitchFamily="49" charset="0"/>
-                <a:cs typeface="Consolas" panose="020B0609020204030204" pitchFamily="49" charset="0"/>
-              </a:rPr>
-              <a:t>"&gt; </a:t>
-            </a:r>
-            <a:endParaRPr lang="en-GB" sz="2000" dirty="0">
-              <a:latin typeface="Consolas" panose="020B0609020204030204" pitchFamily="49" charset="0"/>
-              <a:cs typeface="Consolas" panose="020B0609020204030204" pitchFamily="49" charset="0"/>
-            </a:endParaRPr>
-          </a:p>
-          <a:p>
-            <a:pPr>
-              <a:defRPr/>
-            </a:pPr>
-            <a:r>
-              <a:rPr lang="en-GB" sz="2000" dirty="0">
-                <a:latin typeface="Consolas" panose="020B0609020204030204" pitchFamily="49" charset="0"/>
-                <a:cs typeface="Consolas" panose="020B0609020204030204" pitchFamily="49" charset="0"/>
-              </a:rPr>
-              <a:t>	By Car &lt;</a:t>
-            </a:r>
-            <a:r>
-              <a:rPr lang="en-GB" sz="2000" dirty="0" err="1" smtClean="0">
-                <a:latin typeface="Consolas" panose="020B0609020204030204" pitchFamily="49" charset="0"/>
-                <a:cs typeface="Consolas" panose="020B0609020204030204" pitchFamily="49" charset="0"/>
-              </a:rPr>
-              <a:t>br</a:t>
-            </a:r>
-            <a:r>
-              <a:rPr lang="en-GB" sz="2000" dirty="0" smtClean="0">
-                <a:latin typeface="Consolas" panose="020B0609020204030204" pitchFamily="49" charset="0"/>
-                <a:cs typeface="Consolas" panose="020B0609020204030204" pitchFamily="49" charset="0"/>
-              </a:rPr>
-              <a:t>&gt; </a:t>
-            </a:r>
-            <a:endParaRPr lang="en-GB" sz="2000" dirty="0">
-              <a:latin typeface="Consolas" panose="020B0609020204030204" pitchFamily="49" charset="0"/>
-              <a:cs typeface="Consolas" panose="020B0609020204030204" pitchFamily="49" charset="0"/>
-            </a:endParaRPr>
-          </a:p>
-          <a:p>
-            <a:pPr>
-              <a:defRPr/>
-            </a:pPr>
-            <a:r>
-              <a:rPr lang="en-GB" sz="2000" dirty="0">
-                <a:latin typeface="Consolas" panose="020B0609020204030204" pitchFamily="49" charset="0"/>
-                <a:cs typeface="Consolas" panose="020B0609020204030204" pitchFamily="49" charset="0"/>
-              </a:rPr>
-              <a:t>&lt;input </a:t>
-            </a:r>
-            <a:r>
-              <a:rPr lang="en-GB" sz="2000" dirty="0">
-                <a:solidFill>
-                  <a:srgbClr val="C00000"/>
-                </a:solidFill>
-                <a:latin typeface="Consolas" panose="020B0609020204030204" pitchFamily="49" charset="0"/>
-                <a:cs typeface="Consolas" panose="020B0609020204030204" pitchFamily="49" charset="0"/>
-              </a:rPr>
-              <a:t>type</a:t>
-            </a:r>
-            <a:r>
-              <a:rPr lang="en-GB" sz="2000" dirty="0">
-                <a:latin typeface="Consolas" panose="020B0609020204030204" pitchFamily="49" charset="0"/>
-                <a:cs typeface="Consolas" panose="020B0609020204030204" pitchFamily="49" charset="0"/>
-              </a:rPr>
-              <a:t>="</a:t>
-            </a:r>
-            <a:r>
-              <a:rPr lang="en-GB" sz="2000" dirty="0">
-                <a:solidFill>
-                  <a:srgbClr val="0000FF"/>
-                </a:solidFill>
-                <a:latin typeface="Consolas" panose="020B0609020204030204" pitchFamily="49" charset="0"/>
-                <a:cs typeface="Consolas" panose="020B0609020204030204" pitchFamily="49" charset="0"/>
-              </a:rPr>
-              <a:t>checkbox</a:t>
-            </a:r>
-            <a:r>
-              <a:rPr lang="en-GB" sz="2000" dirty="0">
-                <a:latin typeface="Consolas" panose="020B0609020204030204" pitchFamily="49" charset="0"/>
-                <a:cs typeface="Consolas" panose="020B0609020204030204" pitchFamily="49" charset="0"/>
-              </a:rPr>
-              <a:t>" </a:t>
-            </a:r>
-            <a:r>
-              <a:rPr lang="en-GB" sz="2000" dirty="0">
-                <a:solidFill>
-                  <a:srgbClr val="C00000"/>
-                </a:solidFill>
-                <a:latin typeface="Consolas" panose="020B0609020204030204" pitchFamily="49" charset="0"/>
-                <a:cs typeface="Consolas" panose="020B0609020204030204" pitchFamily="49" charset="0"/>
-              </a:rPr>
-              <a:t>name</a:t>
-            </a:r>
-            <a:r>
-              <a:rPr lang="en-GB" sz="2000" dirty="0">
-                <a:latin typeface="Consolas" panose="020B0609020204030204" pitchFamily="49" charset="0"/>
-                <a:cs typeface="Consolas" panose="020B0609020204030204" pitchFamily="49" charset="0"/>
-              </a:rPr>
-              <a:t>="</a:t>
-            </a:r>
-            <a:r>
-              <a:rPr lang="en-GB" sz="2000" dirty="0">
-                <a:solidFill>
-                  <a:srgbClr val="00CC00"/>
-                </a:solidFill>
-                <a:latin typeface="Consolas" panose="020B0609020204030204" pitchFamily="49" charset="0"/>
-                <a:cs typeface="Consolas" panose="020B0609020204030204" pitchFamily="49" charset="0"/>
-              </a:rPr>
-              <a:t>vehicle</a:t>
-            </a:r>
-            <a:r>
-              <a:rPr lang="en-GB" sz="2000" dirty="0">
-                <a:latin typeface="Consolas" panose="020B0609020204030204" pitchFamily="49" charset="0"/>
-                <a:cs typeface="Consolas" panose="020B0609020204030204" pitchFamily="49" charset="0"/>
-              </a:rPr>
-              <a:t>" </a:t>
-            </a:r>
-            <a:r>
-              <a:rPr lang="en-GB" sz="2000" dirty="0">
-                <a:solidFill>
-                  <a:srgbClr val="C00000"/>
-                </a:solidFill>
-                <a:latin typeface="Consolas" panose="020B0609020204030204" pitchFamily="49" charset="0"/>
-                <a:cs typeface="Consolas" panose="020B0609020204030204" pitchFamily="49" charset="0"/>
-              </a:rPr>
-              <a:t>value</a:t>
-            </a:r>
-            <a:r>
-              <a:rPr lang="en-GB" sz="2000" dirty="0">
-                <a:latin typeface="Consolas" panose="020B0609020204030204" pitchFamily="49" charset="0"/>
-                <a:cs typeface="Consolas" panose="020B0609020204030204" pitchFamily="49" charset="0"/>
-              </a:rPr>
-              <a:t>="Bus</a:t>
-            </a:r>
-            <a:r>
-              <a:rPr lang="en-GB" sz="2000" dirty="0" smtClean="0">
-                <a:latin typeface="Consolas" panose="020B0609020204030204" pitchFamily="49" charset="0"/>
-                <a:cs typeface="Consolas" panose="020B0609020204030204" pitchFamily="49" charset="0"/>
-              </a:rPr>
-              <a:t>"&gt; </a:t>
-            </a:r>
-            <a:endParaRPr lang="en-GB" sz="2000" dirty="0">
-              <a:latin typeface="Consolas" panose="020B0609020204030204" pitchFamily="49" charset="0"/>
-              <a:cs typeface="Consolas" panose="020B0609020204030204" pitchFamily="49" charset="0"/>
-            </a:endParaRPr>
-          </a:p>
-          <a:p>
-            <a:pPr>
-              <a:defRPr/>
-            </a:pPr>
-            <a:r>
-              <a:rPr lang="en-GB" sz="2000" dirty="0">
-                <a:latin typeface="Consolas" panose="020B0609020204030204" pitchFamily="49" charset="0"/>
-                <a:cs typeface="Consolas" panose="020B0609020204030204" pitchFamily="49" charset="0"/>
-              </a:rPr>
-              <a:t>	By Bus &lt;</a:t>
-            </a:r>
-            <a:r>
-              <a:rPr lang="en-GB" sz="2000" dirty="0" err="1" smtClean="0">
-                <a:latin typeface="Consolas" panose="020B0609020204030204" pitchFamily="49" charset="0"/>
-                <a:cs typeface="Consolas" panose="020B0609020204030204" pitchFamily="49" charset="0"/>
-              </a:rPr>
-              <a:t>br</a:t>
-            </a:r>
-            <a:r>
-              <a:rPr lang="en-GB" sz="2000" dirty="0" smtClean="0">
-                <a:latin typeface="Consolas" panose="020B0609020204030204" pitchFamily="49" charset="0"/>
-                <a:cs typeface="Consolas" panose="020B0609020204030204" pitchFamily="49" charset="0"/>
-              </a:rPr>
-              <a:t>&gt;</a:t>
-            </a:r>
-            <a:endParaRPr lang="en-GB" sz="2000" dirty="0">
-              <a:latin typeface="Consolas" panose="020B0609020204030204" pitchFamily="49" charset="0"/>
-              <a:cs typeface="Consolas" panose="020B0609020204030204" pitchFamily="49" charset="0"/>
-            </a:endParaRPr>
-          </a:p>
-        </p:txBody>
-      </p:sp>
-      <p:pic>
-        <p:nvPicPr>
-          <p:cNvPr id="9222" name="Picture 6"/>
-          <p:cNvPicPr>
-            <a:picLocks noChangeAspect="1" noChangeArrowheads="1"/>
-          </p:cNvPicPr>
-          <p:nvPr/>
-        </p:nvPicPr>
-        <p:blipFill>
-          <a:blip r:embed="rId3"/>
-          <a:srcRect/>
-          <a:stretch>
-            <a:fillRect/>
-          </a:stretch>
-        </p:blipFill>
-        <p:spPr bwMode="auto">
-          <a:xfrm>
-            <a:off x="3563938" y="1400175"/>
-            <a:ext cx="1295400" cy="804863"/>
-          </a:xfrm>
-          <a:prstGeom prst="rect">
-            <a:avLst/>
-          </a:prstGeom>
-          <a:noFill/>
-          <a:ln w="9525">
-            <a:solidFill>
-              <a:schemeClr val="accent1">
-                <a:lumMod val="50000"/>
-              </a:schemeClr>
-            </a:solidFill>
-            <a:miter lim="800000"/>
-            <a:headEnd/>
-            <a:tailEnd/>
-          </a:ln>
-        </p:spPr>
-      </p:pic>
-    </p:spTree>
-    <p:extLst>
-      <p:ext uri="{BB962C8B-B14F-4D97-AF65-F5344CB8AC3E}">
-        <p14:creationId xmlns:p14="http://schemas.microsoft.com/office/powerpoint/2010/main" val="3866576752"/>
-      </p:ext>
-    </p:extLst>
-  </p:cSld>
-  <p:clrMapOvr>
-    <a:masterClrMapping/>
-  </p:clrMapOvr>
-  <p:timing>
-    <p:tnLst>
-      <p:par>
-        <p:cTn id="1" dur="indefinite" restart="never" nodeType="tmRoot">
-          <p:childTnLst>
-            <p:seq concurrent="1" nextAc="seek">
-              <p:cTn id="2" dur="indefinite" nodeType="mainSeq">
-                <p:childTnLst>
-                  <p:par>
-                    <p:cTn id="3" fill="hold">
-                      <p:stCondLst>
-                        <p:cond delay="indefinite"/>
-                      </p:stCondLst>
-                      <p:childTnLst>
-                        <p:par>
-                          <p:cTn id="4" fill="hold">
-                            <p:stCondLst>
-                              <p:cond delay="0"/>
-                            </p:stCondLst>
-                            <p:childTnLst>
-                              <p:par>
-                                <p:cTn id="5" presetID="29" presetClass="entr" presetSubtype="0" fill="hold" grpId="0" nodeType="clickEffect">
-                                  <p:stCondLst>
-                                    <p:cond delay="0"/>
-                                  </p:stCondLst>
-                                  <p:childTnLst>
-                                    <p:set>
-                                      <p:cBhvr>
-                                        <p:cTn id="6" dur="1" fill="hold">
-                                          <p:stCondLst>
-                                            <p:cond delay="0"/>
-                                          </p:stCondLst>
-                                        </p:cTn>
-                                        <p:tgtEl>
-                                          <p:spTgt spid="8195"/>
-                                        </p:tgtEl>
-                                        <p:attrNameLst>
-                                          <p:attrName>style.visibility</p:attrName>
-                                        </p:attrNameLst>
-                                      </p:cBhvr>
-                                      <p:to>
-                                        <p:strVal val="visible"/>
-                                      </p:to>
-                                    </p:set>
-                                    <p:anim calcmode="lin" valueType="num">
-                                      <p:cBhvr>
-                                        <p:cTn id="7" dur="1000" fill="hold"/>
-                                        <p:tgtEl>
-                                          <p:spTgt spid="8195"/>
-                                        </p:tgtEl>
-                                        <p:attrNameLst>
-                                          <p:attrName>ppt_x</p:attrName>
-                                        </p:attrNameLst>
-                                      </p:cBhvr>
-                                      <p:tavLst>
-                                        <p:tav tm="0">
-                                          <p:val>
-                                            <p:strVal val="#ppt_x-.2"/>
-                                          </p:val>
-                                        </p:tav>
-                                        <p:tav tm="100000">
-                                          <p:val>
-                                            <p:strVal val="#ppt_x"/>
-                                          </p:val>
-                                        </p:tav>
-                                      </p:tavLst>
-                                    </p:anim>
-                                    <p:anim calcmode="lin" valueType="num">
-                                      <p:cBhvr>
-                                        <p:cTn id="8" dur="1000" fill="hold"/>
-                                        <p:tgtEl>
-                                          <p:spTgt spid="8195"/>
-                                        </p:tgtEl>
-                                        <p:attrNameLst>
-                                          <p:attrName>ppt_y</p:attrName>
-                                        </p:attrNameLst>
-                                      </p:cBhvr>
-                                      <p:tavLst>
-                                        <p:tav tm="0">
-                                          <p:val>
-                                            <p:strVal val="#ppt_y"/>
-                                          </p:val>
-                                        </p:tav>
-                                        <p:tav tm="100000">
-                                          <p:val>
-                                            <p:strVal val="#ppt_y"/>
-                                          </p:val>
-                                        </p:tav>
-                                      </p:tavLst>
-                                    </p:anim>
-                                    <p:animEffect transition="in" filter="wipe(right)" prLst="gradientSize: 0.1">
-                                      <p:cBhvr>
-                                        <p:cTn id="9" dur="1000"/>
-                                        <p:tgtEl>
-                                          <p:spTgt spid="8195"/>
-                                        </p:tgtEl>
-                                      </p:cBhvr>
-                                    </p:animEffect>
-                                  </p:childTnLst>
-                                </p:cTn>
-                              </p:par>
-                            </p:childTnLst>
-                          </p:cTn>
-                        </p:par>
-                      </p:childTnLst>
-                    </p:cTn>
-                  </p:par>
-                </p:childTnLst>
-              </p:cTn>
-              <p:prevCondLst>
-                <p:cond evt="onPrev" delay="0">
-                  <p:tgtEl>
-                    <p:sldTgt/>
-                  </p:tgtEl>
-                </p:cond>
-              </p:prevCondLst>
-              <p:nextCondLst>
-                <p:cond evt="onNext" delay="0">
-                  <p:tgtEl>
-                    <p:sldTgt/>
-                  </p:tgtEl>
-                </p:cond>
-              </p:nextCondLst>
-            </p:seq>
-          </p:childTnLst>
-        </p:cTn>
-      </p:par>
-    </p:tnLst>
-    <p:bldLst>
-      <p:bldP spid="8195" grpId="0" animBg="1"/>
-    </p:bldLst>
-  </p:timing>
-</p:sld>
-</file>
-
-<file path=ppt/slides/slide8.xml><?xml version="1.0" encoding="utf-8"?>
-<p:sld xmlns:a="http://schemas.openxmlformats.org/drawingml/2006/main" xmlns:r="http://schemas.openxmlformats.org/officeDocument/2006/relationships" xmlns:p="http://schemas.openxmlformats.org/presentationml/2006/main" showMasterSp="0">
-  <p:cSld>
-    <p:spTree>
-      <p:nvGrpSpPr>
-        <p:cNvPr id="1" name=""/>
-        <p:cNvGrpSpPr/>
-        <p:nvPr/>
-      </p:nvGrpSpPr>
-      <p:grpSpPr>
-        <a:xfrm>
-          <a:off x="0" y="0"/>
-          <a:ext cx="0" cy="0"/>
-          <a:chOff x="0" y="0"/>
-          <a:chExt cx="0" cy="0"/>
-        </a:xfrm>
-      </p:grpSpPr>
-      <p:sp>
-        <p:nvSpPr>
-          <p:cNvPr id="10243" name="Rectangle 2"/>
-          <p:cNvSpPr>
-            <a:spLocks noGrp="1" noChangeArrowheads="1"/>
-          </p:cNvSpPr>
-          <p:nvPr>
-            <p:ph type="title"/>
-          </p:nvPr>
-        </p:nvSpPr>
-        <p:spPr>
-          <a:xfrm>
-            <a:off x="0" y="357188"/>
-            <a:ext cx="9144000" cy="714375"/>
-          </a:xfrm>
-        </p:spPr>
-        <p:txBody>
-          <a:bodyPr/>
-          <a:lstStyle/>
-          <a:p>
-            <a:pPr algn="ctr" eaLnBrk="1" hangingPunct="1">
-              <a:defRPr/>
-            </a:pPr>
-            <a:r>
-              <a:rPr lang="en-GB" sz="3600" dirty="0" smtClean="0">
-                <a:solidFill>
-                  <a:schemeClr val="tx1"/>
-                </a:solidFill>
-              </a:rPr>
-              <a:t>The </a:t>
-            </a:r>
-            <a:r>
-              <a:rPr lang="en-GB" sz="3600" i="1" dirty="0" smtClean="0">
-                <a:solidFill>
-                  <a:schemeClr val="tx1"/>
-                </a:solidFill>
-              </a:rPr>
-              <a:t>input</a:t>
-            </a:r>
-            <a:r>
-              <a:rPr lang="en-GB" sz="3600" dirty="0" smtClean="0">
-                <a:solidFill>
-                  <a:schemeClr val="tx1"/>
-                </a:solidFill>
-              </a:rPr>
-              <a:t> Element:</a:t>
-            </a:r>
-            <a:r>
-              <a:rPr lang="en-GB" sz="3600" dirty="0" smtClean="0">
-                <a:solidFill>
-                  <a:srgbClr val="C00000"/>
-                </a:solidFill>
-              </a:rPr>
-              <a:t> Radio Button</a:t>
-            </a:r>
-            <a:endParaRPr lang="en-GB" sz="3600" dirty="0" smtClean="0">
-              <a:solidFill>
-                <a:srgbClr val="C00000"/>
-              </a:solidFill>
-              <a:ea typeface="+mj-ea"/>
-            </a:endParaRPr>
-          </a:p>
-        </p:txBody>
-      </p:sp>
-      <p:sp>
-        <p:nvSpPr>
-          <p:cNvPr id="8195" name="Rectangle 4"/>
-          <p:cNvSpPr>
-            <a:spLocks noChangeArrowheads="1"/>
-          </p:cNvSpPr>
-          <p:nvPr/>
-        </p:nvSpPr>
-        <p:spPr bwMode="auto">
-          <a:xfrm>
-            <a:off x="644525" y="2276475"/>
-            <a:ext cx="7959923" cy="1872605"/>
-          </a:xfrm>
-          <a:prstGeom prst="rect">
-            <a:avLst/>
-          </a:prstGeom>
-          <a:solidFill>
-            <a:schemeClr val="accent3">
-              <a:lumMod val="85000"/>
-            </a:schemeClr>
-          </a:solidFill>
-          <a:ln w="9525" algn="ctr">
-            <a:solidFill>
-              <a:schemeClr val="tx1"/>
-            </a:solidFill>
-            <a:round/>
-            <a:headEnd/>
-            <a:tailEnd/>
-          </a:ln>
-        </p:spPr>
-        <p:txBody>
-          <a:bodyPr/>
-          <a:lstStyle/>
-          <a:p>
-            <a:pPr>
-              <a:defRPr/>
-            </a:pPr>
-            <a:r>
-              <a:rPr lang="en-GB" sz="2000" dirty="0">
-                <a:latin typeface="Consolas" panose="020B0609020204030204" pitchFamily="49" charset="0"/>
-                <a:cs typeface="Consolas" panose="020B0609020204030204" pitchFamily="49" charset="0"/>
-              </a:rPr>
-              <a:t>&lt;input </a:t>
-            </a:r>
-            <a:r>
-              <a:rPr lang="en-GB" sz="2000" dirty="0">
-                <a:solidFill>
-                  <a:srgbClr val="C00000"/>
-                </a:solidFill>
-                <a:latin typeface="Consolas" panose="020B0609020204030204" pitchFamily="49" charset="0"/>
-                <a:cs typeface="Consolas" panose="020B0609020204030204" pitchFamily="49" charset="0"/>
-              </a:rPr>
-              <a:t>type</a:t>
-            </a:r>
-            <a:r>
-              <a:rPr lang="en-GB" sz="2000" dirty="0">
-                <a:latin typeface="Consolas" panose="020B0609020204030204" pitchFamily="49" charset="0"/>
-                <a:cs typeface="Consolas" panose="020B0609020204030204" pitchFamily="49" charset="0"/>
-              </a:rPr>
-              <a:t>="</a:t>
-            </a:r>
-            <a:r>
-              <a:rPr lang="en-GB" sz="2000" dirty="0">
-                <a:solidFill>
-                  <a:srgbClr val="0000FF"/>
-                </a:solidFill>
-                <a:latin typeface="Consolas" panose="020B0609020204030204" pitchFamily="49" charset="0"/>
-                <a:cs typeface="Consolas" panose="020B0609020204030204" pitchFamily="49" charset="0"/>
-              </a:rPr>
-              <a:t>radio</a:t>
-            </a:r>
-            <a:r>
-              <a:rPr lang="en-GB" sz="2000" dirty="0">
-                <a:latin typeface="Consolas" panose="020B0609020204030204" pitchFamily="49" charset="0"/>
-                <a:cs typeface="Consolas" panose="020B0609020204030204" pitchFamily="49" charset="0"/>
-              </a:rPr>
-              <a:t>" </a:t>
-            </a:r>
-            <a:r>
-              <a:rPr lang="en-GB" sz="2000" dirty="0">
-                <a:solidFill>
-                  <a:srgbClr val="C00000"/>
-                </a:solidFill>
-                <a:latin typeface="Consolas" panose="020B0609020204030204" pitchFamily="49" charset="0"/>
-                <a:cs typeface="Consolas" panose="020B0609020204030204" pitchFamily="49" charset="0"/>
-              </a:rPr>
-              <a:t>name</a:t>
-            </a:r>
-            <a:r>
-              <a:rPr lang="en-GB" sz="2000" dirty="0">
-                <a:latin typeface="Consolas" panose="020B0609020204030204" pitchFamily="49" charset="0"/>
-                <a:cs typeface="Consolas" panose="020B0609020204030204" pitchFamily="49" charset="0"/>
-              </a:rPr>
-              <a:t>="</a:t>
-            </a:r>
-            <a:r>
-              <a:rPr lang="en-GB" sz="2000" dirty="0">
-                <a:solidFill>
-                  <a:srgbClr val="00CC00"/>
-                </a:solidFill>
-                <a:latin typeface="Consolas" panose="020B0609020204030204" pitchFamily="49" charset="0"/>
-                <a:cs typeface="Consolas" panose="020B0609020204030204" pitchFamily="49" charset="0"/>
-              </a:rPr>
-              <a:t>rating</a:t>
-            </a:r>
-            <a:r>
-              <a:rPr lang="en-GB" sz="2000" dirty="0">
-                <a:latin typeface="Consolas" panose="020B0609020204030204" pitchFamily="49" charset="0"/>
-                <a:cs typeface="Consolas" panose="020B0609020204030204" pitchFamily="49" charset="0"/>
-              </a:rPr>
-              <a:t>" </a:t>
-            </a:r>
-            <a:r>
-              <a:rPr lang="en-GB" sz="2000" dirty="0">
-                <a:solidFill>
-                  <a:srgbClr val="C00000"/>
-                </a:solidFill>
-                <a:latin typeface="Consolas" panose="020B0609020204030204" pitchFamily="49" charset="0"/>
-                <a:cs typeface="Consolas" panose="020B0609020204030204" pitchFamily="49" charset="0"/>
-              </a:rPr>
-              <a:t>value</a:t>
-            </a:r>
-            <a:r>
-              <a:rPr lang="en-GB" sz="2000" dirty="0">
-                <a:latin typeface="Consolas" panose="020B0609020204030204" pitchFamily="49" charset="0"/>
-                <a:cs typeface="Consolas" panose="020B0609020204030204" pitchFamily="49" charset="0"/>
-              </a:rPr>
-              <a:t>="</a:t>
-            </a:r>
-            <a:r>
-              <a:rPr lang="en-GB" sz="2000" dirty="0" smtClean="0">
-                <a:latin typeface="Consolas" panose="020B0609020204030204" pitchFamily="49" charset="0"/>
-                <a:cs typeface="Consolas" panose="020B0609020204030204" pitchFamily="49" charset="0"/>
-              </a:rPr>
-              <a:t>excellent"&gt;</a:t>
-            </a:r>
-            <a:endParaRPr lang="en-GB" sz="2000" dirty="0">
-              <a:latin typeface="Consolas" panose="020B0609020204030204" pitchFamily="49" charset="0"/>
-              <a:cs typeface="Consolas" panose="020B0609020204030204" pitchFamily="49" charset="0"/>
-            </a:endParaRPr>
-          </a:p>
-          <a:p>
-            <a:pPr>
-              <a:defRPr/>
-            </a:pPr>
-            <a:r>
-              <a:rPr lang="en-GB" sz="2000" dirty="0">
-                <a:latin typeface="Consolas" panose="020B0609020204030204" pitchFamily="49" charset="0"/>
-                <a:cs typeface="Consolas" panose="020B0609020204030204" pitchFamily="49" charset="0"/>
-              </a:rPr>
-              <a:t>           Excellent &lt;</a:t>
-            </a:r>
-            <a:r>
-              <a:rPr lang="en-GB" sz="2000" dirty="0" err="1">
-                <a:latin typeface="Consolas" panose="020B0609020204030204" pitchFamily="49" charset="0"/>
-                <a:cs typeface="Consolas" panose="020B0609020204030204" pitchFamily="49" charset="0"/>
-              </a:rPr>
-              <a:t>br</a:t>
-            </a:r>
-            <a:r>
-              <a:rPr lang="en-GB" sz="2000" dirty="0">
-                <a:latin typeface="Consolas" panose="020B0609020204030204" pitchFamily="49" charset="0"/>
-                <a:cs typeface="Consolas" panose="020B0609020204030204" pitchFamily="49" charset="0"/>
-              </a:rPr>
-              <a:t>/&gt;</a:t>
-            </a:r>
-          </a:p>
-          <a:p>
-            <a:pPr>
-              <a:defRPr/>
-            </a:pPr>
-            <a:r>
-              <a:rPr lang="en-GB" sz="2000" dirty="0">
-                <a:latin typeface="Consolas" panose="020B0609020204030204" pitchFamily="49" charset="0"/>
-                <a:cs typeface="Consolas" panose="020B0609020204030204" pitchFamily="49" charset="0"/>
-              </a:rPr>
-              <a:t>&lt;input </a:t>
-            </a:r>
-            <a:r>
-              <a:rPr lang="en-GB" sz="2000" dirty="0">
-                <a:solidFill>
-                  <a:srgbClr val="C00000"/>
-                </a:solidFill>
-                <a:latin typeface="Consolas" panose="020B0609020204030204" pitchFamily="49" charset="0"/>
-                <a:cs typeface="Consolas" panose="020B0609020204030204" pitchFamily="49" charset="0"/>
-              </a:rPr>
-              <a:t>type</a:t>
-            </a:r>
-            <a:r>
-              <a:rPr lang="en-GB" sz="2000" dirty="0">
-                <a:latin typeface="Consolas" panose="020B0609020204030204" pitchFamily="49" charset="0"/>
-                <a:cs typeface="Consolas" panose="020B0609020204030204" pitchFamily="49" charset="0"/>
-              </a:rPr>
-              <a:t>="</a:t>
-            </a:r>
-            <a:r>
-              <a:rPr lang="en-GB" sz="2000" dirty="0">
-                <a:solidFill>
-                  <a:srgbClr val="0000FF"/>
-                </a:solidFill>
-                <a:latin typeface="Consolas" panose="020B0609020204030204" pitchFamily="49" charset="0"/>
-                <a:cs typeface="Consolas" panose="020B0609020204030204" pitchFamily="49" charset="0"/>
-              </a:rPr>
-              <a:t>radio</a:t>
-            </a:r>
-            <a:r>
-              <a:rPr lang="en-GB" sz="2000" dirty="0">
-                <a:latin typeface="Consolas" panose="020B0609020204030204" pitchFamily="49" charset="0"/>
-                <a:cs typeface="Consolas" panose="020B0609020204030204" pitchFamily="49" charset="0"/>
-              </a:rPr>
-              <a:t>" </a:t>
-            </a:r>
-            <a:r>
-              <a:rPr lang="en-GB" sz="2000" dirty="0">
-                <a:solidFill>
-                  <a:srgbClr val="C00000"/>
-                </a:solidFill>
-                <a:latin typeface="Consolas" panose="020B0609020204030204" pitchFamily="49" charset="0"/>
-                <a:cs typeface="Consolas" panose="020B0609020204030204" pitchFamily="49" charset="0"/>
-              </a:rPr>
-              <a:t>name</a:t>
-            </a:r>
-            <a:r>
-              <a:rPr lang="en-GB" sz="2000" dirty="0">
-                <a:latin typeface="Consolas" panose="020B0609020204030204" pitchFamily="49" charset="0"/>
-                <a:cs typeface="Consolas" panose="020B0609020204030204" pitchFamily="49" charset="0"/>
-              </a:rPr>
-              <a:t>="</a:t>
-            </a:r>
-            <a:r>
-              <a:rPr lang="en-GB" sz="2000" dirty="0">
-                <a:solidFill>
-                  <a:srgbClr val="00CC00"/>
-                </a:solidFill>
-                <a:latin typeface="Consolas" panose="020B0609020204030204" pitchFamily="49" charset="0"/>
-                <a:cs typeface="Consolas" panose="020B0609020204030204" pitchFamily="49" charset="0"/>
-              </a:rPr>
-              <a:t>rating</a:t>
-            </a:r>
-            <a:r>
-              <a:rPr lang="en-GB" sz="2000" dirty="0">
-                <a:latin typeface="Consolas" panose="020B0609020204030204" pitchFamily="49" charset="0"/>
-                <a:cs typeface="Consolas" panose="020B0609020204030204" pitchFamily="49" charset="0"/>
-              </a:rPr>
-              <a:t>" </a:t>
-            </a:r>
-            <a:r>
-              <a:rPr lang="en-GB" sz="2000" dirty="0">
-                <a:solidFill>
-                  <a:srgbClr val="C00000"/>
-                </a:solidFill>
-                <a:latin typeface="Consolas" panose="020B0609020204030204" pitchFamily="49" charset="0"/>
-                <a:cs typeface="Consolas" panose="020B0609020204030204" pitchFamily="49" charset="0"/>
-              </a:rPr>
-              <a:t>value</a:t>
-            </a:r>
-            <a:r>
-              <a:rPr lang="en-GB" sz="2000" dirty="0">
-                <a:latin typeface="Consolas" panose="020B0609020204030204" pitchFamily="49" charset="0"/>
-                <a:cs typeface="Consolas" panose="020B0609020204030204" pitchFamily="49" charset="0"/>
-              </a:rPr>
-              <a:t>="</a:t>
-            </a:r>
-            <a:r>
-              <a:rPr lang="en-GB" sz="2000" dirty="0" smtClean="0">
-                <a:latin typeface="Consolas" panose="020B0609020204030204" pitchFamily="49" charset="0"/>
-                <a:cs typeface="Consolas" panose="020B0609020204030204" pitchFamily="49" charset="0"/>
-              </a:rPr>
-              <a:t>good"&gt; </a:t>
-            </a:r>
-            <a:r>
-              <a:rPr lang="en-GB" sz="2000" dirty="0">
-                <a:latin typeface="Consolas" panose="020B0609020204030204" pitchFamily="49" charset="0"/>
-                <a:cs typeface="Consolas" panose="020B0609020204030204" pitchFamily="49" charset="0"/>
-              </a:rPr>
-              <a:t>Good </a:t>
-            </a:r>
-          </a:p>
-          <a:p>
-            <a:pPr>
-              <a:defRPr/>
-            </a:pPr>
-            <a:r>
-              <a:rPr lang="en-GB" sz="2000" dirty="0">
-                <a:latin typeface="Consolas" panose="020B0609020204030204" pitchFamily="49" charset="0"/>
-                <a:cs typeface="Consolas" panose="020B0609020204030204" pitchFamily="49" charset="0"/>
-              </a:rPr>
-              <a:t>           &lt;</a:t>
-            </a:r>
-            <a:r>
-              <a:rPr lang="en-GB" sz="2000" dirty="0" err="1">
-                <a:latin typeface="Consolas" panose="020B0609020204030204" pitchFamily="49" charset="0"/>
-                <a:cs typeface="Consolas" panose="020B0609020204030204" pitchFamily="49" charset="0"/>
-              </a:rPr>
-              <a:t>br</a:t>
-            </a:r>
-            <a:r>
-              <a:rPr lang="en-GB" sz="2000" dirty="0">
-                <a:latin typeface="Consolas" panose="020B0609020204030204" pitchFamily="49" charset="0"/>
-                <a:cs typeface="Consolas" panose="020B0609020204030204" pitchFamily="49" charset="0"/>
-              </a:rPr>
-              <a:t>/&gt;</a:t>
-            </a:r>
-          </a:p>
-          <a:p>
-            <a:pPr>
-              <a:defRPr/>
-            </a:pPr>
-            <a:r>
-              <a:rPr lang="en-GB" sz="2000" dirty="0">
-                <a:latin typeface="Consolas" panose="020B0609020204030204" pitchFamily="49" charset="0"/>
-                <a:cs typeface="Consolas" panose="020B0609020204030204" pitchFamily="49" charset="0"/>
-              </a:rPr>
-              <a:t>&lt;input </a:t>
-            </a:r>
-            <a:r>
-              <a:rPr lang="en-GB" sz="2000" dirty="0">
-                <a:solidFill>
-                  <a:srgbClr val="C00000"/>
-                </a:solidFill>
-                <a:latin typeface="Consolas" panose="020B0609020204030204" pitchFamily="49" charset="0"/>
-                <a:cs typeface="Consolas" panose="020B0609020204030204" pitchFamily="49" charset="0"/>
-              </a:rPr>
-              <a:t>type</a:t>
-            </a:r>
-            <a:r>
-              <a:rPr lang="en-GB" sz="2000" dirty="0">
-                <a:latin typeface="Consolas" panose="020B0609020204030204" pitchFamily="49" charset="0"/>
-                <a:cs typeface="Consolas" panose="020B0609020204030204" pitchFamily="49" charset="0"/>
-              </a:rPr>
-              <a:t>="</a:t>
-            </a:r>
-            <a:r>
-              <a:rPr lang="en-GB" sz="2000" dirty="0">
-                <a:solidFill>
-                  <a:srgbClr val="0000FF"/>
-                </a:solidFill>
-                <a:latin typeface="Consolas" panose="020B0609020204030204" pitchFamily="49" charset="0"/>
-                <a:cs typeface="Consolas" panose="020B0609020204030204" pitchFamily="49" charset="0"/>
-              </a:rPr>
-              <a:t>radio</a:t>
-            </a:r>
-            <a:r>
-              <a:rPr lang="en-GB" sz="2000" dirty="0">
-                <a:latin typeface="Consolas" panose="020B0609020204030204" pitchFamily="49" charset="0"/>
-                <a:cs typeface="Consolas" panose="020B0609020204030204" pitchFamily="49" charset="0"/>
-              </a:rPr>
-              <a:t>" </a:t>
-            </a:r>
-            <a:r>
-              <a:rPr lang="en-GB" sz="2000" dirty="0">
-                <a:solidFill>
-                  <a:srgbClr val="C00000"/>
-                </a:solidFill>
-                <a:latin typeface="Consolas" panose="020B0609020204030204" pitchFamily="49" charset="0"/>
-                <a:cs typeface="Consolas" panose="020B0609020204030204" pitchFamily="49" charset="0"/>
-              </a:rPr>
-              <a:t>name</a:t>
-            </a:r>
-            <a:r>
-              <a:rPr lang="en-GB" sz="2000" dirty="0">
-                <a:latin typeface="Consolas" panose="020B0609020204030204" pitchFamily="49" charset="0"/>
-                <a:cs typeface="Consolas" panose="020B0609020204030204" pitchFamily="49" charset="0"/>
-              </a:rPr>
-              <a:t>="</a:t>
-            </a:r>
-            <a:r>
-              <a:rPr lang="en-GB" sz="2000" dirty="0">
-                <a:solidFill>
-                  <a:srgbClr val="00CC00"/>
-                </a:solidFill>
-                <a:latin typeface="Consolas" panose="020B0609020204030204" pitchFamily="49" charset="0"/>
-                <a:cs typeface="Consolas" panose="020B0609020204030204" pitchFamily="49" charset="0"/>
-              </a:rPr>
-              <a:t>rating</a:t>
-            </a:r>
-            <a:r>
-              <a:rPr lang="en-GB" sz="2000" dirty="0">
-                <a:latin typeface="Consolas" panose="020B0609020204030204" pitchFamily="49" charset="0"/>
-                <a:cs typeface="Consolas" panose="020B0609020204030204" pitchFamily="49" charset="0"/>
-              </a:rPr>
-              <a:t>" </a:t>
-            </a:r>
-            <a:r>
-              <a:rPr lang="en-GB" sz="2000" dirty="0">
-                <a:solidFill>
-                  <a:srgbClr val="C00000"/>
-                </a:solidFill>
-                <a:latin typeface="Consolas" panose="020B0609020204030204" pitchFamily="49" charset="0"/>
-                <a:cs typeface="Consolas" panose="020B0609020204030204" pitchFamily="49" charset="0"/>
-              </a:rPr>
-              <a:t>value</a:t>
-            </a:r>
-            <a:r>
-              <a:rPr lang="en-GB" sz="2000" dirty="0">
-                <a:latin typeface="Consolas" panose="020B0609020204030204" pitchFamily="49" charset="0"/>
-                <a:cs typeface="Consolas" panose="020B0609020204030204" pitchFamily="49" charset="0"/>
-              </a:rPr>
-              <a:t>="</a:t>
-            </a:r>
-            <a:r>
-              <a:rPr lang="en-GB" sz="2000" dirty="0" smtClean="0">
-                <a:latin typeface="Consolas" panose="020B0609020204030204" pitchFamily="49" charset="0"/>
-                <a:cs typeface="Consolas" panose="020B0609020204030204" pitchFamily="49" charset="0"/>
-              </a:rPr>
-              <a:t>bad"&gt; </a:t>
-            </a:r>
-            <a:r>
-              <a:rPr lang="en-GB" sz="2000" dirty="0">
-                <a:latin typeface="Consolas" panose="020B0609020204030204" pitchFamily="49" charset="0"/>
-                <a:cs typeface="Consolas" panose="020B0609020204030204" pitchFamily="49" charset="0"/>
-              </a:rPr>
-              <a:t>Bad </a:t>
-            </a:r>
-          </a:p>
-          <a:p>
-            <a:pPr>
-              <a:defRPr/>
-            </a:pPr>
-            <a:r>
-              <a:rPr lang="en-GB" sz="2000" dirty="0">
-                <a:latin typeface="Consolas" panose="020B0609020204030204" pitchFamily="49" charset="0"/>
-                <a:cs typeface="Consolas" panose="020B0609020204030204" pitchFamily="49" charset="0"/>
-              </a:rPr>
-              <a:t>           &lt;</a:t>
-            </a:r>
-            <a:r>
-              <a:rPr lang="en-GB" sz="2000" dirty="0" err="1">
-                <a:latin typeface="Consolas" panose="020B0609020204030204" pitchFamily="49" charset="0"/>
-                <a:cs typeface="Consolas" panose="020B0609020204030204" pitchFamily="49" charset="0"/>
-              </a:rPr>
-              <a:t>br</a:t>
-            </a:r>
-            <a:r>
-              <a:rPr lang="en-GB" sz="2000" dirty="0">
-                <a:latin typeface="Consolas" panose="020B0609020204030204" pitchFamily="49" charset="0"/>
-                <a:cs typeface="Consolas" panose="020B0609020204030204" pitchFamily="49" charset="0"/>
-              </a:rPr>
-              <a:t>/&gt;</a:t>
-            </a:r>
-          </a:p>
-          <a:p>
-            <a:pPr>
-              <a:defRPr/>
-            </a:pPr>
-            <a:endParaRPr lang="en-GB" dirty="0"/>
-          </a:p>
-        </p:txBody>
-      </p:sp>
-      <p:sp>
-        <p:nvSpPr>
-          <p:cNvPr id="6" name="Rectangle 5"/>
-          <p:cNvSpPr/>
-          <p:nvPr/>
-        </p:nvSpPr>
-        <p:spPr>
-          <a:xfrm>
-            <a:off x="467544" y="4166875"/>
-            <a:ext cx="8501063" cy="1200150"/>
-          </a:xfrm>
-          <a:prstGeom prst="rect">
-            <a:avLst/>
-          </a:prstGeom>
-        </p:spPr>
-        <p:txBody>
-          <a:bodyPr>
-            <a:spAutoFit/>
-          </a:bodyPr>
-          <a:lstStyle/>
-          <a:p>
-            <a:pPr indent="268288">
-              <a:buClr>
-                <a:srgbClr val="C00000"/>
-              </a:buClr>
-              <a:buFont typeface="Arial" pitchFamily="34" charset="0"/>
-              <a:buChar char="•"/>
-              <a:defRPr/>
-            </a:pPr>
-            <a:r>
-              <a:rPr lang="en-US" dirty="0"/>
-              <a:t>The buttons in the same group have the same name</a:t>
-            </a:r>
-          </a:p>
-          <a:p>
-            <a:pPr marL="268288" indent="-268288">
-              <a:buClr>
-                <a:srgbClr val="C00000"/>
-              </a:buClr>
-              <a:buFont typeface="Arial" pitchFamily="34" charset="0"/>
-              <a:buChar char="•"/>
-              <a:defRPr/>
-            </a:pPr>
-            <a:r>
-              <a:rPr lang="en-US" dirty="0"/>
-              <a:t>If the user selects </a:t>
-            </a:r>
-            <a:r>
-              <a:rPr lang="en-US" i="1" dirty="0"/>
-              <a:t>excellent</a:t>
-            </a:r>
-            <a:r>
-              <a:rPr lang="en-US" dirty="0"/>
-              <a:t>, the server side script will receive: rating=</a:t>
-            </a:r>
-            <a:r>
-              <a:rPr lang="en-GB" dirty="0"/>
-              <a:t>"</a:t>
-            </a:r>
-            <a:r>
-              <a:rPr lang="en-US" dirty="0"/>
-              <a:t>excellent</a:t>
-            </a:r>
-            <a:r>
-              <a:rPr lang="en-GB" dirty="0"/>
-              <a:t>"</a:t>
-            </a:r>
-          </a:p>
-        </p:txBody>
-      </p:sp>
-      <p:pic>
-        <p:nvPicPr>
-          <p:cNvPr id="10246" name="Picture 6"/>
-          <p:cNvPicPr>
-            <a:picLocks noChangeAspect="1" noChangeArrowheads="1"/>
-          </p:cNvPicPr>
-          <p:nvPr/>
-        </p:nvPicPr>
-        <p:blipFill>
-          <a:blip r:embed="rId3"/>
-          <a:srcRect/>
-          <a:stretch>
-            <a:fillRect/>
-          </a:stretch>
-        </p:blipFill>
-        <p:spPr bwMode="auto">
-          <a:xfrm>
-            <a:off x="3492500" y="1196975"/>
-            <a:ext cx="1674813" cy="936625"/>
-          </a:xfrm>
-          <a:prstGeom prst="rect">
-            <a:avLst/>
-          </a:prstGeom>
-          <a:noFill/>
-          <a:ln w="9525">
-            <a:solidFill>
-              <a:schemeClr val="accent1">
-                <a:lumMod val="50000"/>
-              </a:schemeClr>
-            </a:solidFill>
-            <a:miter lim="800000"/>
-            <a:headEnd/>
-            <a:tailEnd/>
-          </a:ln>
-        </p:spPr>
-      </p:pic>
-    </p:spTree>
-    <p:extLst>
-      <p:ext uri="{BB962C8B-B14F-4D97-AF65-F5344CB8AC3E}">
-        <p14:creationId xmlns:p14="http://schemas.microsoft.com/office/powerpoint/2010/main" val="472968675"/>
-      </p:ext>
-    </p:extLst>
-  </p:cSld>
-  <p:clrMapOvr>
-    <a:masterClrMapping/>
-  </p:clrMapOvr>
-  <p:timing>
-    <p:tnLst>
-      <p:par>
-        <p:cTn id="1" dur="indefinite" restart="never" nodeType="tmRoot">
-          <p:childTnLst>
-            <p:seq concurrent="1" nextAc="seek">
-              <p:cTn id="2" dur="indefinite" nodeType="mainSeq">
-                <p:childTnLst>
-                  <p:par>
-                    <p:cTn id="3" fill="hold">
-                      <p:stCondLst>
-                        <p:cond delay="indefinite"/>
-                      </p:stCondLst>
-                      <p:childTnLst>
-                        <p:par>
-                          <p:cTn id="4" fill="hold">
-                            <p:stCondLst>
-                              <p:cond delay="0"/>
-                            </p:stCondLst>
-                            <p:childTnLst>
-                              <p:par>
-                                <p:cTn id="5" presetID="29" presetClass="entr" presetSubtype="0" fill="hold" grpId="0" nodeType="clickEffect">
-                                  <p:stCondLst>
-                                    <p:cond delay="0"/>
-                                  </p:stCondLst>
-                                  <p:childTnLst>
-                                    <p:set>
-                                      <p:cBhvr>
-                                        <p:cTn id="6" dur="1" fill="hold">
-                                          <p:stCondLst>
-                                            <p:cond delay="0"/>
-                                          </p:stCondLst>
-                                        </p:cTn>
-                                        <p:tgtEl>
-                                          <p:spTgt spid="8195"/>
-                                        </p:tgtEl>
-                                        <p:attrNameLst>
-                                          <p:attrName>style.visibility</p:attrName>
-                                        </p:attrNameLst>
-                                      </p:cBhvr>
-                                      <p:to>
-                                        <p:strVal val="visible"/>
-                                      </p:to>
-                                    </p:set>
-                                    <p:anim calcmode="lin" valueType="num">
-                                      <p:cBhvr>
-                                        <p:cTn id="7" dur="1000" fill="hold"/>
-                                        <p:tgtEl>
-                                          <p:spTgt spid="8195"/>
-                                        </p:tgtEl>
-                                        <p:attrNameLst>
-                                          <p:attrName>ppt_x</p:attrName>
-                                        </p:attrNameLst>
-                                      </p:cBhvr>
-                                      <p:tavLst>
-                                        <p:tav tm="0">
-                                          <p:val>
-                                            <p:strVal val="#ppt_x-.2"/>
-                                          </p:val>
-                                        </p:tav>
-                                        <p:tav tm="100000">
-                                          <p:val>
-                                            <p:strVal val="#ppt_x"/>
-                                          </p:val>
-                                        </p:tav>
-                                      </p:tavLst>
-                                    </p:anim>
-                                    <p:anim calcmode="lin" valueType="num">
-                                      <p:cBhvr>
-                                        <p:cTn id="8" dur="1000" fill="hold"/>
-                                        <p:tgtEl>
-                                          <p:spTgt spid="8195"/>
-                                        </p:tgtEl>
-                                        <p:attrNameLst>
-                                          <p:attrName>ppt_y</p:attrName>
-                                        </p:attrNameLst>
-                                      </p:cBhvr>
-                                      <p:tavLst>
-                                        <p:tav tm="0">
-                                          <p:val>
-                                            <p:strVal val="#ppt_y"/>
-                                          </p:val>
-                                        </p:tav>
-                                        <p:tav tm="100000">
-                                          <p:val>
-                                            <p:strVal val="#ppt_y"/>
-                                          </p:val>
-                                        </p:tav>
-                                      </p:tavLst>
-                                    </p:anim>
-                                    <p:animEffect transition="in" filter="wipe(right)" prLst="gradientSize: 0.1">
-                                      <p:cBhvr>
-                                        <p:cTn id="9" dur="1000"/>
-                                        <p:tgtEl>
-                                          <p:spTgt spid="8195"/>
-                                        </p:tgtEl>
-                                      </p:cBhvr>
-                                    </p:animEffect>
-                                  </p:childTnLst>
-                                </p:cTn>
-                              </p:par>
-                            </p:childTnLst>
-                          </p:cTn>
-                        </p:par>
-                      </p:childTnLst>
-                    </p:cTn>
-                  </p:par>
-                  <p:par>
-                    <p:cTn id="10" fill="hold">
-                      <p:stCondLst>
-                        <p:cond delay="indefinite"/>
-                      </p:stCondLst>
-                      <p:childTnLst>
-                        <p:par>
-                          <p:cTn id="11" fill="hold">
-                            <p:stCondLst>
-                              <p:cond delay="0"/>
-                            </p:stCondLst>
-                            <p:childTnLst>
-                              <p:par>
-                                <p:cTn id="12" presetID="1" presetClass="entr" presetSubtype="0" fill="hold" grpId="0" nodeType="clickEffect">
-                                  <p:stCondLst>
-                                    <p:cond delay="0"/>
-                                  </p:stCondLst>
-                                  <p:childTnLst>
-                                    <p:set>
-                                      <p:cBhvr>
-                                        <p:cTn id="13" dur="1" fill="hold">
-                                          <p:stCondLst>
-                                            <p:cond delay="0"/>
-                                          </p:stCondLst>
-                                        </p:cTn>
-                                        <p:tgtEl>
-                                          <p:spTgt spid="6"/>
-                                        </p:tgtEl>
-                                        <p:attrNameLst>
-                                          <p:attrName>style.visibility</p:attrName>
-                                        </p:attrNameLst>
-                                      </p:cBhvr>
-                                      <p:to>
-                                        <p:strVal val="visible"/>
-                                      </p:to>
-                                    </p:set>
-                                  </p:childTnLst>
-                                </p:cTn>
-                              </p:par>
-                            </p:childTnLst>
-                          </p:cTn>
-                        </p:par>
-                      </p:childTnLst>
-                    </p:cTn>
-                  </p:par>
-                </p:childTnLst>
-              </p:cTn>
-              <p:prevCondLst>
-                <p:cond evt="onPrev" delay="0">
-                  <p:tgtEl>
-                    <p:sldTgt/>
-                  </p:tgtEl>
-                </p:cond>
-              </p:prevCondLst>
-              <p:nextCondLst>
-                <p:cond evt="onNext" delay="0">
-                  <p:tgtEl>
-                    <p:sldTgt/>
-                  </p:tgtEl>
-                </p:cond>
-              </p:nextCondLst>
-            </p:seq>
-          </p:childTnLst>
-        </p:cTn>
-      </p:par>
-    </p:tnLst>
-    <p:bldLst>
-      <p:bldP spid="8195" grpId="0" animBg="1"/>
-      <p:bldP spid="6" grpId="0"/>
-    </p:bldLst>
-  </p:timing>
-</p:sld>
-</file>
-
-<file path=ppt/slides/slide9.xml><?xml version="1.0" encoding="utf-8"?>
-<p:sld xmlns:a="http://schemas.openxmlformats.org/drawingml/2006/main" xmlns:r="http://schemas.openxmlformats.org/officeDocument/2006/relationships" xmlns:p="http://schemas.openxmlformats.org/presentationml/2006/main">
-  <p:cSld>
-    <p:spTree>
-      <p:nvGrpSpPr>
-        <p:cNvPr id="1" name=""/>
-        <p:cNvGrpSpPr/>
-        <p:nvPr/>
-      </p:nvGrpSpPr>
-      <p:grpSpPr>
-        <a:xfrm>
-          <a:off x="0" y="0"/>
-          <a:ext cx="0" cy="0"/>
-          <a:chOff x="0" y="0"/>
-          <a:chExt cx="0" cy="0"/>
-        </a:xfrm>
-      </p:grpSpPr>
-      <p:sp>
-        <p:nvSpPr>
-          <p:cNvPr id="10243" name="Rectangle 2"/>
-          <p:cNvSpPr>
-            <a:spLocks noGrp="1" noChangeArrowheads="1"/>
-          </p:cNvSpPr>
-          <p:nvPr>
-            <p:ph type="title"/>
-          </p:nvPr>
-        </p:nvSpPr>
-        <p:spPr>
-          <a:xfrm>
-            <a:off x="0" y="357188"/>
-            <a:ext cx="9144000" cy="714375"/>
-          </a:xfrm>
-        </p:spPr>
-        <p:txBody>
-          <a:bodyPr/>
-          <a:lstStyle/>
-          <a:p>
-            <a:pPr algn="ctr" eaLnBrk="1" hangingPunct="1">
-              <a:defRPr/>
-            </a:pPr>
-            <a:r>
-              <a:rPr lang="en-GB" sz="3600" dirty="0" smtClean="0">
-                <a:solidFill>
-                  <a:srgbClr val="C00000"/>
-                </a:solidFill>
-              </a:rPr>
-              <a:t>Drop Down List</a:t>
-            </a:r>
-            <a:endParaRPr lang="en-GB" sz="3600" dirty="0" smtClean="0">
-              <a:solidFill>
-                <a:srgbClr val="C00000"/>
-              </a:solidFill>
-              <a:ea typeface="+mj-ea"/>
-            </a:endParaRPr>
-          </a:p>
-        </p:txBody>
-      </p:sp>
-      <p:sp>
-        <p:nvSpPr>
-          <p:cNvPr id="8195" name="Rectangle 4"/>
-          <p:cNvSpPr>
-            <a:spLocks noChangeArrowheads="1"/>
-          </p:cNvSpPr>
-          <p:nvPr/>
-        </p:nvSpPr>
-        <p:spPr bwMode="auto">
-          <a:xfrm>
-            <a:off x="428625" y="1357313"/>
-            <a:ext cx="6429375" cy="2287711"/>
-          </a:xfrm>
-          <a:prstGeom prst="rect">
-            <a:avLst/>
-          </a:prstGeom>
-          <a:solidFill>
-            <a:schemeClr val="accent1"/>
-          </a:solidFill>
-          <a:ln w="9525" algn="ctr">
-            <a:solidFill>
-              <a:schemeClr val="tx1"/>
-            </a:solidFill>
-            <a:round/>
-            <a:headEnd/>
-            <a:tailEnd/>
-          </a:ln>
-        </p:spPr>
-        <p:txBody>
-          <a:bodyPr/>
-          <a:lstStyle/>
-          <a:p>
-            <a:pPr>
-              <a:spcAft>
-                <a:spcPts val="600"/>
-              </a:spcAft>
-            </a:pPr>
-            <a:r>
-              <a:rPr lang="en-GB" sz="2000" dirty="0" smtClean="0">
-                <a:latin typeface="Consolas" panose="020B0609020204030204" pitchFamily="49" charset="0"/>
-                <a:cs typeface="Consolas" panose="020B0609020204030204" pitchFamily="49" charset="0"/>
-              </a:rPr>
-              <a:t>&lt;</a:t>
-            </a:r>
-            <a:r>
-              <a:rPr lang="en-GB" sz="2000" b="1" dirty="0">
-                <a:latin typeface="Consolas" panose="020B0609020204030204" pitchFamily="49" charset="0"/>
-                <a:cs typeface="Consolas" panose="020B0609020204030204" pitchFamily="49" charset="0"/>
-              </a:rPr>
-              <a:t>select</a:t>
-            </a:r>
-            <a:r>
-              <a:rPr lang="en-GB" sz="2000" dirty="0">
-                <a:latin typeface="Consolas" panose="020B0609020204030204" pitchFamily="49" charset="0"/>
-                <a:cs typeface="Consolas" panose="020B0609020204030204" pitchFamily="49" charset="0"/>
-              </a:rPr>
-              <a:t> </a:t>
-            </a:r>
-            <a:r>
-              <a:rPr lang="en-GB" sz="2000" dirty="0">
-                <a:solidFill>
-                  <a:srgbClr val="C00000"/>
-                </a:solidFill>
-                <a:latin typeface="Consolas" panose="020B0609020204030204" pitchFamily="49" charset="0"/>
-                <a:cs typeface="Consolas" panose="020B0609020204030204" pitchFamily="49" charset="0"/>
-              </a:rPr>
-              <a:t>name</a:t>
-            </a:r>
-            <a:r>
-              <a:rPr lang="en-GB" sz="2000" dirty="0">
-                <a:latin typeface="Consolas" panose="020B0609020204030204" pitchFamily="49" charset="0"/>
-                <a:cs typeface="Consolas" panose="020B0609020204030204" pitchFamily="49" charset="0"/>
-              </a:rPr>
-              <a:t>="</a:t>
-            </a:r>
-            <a:r>
-              <a:rPr lang="en-GB" sz="2000" dirty="0">
-                <a:solidFill>
-                  <a:srgbClr val="00CC00"/>
-                </a:solidFill>
-                <a:latin typeface="Consolas" panose="020B0609020204030204" pitchFamily="49" charset="0"/>
-                <a:cs typeface="Consolas" panose="020B0609020204030204" pitchFamily="49" charset="0"/>
-              </a:rPr>
-              <a:t>shipping</a:t>
-            </a:r>
-            <a:r>
-              <a:rPr lang="en-GB" sz="2000" dirty="0">
-                <a:latin typeface="Consolas" panose="020B0609020204030204" pitchFamily="49" charset="0"/>
-                <a:cs typeface="Consolas" panose="020B0609020204030204" pitchFamily="49" charset="0"/>
-              </a:rPr>
-              <a:t>"&gt; </a:t>
-            </a:r>
-          </a:p>
-          <a:p>
-            <a:pPr>
-              <a:spcAft>
-                <a:spcPts val="600"/>
-              </a:spcAft>
-            </a:pPr>
-            <a:r>
-              <a:rPr lang="en-US" sz="2000" dirty="0">
-                <a:latin typeface="Consolas" panose="020B0609020204030204" pitchFamily="49" charset="0"/>
-                <a:cs typeface="Consolas" panose="020B0609020204030204" pitchFamily="49" charset="0"/>
-              </a:rPr>
-              <a:t>    </a:t>
-            </a:r>
-            <a:r>
-              <a:rPr lang="en-GB" sz="2000" dirty="0">
-                <a:latin typeface="Consolas" panose="020B0609020204030204" pitchFamily="49" charset="0"/>
-                <a:cs typeface="Consolas" panose="020B0609020204030204" pitchFamily="49" charset="0"/>
-              </a:rPr>
-              <a:t> &lt;</a:t>
-            </a:r>
-            <a:r>
-              <a:rPr lang="en-GB" sz="2000" b="1" dirty="0">
-                <a:latin typeface="Consolas" panose="020B0609020204030204" pitchFamily="49" charset="0"/>
-                <a:cs typeface="Consolas" panose="020B0609020204030204" pitchFamily="49" charset="0"/>
-              </a:rPr>
-              <a:t>option</a:t>
-            </a:r>
-            <a:r>
-              <a:rPr lang="en-GB" sz="2000" dirty="0">
-                <a:latin typeface="Consolas" panose="020B0609020204030204" pitchFamily="49" charset="0"/>
-                <a:cs typeface="Consolas" panose="020B0609020204030204" pitchFamily="49" charset="0"/>
-              </a:rPr>
-              <a:t> </a:t>
-            </a:r>
-            <a:r>
-              <a:rPr lang="en-GB" sz="2000" dirty="0">
-                <a:solidFill>
-                  <a:srgbClr val="C00000"/>
-                </a:solidFill>
-                <a:latin typeface="Consolas" panose="020B0609020204030204" pitchFamily="49" charset="0"/>
-                <a:cs typeface="Consolas" panose="020B0609020204030204" pitchFamily="49" charset="0"/>
-              </a:rPr>
-              <a:t>value</a:t>
-            </a:r>
-            <a:r>
-              <a:rPr lang="en-GB" sz="2000" dirty="0">
-                <a:latin typeface="Consolas" panose="020B0609020204030204" pitchFamily="49" charset="0"/>
-                <a:cs typeface="Consolas" panose="020B0609020204030204" pitchFamily="49" charset="0"/>
-              </a:rPr>
-              <a:t>="</a:t>
-            </a:r>
-            <a:r>
-              <a:rPr lang="en-GB" sz="2000" dirty="0">
-                <a:solidFill>
-                  <a:srgbClr val="00CC00"/>
-                </a:solidFill>
-                <a:latin typeface="Consolas" panose="020B0609020204030204" pitchFamily="49" charset="0"/>
-                <a:cs typeface="Consolas" panose="020B0609020204030204" pitchFamily="49" charset="0"/>
-              </a:rPr>
-              <a:t>1</a:t>
-            </a:r>
-            <a:r>
-              <a:rPr lang="en-GB" sz="2000" dirty="0">
-                <a:latin typeface="Consolas" panose="020B0609020204030204" pitchFamily="49" charset="0"/>
-                <a:cs typeface="Consolas" panose="020B0609020204030204" pitchFamily="49" charset="0"/>
-              </a:rPr>
-              <a:t>"&gt; Standard&lt;</a:t>
-            </a:r>
-            <a:r>
-              <a:rPr lang="en-GB" sz="2000" b="1" dirty="0">
-                <a:latin typeface="Consolas" panose="020B0609020204030204" pitchFamily="49" charset="0"/>
-                <a:cs typeface="Consolas" panose="020B0609020204030204" pitchFamily="49" charset="0"/>
-              </a:rPr>
-              <a:t>/option</a:t>
-            </a:r>
-            <a:r>
-              <a:rPr lang="en-GB" sz="2000" dirty="0">
-                <a:latin typeface="Consolas" panose="020B0609020204030204" pitchFamily="49" charset="0"/>
-                <a:cs typeface="Consolas" panose="020B0609020204030204" pitchFamily="49" charset="0"/>
-              </a:rPr>
-              <a:t>&gt; </a:t>
-            </a:r>
-          </a:p>
-          <a:p>
-            <a:pPr>
-              <a:spcAft>
-                <a:spcPts val="600"/>
-              </a:spcAft>
-            </a:pPr>
-            <a:r>
-              <a:rPr lang="en-GB" sz="2000" dirty="0">
-                <a:latin typeface="Consolas" panose="020B0609020204030204" pitchFamily="49" charset="0"/>
-                <a:cs typeface="Consolas" panose="020B0609020204030204" pitchFamily="49" charset="0"/>
-              </a:rPr>
-              <a:t>     &lt;</a:t>
-            </a:r>
-            <a:r>
-              <a:rPr lang="en-GB" sz="2000" b="1" dirty="0">
-                <a:latin typeface="Consolas" panose="020B0609020204030204" pitchFamily="49" charset="0"/>
-                <a:cs typeface="Consolas" panose="020B0609020204030204" pitchFamily="49" charset="0"/>
-              </a:rPr>
-              <a:t>option</a:t>
-            </a:r>
-            <a:r>
-              <a:rPr lang="en-GB" sz="2000" dirty="0">
-                <a:latin typeface="Consolas" panose="020B0609020204030204" pitchFamily="49" charset="0"/>
-                <a:cs typeface="Consolas" panose="020B0609020204030204" pitchFamily="49" charset="0"/>
-              </a:rPr>
-              <a:t> </a:t>
-            </a:r>
-            <a:r>
-              <a:rPr lang="en-GB" sz="2000" dirty="0">
-                <a:solidFill>
-                  <a:srgbClr val="C00000"/>
-                </a:solidFill>
-                <a:latin typeface="Consolas" panose="020B0609020204030204" pitchFamily="49" charset="0"/>
-                <a:cs typeface="Consolas" panose="020B0609020204030204" pitchFamily="49" charset="0"/>
-              </a:rPr>
-              <a:t>value</a:t>
-            </a:r>
-            <a:r>
-              <a:rPr lang="en-GB" sz="2000" dirty="0">
-                <a:latin typeface="Consolas" panose="020B0609020204030204" pitchFamily="49" charset="0"/>
-                <a:cs typeface="Consolas" panose="020B0609020204030204" pitchFamily="49" charset="0"/>
-              </a:rPr>
-              <a:t>="</a:t>
-            </a:r>
-            <a:r>
-              <a:rPr lang="en-GB" sz="2000" dirty="0">
-                <a:solidFill>
-                  <a:srgbClr val="00CC00"/>
-                </a:solidFill>
-                <a:latin typeface="Consolas" panose="020B0609020204030204" pitchFamily="49" charset="0"/>
-                <a:cs typeface="Consolas" panose="020B0609020204030204" pitchFamily="49" charset="0"/>
-              </a:rPr>
-              <a:t>2</a:t>
-            </a:r>
-            <a:r>
-              <a:rPr lang="en-GB" sz="2000" dirty="0">
-                <a:latin typeface="Consolas" panose="020B0609020204030204" pitchFamily="49" charset="0"/>
-                <a:cs typeface="Consolas" panose="020B0609020204030204" pitchFamily="49" charset="0"/>
-              </a:rPr>
-              <a:t>"&gt; 2-day&lt;</a:t>
-            </a:r>
-            <a:r>
-              <a:rPr lang="en-GB" sz="2000" b="1" dirty="0">
-                <a:latin typeface="Consolas" panose="020B0609020204030204" pitchFamily="49" charset="0"/>
-                <a:cs typeface="Consolas" panose="020B0609020204030204" pitchFamily="49" charset="0"/>
-              </a:rPr>
-              <a:t>/option</a:t>
-            </a:r>
-            <a:r>
-              <a:rPr lang="en-GB" sz="2000" dirty="0">
-                <a:latin typeface="Consolas" panose="020B0609020204030204" pitchFamily="49" charset="0"/>
-                <a:cs typeface="Consolas" panose="020B0609020204030204" pitchFamily="49" charset="0"/>
-              </a:rPr>
-              <a:t>&gt; </a:t>
-            </a:r>
-          </a:p>
-          <a:p>
-            <a:pPr>
-              <a:spcAft>
-                <a:spcPts val="600"/>
-              </a:spcAft>
-            </a:pPr>
-            <a:r>
-              <a:rPr lang="en-US" sz="2000" dirty="0">
-                <a:latin typeface="Consolas" panose="020B0609020204030204" pitchFamily="49" charset="0"/>
-                <a:cs typeface="Consolas" panose="020B0609020204030204" pitchFamily="49" charset="0"/>
-              </a:rPr>
-              <a:t>    </a:t>
-            </a:r>
-            <a:r>
-              <a:rPr lang="en-GB" sz="2000" dirty="0">
-                <a:latin typeface="Consolas" panose="020B0609020204030204" pitchFamily="49" charset="0"/>
-                <a:cs typeface="Consolas" panose="020B0609020204030204" pitchFamily="49" charset="0"/>
-              </a:rPr>
-              <a:t> &lt;</a:t>
-            </a:r>
-            <a:r>
-              <a:rPr lang="en-GB" sz="2000" b="1" dirty="0">
-                <a:latin typeface="Consolas" panose="020B0609020204030204" pitchFamily="49" charset="0"/>
-                <a:cs typeface="Consolas" panose="020B0609020204030204" pitchFamily="49" charset="0"/>
-              </a:rPr>
-              <a:t>option</a:t>
-            </a:r>
-            <a:r>
-              <a:rPr lang="en-GB" sz="2000" dirty="0">
-                <a:latin typeface="Consolas" panose="020B0609020204030204" pitchFamily="49" charset="0"/>
-                <a:cs typeface="Consolas" panose="020B0609020204030204" pitchFamily="49" charset="0"/>
-              </a:rPr>
-              <a:t> </a:t>
-            </a:r>
-            <a:r>
-              <a:rPr lang="en-GB" sz="2000" dirty="0">
-                <a:solidFill>
-                  <a:srgbClr val="C00000"/>
-                </a:solidFill>
-                <a:latin typeface="Consolas" panose="020B0609020204030204" pitchFamily="49" charset="0"/>
-                <a:cs typeface="Consolas" panose="020B0609020204030204" pitchFamily="49" charset="0"/>
-              </a:rPr>
-              <a:t>value</a:t>
-            </a:r>
-            <a:r>
-              <a:rPr lang="en-GB" sz="2000" dirty="0">
-                <a:latin typeface="Consolas" panose="020B0609020204030204" pitchFamily="49" charset="0"/>
-                <a:cs typeface="Consolas" panose="020B0609020204030204" pitchFamily="49" charset="0"/>
-              </a:rPr>
-              <a:t>="</a:t>
-            </a:r>
-            <a:r>
-              <a:rPr lang="en-GB" sz="2000" dirty="0">
-                <a:solidFill>
-                  <a:srgbClr val="00CC00"/>
-                </a:solidFill>
-                <a:latin typeface="Consolas" panose="020B0609020204030204" pitchFamily="49" charset="0"/>
-                <a:cs typeface="Consolas" panose="020B0609020204030204" pitchFamily="49" charset="0"/>
-              </a:rPr>
-              <a:t>3</a:t>
-            </a:r>
-            <a:r>
-              <a:rPr lang="en-GB" sz="2000" dirty="0">
-                <a:latin typeface="Consolas" panose="020B0609020204030204" pitchFamily="49" charset="0"/>
-                <a:cs typeface="Consolas" panose="020B0609020204030204" pitchFamily="49" charset="0"/>
-              </a:rPr>
-              <a:t>"&gt; Overnight&lt;</a:t>
-            </a:r>
-            <a:r>
-              <a:rPr lang="en-GB" sz="2000" b="1" dirty="0">
-                <a:latin typeface="Consolas" panose="020B0609020204030204" pitchFamily="49" charset="0"/>
-                <a:cs typeface="Consolas" panose="020B0609020204030204" pitchFamily="49" charset="0"/>
-              </a:rPr>
-              <a:t>/option</a:t>
-            </a:r>
-            <a:r>
-              <a:rPr lang="en-GB" sz="2000" dirty="0">
-                <a:latin typeface="Consolas" panose="020B0609020204030204" pitchFamily="49" charset="0"/>
-                <a:cs typeface="Consolas" panose="020B0609020204030204" pitchFamily="49" charset="0"/>
-              </a:rPr>
-              <a:t>&gt; </a:t>
-            </a:r>
-          </a:p>
-          <a:p>
-            <a:pPr>
-              <a:spcAft>
-                <a:spcPts val="600"/>
-              </a:spcAft>
-            </a:pPr>
-            <a:r>
-              <a:rPr lang="en-GB" sz="2000" dirty="0">
-                <a:latin typeface="Consolas" panose="020B0609020204030204" pitchFamily="49" charset="0"/>
-                <a:cs typeface="Consolas" panose="020B0609020204030204" pitchFamily="49" charset="0"/>
-              </a:rPr>
-              <a:t>&lt;</a:t>
-            </a:r>
-            <a:r>
-              <a:rPr lang="en-GB" sz="2000" b="1" dirty="0">
-                <a:latin typeface="Consolas" panose="020B0609020204030204" pitchFamily="49" charset="0"/>
-                <a:cs typeface="Consolas" panose="020B0609020204030204" pitchFamily="49" charset="0"/>
-              </a:rPr>
-              <a:t>/select</a:t>
-            </a:r>
-            <a:r>
-              <a:rPr lang="en-GB" sz="2000" dirty="0">
-                <a:latin typeface="Consolas" panose="020B0609020204030204" pitchFamily="49" charset="0"/>
-                <a:cs typeface="Consolas" panose="020B0609020204030204" pitchFamily="49" charset="0"/>
-              </a:rPr>
-              <a:t>&gt;</a:t>
-            </a:r>
-          </a:p>
-        </p:txBody>
-      </p:sp>
-      <p:sp>
-        <p:nvSpPr>
-          <p:cNvPr id="6" name="Rectangle 5"/>
-          <p:cNvSpPr>
-            <a:spLocks noChangeArrowheads="1"/>
-          </p:cNvSpPr>
-          <p:nvPr/>
-        </p:nvSpPr>
-        <p:spPr bwMode="auto">
-          <a:xfrm>
-            <a:off x="428625" y="3789040"/>
-            <a:ext cx="8501063" cy="2031325"/>
+            <a:off x="500063" y="260350"/>
+            <a:ext cx="8443912" cy="857250"/>
           </a:xfrm>
           <a:prstGeom prst="rect">
             <a:avLst/>
@@ -10675,144 +5973,46 @@
           </a:ln>
         </p:spPr>
         <p:txBody>
-          <a:bodyPr>
-            <a:spAutoFit/>
-          </a:bodyPr>
-          <a:lstStyle/>
-          <a:p>
-            <a:pPr marL="268288" indent="-268288">
-              <a:spcAft>
-                <a:spcPts val="600"/>
-              </a:spcAft>
-              <a:buClr>
-                <a:srgbClr val="C00000"/>
-              </a:buClr>
-              <a:buFont typeface="Arial" charset="0"/>
-              <a:buChar char="•"/>
+          <a:bodyPr lIns="0" tIns="0" rIns="0" bIns="0"/>
+          <a:lstStyle/>
+          <a:p>
+            <a:pPr algn="ctr" eaLnBrk="1" hangingPunct="1">
+              <a:defRPr/>
             </a:pPr>
             <a:r>
-              <a:rPr lang="en-US" dirty="0"/>
-              <a:t>You can create a list using the </a:t>
-            </a:r>
-            <a:r>
-              <a:rPr lang="en-US" dirty="0">
+              <a:rPr lang="en-GB" sz="4400" b="1" kern="0" dirty="0" smtClean="0">
                 <a:solidFill>
                   <a:srgbClr val="C00000"/>
                 </a:solidFill>
-                <a:latin typeface="Consolas" panose="020B0609020204030204" pitchFamily="49" charset="0"/>
-                <a:cs typeface="Consolas" panose="020B0609020204030204" pitchFamily="49" charset="0"/>
+                <a:latin typeface="+mj-lt"/>
+                <a:ea typeface="+mj-ea"/>
+                <a:cs typeface="+mj-cs"/>
               </a:rPr>
-              <a:t>&lt;select&gt;…&lt;/select&gt; </a:t>
-            </a:r>
-            <a:r>
-              <a:rPr lang="en-US" dirty="0"/>
-              <a:t>tag, giving the items in the list by using the </a:t>
-            </a:r>
-            <a:r>
-              <a:rPr lang="en-US" dirty="0">
-                <a:solidFill>
-                  <a:srgbClr val="C00000"/>
-                </a:solidFill>
-                <a:latin typeface="Consolas" panose="020B0609020204030204" pitchFamily="49" charset="0"/>
-                <a:cs typeface="Consolas" panose="020B0609020204030204" pitchFamily="49" charset="0"/>
-              </a:rPr>
-              <a:t>&lt;option&gt; </a:t>
-            </a:r>
-            <a:r>
-              <a:rPr lang="en-US" dirty="0"/>
-              <a:t>tag</a:t>
-            </a:r>
-          </a:p>
-          <a:p>
-            <a:pPr marL="268288" indent="-268288">
-              <a:spcAft>
-                <a:spcPts val="600"/>
-              </a:spcAft>
-              <a:buClr>
+              <a:t>References</a:t>
+            </a:r>
+            <a:endParaRPr lang="en-GB" sz="4400" b="1" kern="0" dirty="0">
+              <a:solidFill>
                 <a:srgbClr val="C00000"/>
-              </a:buClr>
-              <a:buFont typeface="Arial" charset="0"/>
-              <a:buChar char="•"/>
-            </a:pPr>
-            <a:r>
-              <a:rPr lang="en-US" dirty="0"/>
-              <a:t>If the user selects "Standard", the server side script will receive: shipping=1</a:t>
-            </a:r>
-          </a:p>
-          <a:p>
-            <a:pPr marL="268288" indent="-268288">
-              <a:spcAft>
-                <a:spcPts val="600"/>
-              </a:spcAft>
-              <a:buClr>
-                <a:srgbClr val="C00000"/>
-              </a:buClr>
-              <a:buFont typeface="Arial" charset="0"/>
-              <a:buChar char="•"/>
-            </a:pPr>
-            <a:r>
-              <a:rPr lang="en-GB" sz="2000" dirty="0">
-                <a:latin typeface="Consolas" panose="020B0609020204030204" pitchFamily="49" charset="0"/>
-                <a:cs typeface="Consolas" panose="020B0609020204030204" pitchFamily="49" charset="0"/>
-              </a:rPr>
-              <a:t>&lt;option value="1" </a:t>
-            </a:r>
-            <a:r>
-              <a:rPr lang="en-GB" sz="2000" dirty="0">
-                <a:solidFill>
-                  <a:srgbClr val="C00000"/>
-                </a:solidFill>
-                <a:latin typeface="Consolas" panose="020B0609020204030204" pitchFamily="49" charset="0"/>
-                <a:cs typeface="Consolas" panose="020B0609020204030204" pitchFamily="49" charset="0"/>
-              </a:rPr>
-              <a:t>selected</a:t>
-            </a:r>
-            <a:r>
-              <a:rPr lang="en-GB" sz="2000" dirty="0">
-                <a:latin typeface="Consolas" panose="020B0609020204030204" pitchFamily="49" charset="0"/>
-                <a:cs typeface="Consolas" panose="020B0609020204030204" pitchFamily="49" charset="0"/>
-              </a:rPr>
-              <a:t>="</a:t>
-            </a:r>
-            <a:r>
-              <a:rPr lang="en-GB" sz="2000" dirty="0">
-                <a:solidFill>
-                  <a:srgbClr val="FFC000"/>
-                </a:solidFill>
-                <a:latin typeface="Consolas" panose="020B0609020204030204" pitchFamily="49" charset="0"/>
-                <a:cs typeface="Consolas" panose="020B0609020204030204" pitchFamily="49" charset="0"/>
-              </a:rPr>
-              <a:t>selected</a:t>
-            </a:r>
-            <a:r>
-              <a:rPr lang="en-GB" sz="2000" dirty="0">
-                <a:latin typeface="Consolas" panose="020B0609020204030204" pitchFamily="49" charset="0"/>
-                <a:cs typeface="Consolas" panose="020B0609020204030204" pitchFamily="49" charset="0"/>
-              </a:rPr>
-              <a:t>"&gt;Standard&lt;/option&gt; </a:t>
-            </a:r>
-          </a:p>
-        </p:txBody>
-      </p:sp>
-      <p:pic>
-        <p:nvPicPr>
-          <p:cNvPr id="46083" name="Picture 3" descr="Drop down list"/>
-          <p:cNvPicPr>
-            <a:picLocks noChangeAspect="1" noChangeArrowheads="1"/>
-          </p:cNvPicPr>
+              </a:solidFill>
+              <a:latin typeface="+mj-lt"/>
+              <a:ea typeface="+mj-ea"/>
+              <a:cs typeface="+mj-cs"/>
+            </a:endParaRPr>
+          </a:p>
+        </p:txBody>
+      </p:sp>
+      <p:sp>
+        <p:nvSpPr>
+          <p:cNvPr id="33795" name="Rectangle 3"/>
+          <p:cNvSpPr txBox="1">
+            <a:spLocks noChangeArrowheads="1"/>
+          </p:cNvSpPr>
           <p:nvPr/>
-        </p:nvPicPr>
-        <p:blipFill>
-          <a:blip r:embed="rId3"/>
-          <a:srcRect/>
-          <a:stretch>
-            <a:fillRect/>
-          </a:stretch>
-        </p:blipFill>
+        </p:nvSpPr>
         <p:spPr bwMode="auto">
           <a:xfrm>
-            <a:off x="7215188" y="2012950"/>
-            <a:ext cx="1500187" cy="1558925"/>
+            <a:off x="395536" y="1117600"/>
+            <a:ext cx="8548439" cy="4737124"/>
           </a:xfrm>
           <a:prstGeom prst="rect">
             <a:avLst/>
@@ -10825,11 +6025,356 @@
             <a:tailEnd/>
           </a:ln>
         </p:spPr>
-      </p:pic>
+        <p:txBody>
+          <a:bodyPr lIns="0" tIns="0" rIns="0" bIns="0"/>
+          <a:lstStyle/>
+          <a:p>
+            <a:pPr marL="447675" indent="-447675" eaLnBrk="1" hangingPunct="1">
+              <a:lnSpc>
+                <a:spcPct val="150000"/>
+              </a:lnSpc>
+              <a:buClr>
+                <a:srgbClr val="C00000"/>
+              </a:buClr>
+              <a:buSzPct val="80000"/>
+              <a:buFont typeface="Wingdings" pitchFamily="2" charset="2"/>
+              <a:buChar char="Ø"/>
+              <a:tabLst>
+                <a:tab pos="93663" algn="l"/>
+              </a:tabLst>
+            </a:pPr>
+            <a:endParaRPr lang="en-GB" altLang="zh-CN" sz="1800" dirty="0" smtClean="0">
+              <a:solidFill>
+                <a:srgbClr val="000000"/>
+              </a:solidFill>
+              <a:latin typeface="Times New Roman" pitchFamily="18" charset="0"/>
+              <a:cs typeface="Times New Roman" pitchFamily="18" charset="0"/>
+            </a:endParaRPr>
+          </a:p>
+          <a:p>
+            <a:pPr marL="447675" indent="-447675" eaLnBrk="1" hangingPunct="1">
+              <a:lnSpc>
+                <a:spcPct val="150000"/>
+              </a:lnSpc>
+              <a:buClr>
+                <a:srgbClr val="C00000"/>
+              </a:buClr>
+              <a:buSzPct val="80000"/>
+              <a:buFont typeface="Wingdings" pitchFamily="2" charset="2"/>
+              <a:buChar char="Ø"/>
+              <a:tabLst>
+                <a:tab pos="93663" algn="l"/>
+              </a:tabLst>
+            </a:pPr>
+            <a:r>
+              <a:rPr lang="en-GB" altLang="zh-CN" sz="1800" dirty="0" smtClean="0">
+                <a:solidFill>
+                  <a:srgbClr val="000000"/>
+                </a:solidFill>
+                <a:latin typeface="Times New Roman" pitchFamily="18" charset="0"/>
+                <a:cs typeface="Times New Roman" pitchFamily="18" charset="0"/>
+              </a:rPr>
+              <a:t>HTML Forms </a:t>
+            </a:r>
+            <a:r>
+              <a:rPr lang="en-GB" sz="1800" dirty="0">
+                <a:latin typeface="Times New Roman" pitchFamily="18" charset="0"/>
+                <a:hlinkClick r:id="rId3"/>
+              </a:rPr>
+              <a:t>http://www.w3schools.com/html/html_forms.asp</a:t>
+            </a:r>
+            <a:endParaRPr lang="en-GB" sz="1800" dirty="0">
+              <a:latin typeface="Times New Roman" pitchFamily="18" charset="0"/>
+            </a:endParaRPr>
+          </a:p>
+          <a:p>
+            <a:pPr marL="447675" indent="-447675">
+              <a:lnSpc>
+                <a:spcPct val="150000"/>
+              </a:lnSpc>
+              <a:buClr>
+                <a:srgbClr val="C00000"/>
+              </a:buClr>
+              <a:buSzPct val="80000"/>
+              <a:buFont typeface="Wingdings" pitchFamily="2" charset="2"/>
+              <a:buChar char="Ø"/>
+              <a:tabLst>
+                <a:tab pos="93663" algn="l"/>
+              </a:tabLst>
+            </a:pPr>
+            <a:r>
+              <a:rPr lang="en-GB" altLang="zh-CN" sz="1800" dirty="0">
+                <a:solidFill>
+                  <a:srgbClr val="000000"/>
+                </a:solidFill>
+                <a:latin typeface="Times New Roman" pitchFamily="18" charset="0"/>
+                <a:cs typeface="Times New Roman" pitchFamily="18" charset="0"/>
+              </a:rPr>
+              <a:t>HTML </a:t>
+            </a:r>
+            <a:r>
+              <a:rPr lang="en-GB" altLang="zh-CN" sz="1800" dirty="0" smtClean="0">
+                <a:solidFill>
+                  <a:srgbClr val="000000"/>
+                </a:solidFill>
+                <a:latin typeface="Consolas" panose="020B0609020204030204" pitchFamily="49" charset="0"/>
+                <a:cs typeface="Consolas" panose="020B0609020204030204" pitchFamily="49" charset="0"/>
+              </a:rPr>
+              <a:t>&lt;input&gt; </a:t>
+            </a:r>
+            <a:r>
+              <a:rPr lang="en-GB" altLang="zh-CN" sz="1800" dirty="0">
+                <a:solidFill>
+                  <a:srgbClr val="000000"/>
+                </a:solidFill>
+                <a:latin typeface="Times New Roman" pitchFamily="18" charset="0"/>
+                <a:cs typeface="Times New Roman" pitchFamily="18" charset="0"/>
+              </a:rPr>
+              <a:t>tag </a:t>
+            </a:r>
+            <a:r>
+              <a:rPr lang="en-GB" sz="1800" dirty="0">
+                <a:latin typeface="Times New Roman" pitchFamily="18" charset="0"/>
+                <a:hlinkClick r:id="rId4"/>
+              </a:rPr>
+              <a:t>http://www.w3schools.com/tags/tag_input.asp</a:t>
+            </a:r>
+            <a:endParaRPr lang="en-GB" sz="1800" dirty="0">
+              <a:latin typeface="Times New Roman" pitchFamily="18" charset="0"/>
+            </a:endParaRPr>
+          </a:p>
+          <a:p>
+            <a:pPr marL="447675" indent="-447675">
+              <a:lnSpc>
+                <a:spcPct val="150000"/>
+              </a:lnSpc>
+              <a:buClr>
+                <a:srgbClr val="C00000"/>
+              </a:buClr>
+              <a:buSzPct val="80000"/>
+              <a:buFont typeface="Wingdings" pitchFamily="2" charset="2"/>
+              <a:buChar char="Ø"/>
+              <a:tabLst>
+                <a:tab pos="93663" algn="l"/>
+              </a:tabLst>
+            </a:pPr>
+            <a:r>
+              <a:rPr lang="en-GB" altLang="zh-CN" sz="1800" dirty="0">
+                <a:solidFill>
+                  <a:srgbClr val="000000"/>
+                </a:solidFill>
+                <a:latin typeface="Times New Roman" pitchFamily="18" charset="0"/>
+                <a:cs typeface="Times New Roman" pitchFamily="18" charset="0"/>
+              </a:rPr>
+              <a:t>HTML </a:t>
+            </a:r>
+            <a:r>
+              <a:rPr lang="en-GB" altLang="zh-CN" sz="1800" dirty="0" smtClean="0">
+                <a:solidFill>
+                  <a:srgbClr val="000000"/>
+                </a:solidFill>
+                <a:latin typeface="Consolas" panose="020B0609020204030204" pitchFamily="49" charset="0"/>
+                <a:cs typeface="Consolas" panose="020B0609020204030204" pitchFamily="49" charset="0"/>
+              </a:rPr>
+              <a:t>&lt;select&gt; </a:t>
+            </a:r>
+            <a:r>
+              <a:rPr lang="en-GB" altLang="zh-CN" sz="1800" dirty="0">
+                <a:solidFill>
+                  <a:srgbClr val="000000"/>
+                </a:solidFill>
+                <a:latin typeface="Times New Roman" pitchFamily="18" charset="0"/>
+                <a:cs typeface="Times New Roman" pitchFamily="18" charset="0"/>
+              </a:rPr>
+              <a:t>tag </a:t>
+            </a:r>
+            <a:r>
+              <a:rPr lang="en-GB" sz="1800" dirty="0">
+                <a:latin typeface="Times New Roman" pitchFamily="18" charset="0"/>
+                <a:hlinkClick r:id="rId5"/>
+              </a:rPr>
+              <a:t>http://www.w3schools.com/tags/tag_select.asp</a:t>
+            </a:r>
+            <a:endParaRPr lang="en-GB" sz="1800" dirty="0">
+              <a:latin typeface="Times New Roman" pitchFamily="18" charset="0"/>
+            </a:endParaRPr>
+          </a:p>
+          <a:p>
+            <a:pPr marL="447675" indent="-447675">
+              <a:lnSpc>
+                <a:spcPct val="150000"/>
+              </a:lnSpc>
+              <a:buClr>
+                <a:srgbClr val="C00000"/>
+              </a:buClr>
+              <a:buSzPct val="80000"/>
+              <a:buFont typeface="Wingdings" pitchFamily="2" charset="2"/>
+              <a:buChar char="Ø"/>
+              <a:tabLst>
+                <a:tab pos="93663" algn="l"/>
+              </a:tabLst>
+            </a:pPr>
+            <a:r>
+              <a:rPr lang="en-GB" altLang="zh-CN" sz="1800" dirty="0" smtClean="0">
+                <a:solidFill>
+                  <a:srgbClr val="000000"/>
+                </a:solidFill>
+                <a:latin typeface="Times New Roman" pitchFamily="18" charset="0"/>
+                <a:cs typeface="Times New Roman" pitchFamily="18" charset="0"/>
+              </a:rPr>
+              <a:t>HTML </a:t>
+            </a:r>
+            <a:r>
+              <a:rPr lang="en-GB" altLang="zh-CN" sz="1800" dirty="0" smtClean="0">
+                <a:solidFill>
+                  <a:srgbClr val="000000"/>
+                </a:solidFill>
+                <a:latin typeface="Consolas" panose="020B0609020204030204" pitchFamily="49" charset="0"/>
+                <a:cs typeface="Consolas" panose="020B0609020204030204" pitchFamily="49" charset="0"/>
+              </a:rPr>
+              <a:t>&lt;label&gt; </a:t>
+            </a:r>
+            <a:r>
+              <a:rPr lang="en-GB" altLang="zh-CN" sz="1800" dirty="0" smtClean="0">
+                <a:solidFill>
+                  <a:srgbClr val="000000"/>
+                </a:solidFill>
+                <a:latin typeface="Times New Roman" pitchFamily="18" charset="0"/>
+                <a:cs typeface="Times New Roman" pitchFamily="18" charset="0"/>
+              </a:rPr>
+              <a:t>tag </a:t>
+            </a:r>
+            <a:r>
+              <a:rPr lang="en-GB" sz="1800" dirty="0" smtClean="0">
+                <a:latin typeface="Times New Roman" pitchFamily="18" charset="0"/>
+                <a:hlinkClick r:id="rId6"/>
+              </a:rPr>
+              <a:t>http://www.w3schools.com/tags/tryit.asp?filename=tryhtml_label</a:t>
+            </a:r>
+            <a:endParaRPr lang="en-GB" sz="1800" dirty="0" smtClean="0">
+              <a:latin typeface="Times New Roman" pitchFamily="18" charset="0"/>
+            </a:endParaRPr>
+          </a:p>
+          <a:p>
+            <a:pPr marL="447675" indent="-447675">
+              <a:lnSpc>
+                <a:spcPct val="150000"/>
+              </a:lnSpc>
+              <a:buClr>
+                <a:srgbClr val="C00000"/>
+              </a:buClr>
+              <a:buSzPct val="80000"/>
+              <a:buFont typeface="Wingdings" pitchFamily="2" charset="2"/>
+              <a:buChar char="Ø"/>
+              <a:tabLst>
+                <a:tab pos="93663" algn="l"/>
+              </a:tabLst>
+            </a:pPr>
+            <a:r>
+              <a:rPr lang="en-GB" altLang="zh-CN" sz="1800" dirty="0">
+                <a:solidFill>
+                  <a:srgbClr val="000000"/>
+                </a:solidFill>
+                <a:latin typeface="Times New Roman" pitchFamily="18" charset="0"/>
+                <a:cs typeface="Times New Roman" pitchFamily="18" charset="0"/>
+              </a:rPr>
+              <a:t>HTML </a:t>
+            </a:r>
+            <a:r>
+              <a:rPr lang="en-GB" altLang="zh-CN" sz="1800" dirty="0" smtClean="0">
+                <a:solidFill>
+                  <a:srgbClr val="000000"/>
+                </a:solidFill>
+                <a:latin typeface="Consolas" panose="020B0609020204030204" pitchFamily="49" charset="0"/>
+                <a:cs typeface="Consolas" panose="020B0609020204030204" pitchFamily="49" charset="0"/>
+              </a:rPr>
+              <a:t>&lt;</a:t>
+            </a:r>
+            <a:r>
+              <a:rPr lang="en-GB" altLang="zh-CN" sz="1800" dirty="0" err="1" smtClean="0">
+                <a:solidFill>
+                  <a:srgbClr val="000000"/>
+                </a:solidFill>
+                <a:latin typeface="Consolas" panose="020B0609020204030204" pitchFamily="49" charset="0"/>
+                <a:cs typeface="Consolas" panose="020B0609020204030204" pitchFamily="49" charset="0"/>
+              </a:rPr>
+              <a:t>fieldset</a:t>
+            </a:r>
+            <a:r>
+              <a:rPr lang="en-GB" altLang="zh-CN" sz="1800" dirty="0" smtClean="0">
+                <a:solidFill>
+                  <a:srgbClr val="000000"/>
+                </a:solidFill>
+                <a:latin typeface="Consolas" panose="020B0609020204030204" pitchFamily="49" charset="0"/>
+                <a:cs typeface="Consolas" panose="020B0609020204030204" pitchFamily="49" charset="0"/>
+              </a:rPr>
+              <a:t>&gt; </a:t>
+            </a:r>
+            <a:r>
+              <a:rPr lang="en-GB" altLang="zh-CN" sz="1800" dirty="0">
+                <a:solidFill>
+                  <a:srgbClr val="000000"/>
+                </a:solidFill>
+                <a:latin typeface="Times New Roman" pitchFamily="18" charset="0"/>
+                <a:cs typeface="Times New Roman" pitchFamily="18" charset="0"/>
+              </a:rPr>
+              <a:t>tag </a:t>
+            </a:r>
+            <a:r>
+              <a:rPr lang="en-GB" sz="1800" dirty="0">
+                <a:latin typeface="Times New Roman" pitchFamily="18" charset="0"/>
+                <a:hlinkClick r:id="rId7"/>
+              </a:rPr>
+              <a:t>http://www.w3schools.com/tags/tag_fieldset.asp</a:t>
+            </a:r>
+            <a:endParaRPr lang="en-GB" sz="1800" dirty="0">
+              <a:latin typeface="Times New Roman" pitchFamily="18" charset="0"/>
+            </a:endParaRPr>
+          </a:p>
+          <a:p>
+            <a:pPr marL="447675" indent="-447675">
+              <a:lnSpc>
+                <a:spcPct val="150000"/>
+              </a:lnSpc>
+              <a:buClr>
+                <a:srgbClr val="C00000"/>
+              </a:buClr>
+              <a:buSzPct val="80000"/>
+              <a:buFont typeface="Wingdings" pitchFamily="2" charset="2"/>
+              <a:buChar char="Ø"/>
+              <a:tabLst>
+                <a:tab pos="93663" algn="l"/>
+              </a:tabLst>
+            </a:pPr>
+            <a:endParaRPr lang="en-GB" sz="1800" dirty="0" smtClean="0">
+              <a:latin typeface="Times New Roman" pitchFamily="18" charset="0"/>
+            </a:endParaRPr>
+          </a:p>
+          <a:p>
+            <a:pPr marL="447675" indent="-447675" eaLnBrk="1" hangingPunct="1">
+              <a:lnSpc>
+                <a:spcPct val="150000"/>
+              </a:lnSpc>
+              <a:buClr>
+                <a:srgbClr val="C00000"/>
+              </a:buClr>
+              <a:buSzPct val="80000"/>
+              <a:buFont typeface="Wingdings" pitchFamily="2" charset="2"/>
+              <a:buChar char="Ø"/>
+              <a:tabLst>
+                <a:tab pos="93663" algn="l"/>
+              </a:tabLst>
+            </a:pPr>
+            <a:endParaRPr lang="en-GB" altLang="zh-CN" sz="1800" dirty="0" smtClean="0">
+              <a:latin typeface="Times New Roman" pitchFamily="18" charset="0"/>
+            </a:endParaRPr>
+          </a:p>
+        </p:txBody>
+      </p:sp>
     </p:spTree>
     <p:extLst>
       <p:ext uri="{BB962C8B-B14F-4D97-AF65-F5344CB8AC3E}">
-        <p14:creationId xmlns:p14="http://schemas.microsoft.com/office/powerpoint/2010/main" val="4159871584"/>
+        <p14:creationId xmlns:p14="http://schemas.microsoft.com/office/powerpoint/2010/main" val="3359179282"/>
       </p:ext>
     </p:extLst>
   </p:cSld>
@@ -10839,228 +6384,9 @@
   <p:timing>
     <p:tnLst>
       <p:par>
-        <p:cTn id="1" dur="indefinite" restart="never" nodeType="tmRoot">
-          <p:childTnLst>
-            <p:seq concurrent="1" nextAc="seek">
-              <p:cTn id="2" dur="indefinite" nodeType="mainSeq">
-                <p:childTnLst>
-                  <p:par>
-                    <p:cTn id="3" fill="hold">
-                      <p:stCondLst>
-                        <p:cond delay="indefinite"/>
-                        <p:cond evt="onBegin" delay="0">
-                          <p:tn val="2"/>
-                        </p:cond>
-                      </p:stCondLst>
-                      <p:childTnLst>
-                        <p:par>
-                          <p:cTn id="4" fill="hold">
-                            <p:stCondLst>
-                              <p:cond delay="0"/>
-                            </p:stCondLst>
-                            <p:childTnLst>
-                              <p:par>
-                                <p:cTn id="5" presetID="1" presetClass="entr" presetSubtype="0" fill="hold" nodeType="afterEffect">
-                                  <p:stCondLst>
-                                    <p:cond delay="0"/>
-                                  </p:stCondLst>
-                                  <p:childTnLst>
-                                    <p:set>
-                                      <p:cBhvr>
-                                        <p:cTn id="6" dur="1" fill="hold">
-                                          <p:stCondLst>
-                                            <p:cond delay="0"/>
-                                          </p:stCondLst>
-                                        </p:cTn>
-                                        <p:tgtEl>
-                                          <p:spTgt spid="46083"/>
-                                        </p:tgtEl>
-                                        <p:attrNameLst>
-                                          <p:attrName>style.visibility</p:attrName>
-                                        </p:attrNameLst>
-                                      </p:cBhvr>
-                                      <p:to>
-                                        <p:strVal val="visible"/>
-                                      </p:to>
-                                    </p:set>
-                                  </p:childTnLst>
-                                </p:cTn>
-                              </p:par>
-                            </p:childTnLst>
-                          </p:cTn>
-                        </p:par>
-                      </p:childTnLst>
-                    </p:cTn>
-                  </p:par>
-                  <p:par>
-                    <p:cTn id="7" fill="hold">
-                      <p:stCondLst>
-                        <p:cond delay="indefinite"/>
-                      </p:stCondLst>
-                      <p:childTnLst>
-                        <p:par>
-                          <p:cTn id="8" fill="hold">
-                            <p:stCondLst>
-                              <p:cond delay="0"/>
-                            </p:stCondLst>
-                            <p:childTnLst>
-                              <p:par>
-                                <p:cTn id="9" presetID="29" presetClass="entr" presetSubtype="0" fill="hold" grpId="0" nodeType="clickEffect">
-                                  <p:stCondLst>
-                                    <p:cond delay="0"/>
-                                  </p:stCondLst>
-                                  <p:childTnLst>
-                                    <p:set>
-                                      <p:cBhvr>
-                                        <p:cTn id="10" dur="1" fill="hold">
-                                          <p:stCondLst>
-                                            <p:cond delay="0"/>
-                                          </p:stCondLst>
-                                        </p:cTn>
-                                        <p:tgtEl>
-                                          <p:spTgt spid="8195"/>
-                                        </p:tgtEl>
-                                        <p:attrNameLst>
-                                          <p:attrName>style.visibility</p:attrName>
-                                        </p:attrNameLst>
-                                      </p:cBhvr>
-                                      <p:to>
-                                        <p:strVal val="visible"/>
-                                      </p:to>
-                                    </p:set>
-                                    <p:anim calcmode="lin" valueType="num">
-                                      <p:cBhvr>
-                                        <p:cTn id="11" dur="1000" fill="hold"/>
-                                        <p:tgtEl>
-                                          <p:spTgt spid="8195"/>
-                                        </p:tgtEl>
-                                        <p:attrNameLst>
-                                          <p:attrName>ppt_x</p:attrName>
-                                        </p:attrNameLst>
-                                      </p:cBhvr>
-                                      <p:tavLst>
-                                        <p:tav tm="0">
-                                          <p:val>
-                                            <p:strVal val="#ppt_x-.2"/>
-                                          </p:val>
-                                        </p:tav>
-                                        <p:tav tm="100000">
-                                          <p:val>
-                                            <p:strVal val="#ppt_x"/>
-                                          </p:val>
-                                        </p:tav>
-                                      </p:tavLst>
-                                    </p:anim>
-                                    <p:anim calcmode="lin" valueType="num">
-                                      <p:cBhvr>
-                                        <p:cTn id="12" dur="1000" fill="hold"/>
-                                        <p:tgtEl>
-                                          <p:spTgt spid="8195"/>
-                                        </p:tgtEl>
-                                        <p:attrNameLst>
-                                          <p:attrName>ppt_y</p:attrName>
-                                        </p:attrNameLst>
-                                      </p:cBhvr>
-                                      <p:tavLst>
-                                        <p:tav tm="0">
-                                          <p:val>
-                                            <p:strVal val="#ppt_y"/>
-                                          </p:val>
-                                        </p:tav>
-                                        <p:tav tm="100000">
-                                          <p:val>
-                                            <p:strVal val="#ppt_y"/>
-                                          </p:val>
-                                        </p:tav>
-                                      </p:tavLst>
-                                    </p:anim>
-                                    <p:animEffect transition="in" filter="wipe(right)" prLst="gradientSize: 0.1">
-                                      <p:cBhvr>
-                                        <p:cTn id="13" dur="1000"/>
-                                        <p:tgtEl>
-                                          <p:spTgt spid="8195"/>
-                                        </p:tgtEl>
-                                      </p:cBhvr>
-                                    </p:animEffect>
-                                  </p:childTnLst>
-                                </p:cTn>
-                              </p:par>
-                            </p:childTnLst>
-                          </p:cTn>
-                        </p:par>
-                      </p:childTnLst>
-                    </p:cTn>
-                  </p:par>
-                  <p:par>
-                    <p:cTn id="14" fill="hold">
-                      <p:stCondLst>
-                        <p:cond delay="indefinite"/>
-                      </p:stCondLst>
-                      <p:childTnLst>
-                        <p:par>
-                          <p:cTn id="15" fill="hold">
-                            <p:stCondLst>
-                              <p:cond delay="0"/>
-                            </p:stCondLst>
-                            <p:childTnLst>
-                              <p:par>
-                                <p:cTn id="16" presetID="1" presetClass="entr" presetSubtype="0" fill="hold" grpId="0" nodeType="clickEffect">
-                                  <p:stCondLst>
-                                    <p:cond delay="0"/>
-                                  </p:stCondLst>
-                                  <p:childTnLst>
-                                    <p:set>
-                                      <p:cBhvr>
-                                        <p:cTn id="17" dur="1" fill="hold">
-                                          <p:stCondLst>
-                                            <p:cond delay="0"/>
-                                          </p:stCondLst>
-                                        </p:cTn>
-                                        <p:tgtEl>
-                                          <p:spTgt spid="6"/>
-                                        </p:tgtEl>
-                                        <p:attrNameLst>
-                                          <p:attrName>style.visibility</p:attrName>
-                                        </p:attrNameLst>
-                                      </p:cBhvr>
-                                      <p:to>
-                                        <p:strVal val="visible"/>
-                                      </p:to>
-                                    </p:set>
-                                  </p:childTnLst>
-                                </p:cTn>
-                              </p:par>
-                            </p:childTnLst>
-                          </p:cTn>
-                        </p:par>
-                      </p:childTnLst>
-                    </p:cTn>
-                  </p:par>
-                </p:childTnLst>
-              </p:cTn>
-              <p:prevCondLst>
-                <p:cond evt="onPrev" delay="0">
-                  <p:tgtEl>
-                    <p:sldTgt/>
-                  </p:tgtEl>
-                </p:cond>
-              </p:prevCondLst>
-              <p:nextCondLst>
-                <p:cond evt="onNext" delay="0">
-                  <p:tgtEl>
-                    <p:sldTgt/>
-                  </p:tgtEl>
-                </p:cond>
-              </p:nextCondLst>
-            </p:seq>
-          </p:childTnLst>
-        </p:cTn>
+        <p:cTn id="1" dur="indefinite" restart="never" nodeType="tmRoot"/>
       </p:par>
     </p:tnLst>
-    <p:bldLst>
-      <p:bldP spid="8195" grpId="0" animBg="1"/>
-      <p:bldP spid="6" grpId="0"/>
-    </p:bldLst>
   </p:timing>
 </p:sld>
 </file>
